--- a/Sketch/Games/Jogo Pinguim.pptx
+++ b/Sketch/Games/Jogo Pinguim.pptx
@@ -5,13 +5,14 @@
     <p:sldMasterId id="2147483648" r:id="rId1"/>
   </p:sldMasterIdLst>
   <p:notesMasterIdLst>
-    <p:notesMasterId r:id="rId6"/>
+    <p:notesMasterId r:id="rId7"/>
   </p:notesMasterIdLst>
   <p:sldIdLst>
     <p:sldId id="256" r:id="rId2"/>
     <p:sldId id="258" r:id="rId3"/>
     <p:sldId id="259" r:id="rId4"/>
-    <p:sldId id="257" r:id="rId5"/>
+    <p:sldId id="260" r:id="rId5"/>
+    <p:sldId id="257" r:id="rId6"/>
   </p:sldIdLst>
   <p:sldSz cx="9144000" cy="6858000" type="screen4x3"/>
   <p:notesSz cx="6858000" cy="9144000"/>
@@ -5254,102 +5255,6 @@
           </a:prstGeom>
           <a:solidFill>
             <a:srgbClr val="C5E6F7"/>
-          </a:solidFill>
-          <a:ln>
-            <a:noFill/>
-          </a:ln>
-        </p:spPr>
-        <p:style>
-          <a:lnRef idx="2">
-            <a:schemeClr val="accent1">
-              <a:shade val="50000"/>
-            </a:schemeClr>
-          </a:lnRef>
-          <a:fillRef idx="1">
-            <a:schemeClr val="accent1"/>
-          </a:fillRef>
-          <a:effectRef idx="0">
-            <a:schemeClr val="accent1"/>
-          </a:effectRef>
-          <a:fontRef idx="minor">
-            <a:schemeClr val="lt1"/>
-          </a:fontRef>
-        </p:style>
-        <p:txBody>
-          <a:bodyPr rtlCol="0" anchor="ctr"/>
-          <a:lstStyle/>
-          <a:p>
-            <a:pPr algn="ctr"/>
-            <a:endParaRPr lang="pt-BR"/>
-          </a:p>
-        </p:txBody>
-      </p:sp>
-      <p:sp>
-        <p:nvSpPr>
-          <p:cNvPr id="34" name="Elipse 33"/>
-          <p:cNvSpPr/>
-          <p:nvPr/>
-        </p:nvSpPr>
-        <p:spPr>
-          <a:xfrm>
-            <a:off x="6328870" y="940265"/>
-            <a:ext cx="848168" cy="848168"/>
-          </a:xfrm>
-          <a:prstGeom prst="ellipse">
-            <a:avLst/>
-          </a:prstGeom>
-          <a:solidFill>
-            <a:srgbClr val="F8D714">
-              <a:alpha val="60000"/>
-            </a:srgbClr>
-          </a:solidFill>
-          <a:ln>
-            <a:noFill/>
-          </a:ln>
-        </p:spPr>
-        <p:style>
-          <a:lnRef idx="2">
-            <a:schemeClr val="accent1">
-              <a:shade val="50000"/>
-            </a:schemeClr>
-          </a:lnRef>
-          <a:fillRef idx="1">
-            <a:schemeClr val="accent1"/>
-          </a:fillRef>
-          <a:effectRef idx="0">
-            <a:schemeClr val="accent1"/>
-          </a:effectRef>
-          <a:fontRef idx="minor">
-            <a:schemeClr val="lt1"/>
-          </a:fontRef>
-        </p:style>
-        <p:txBody>
-          <a:bodyPr rtlCol="0" anchor="ctr"/>
-          <a:lstStyle/>
-          <a:p>
-            <a:pPr algn="ctr"/>
-            <a:endParaRPr lang="pt-BR"/>
-          </a:p>
-        </p:txBody>
-      </p:sp>
-      <p:sp>
-        <p:nvSpPr>
-          <p:cNvPr id="33" name="Elipse 32"/>
-          <p:cNvSpPr/>
-          <p:nvPr/>
-        </p:nvSpPr>
-        <p:spPr>
-          <a:xfrm>
-            <a:off x="6263237" y="874632"/>
-            <a:ext cx="979434" cy="979434"/>
-          </a:xfrm>
-          <a:prstGeom prst="ellipse">
-            <a:avLst/>
-          </a:prstGeom>
-          <a:solidFill>
-            <a:srgbClr val="F8D714">
-              <a:alpha val="20000"/>
-            </a:srgbClr>
           </a:solidFill>
           <a:ln>
             <a:noFill/>
@@ -6418,23 +6323,80 @@
       </p:pic>
       <p:sp>
         <p:nvSpPr>
-          <p:cNvPr id="16" name="Elipse 15"/>
+          <p:cNvPr id="17" name="Elipse 16"/>
           <p:cNvSpPr/>
           <p:nvPr/>
         </p:nvSpPr>
         <p:spPr>
           <a:xfrm>
-            <a:off x="6415888" y="1027283"/>
-            <a:ext cx="674132" cy="674132"/>
+            <a:off x="900915" y="861510"/>
+            <a:ext cx="2016510" cy="558713"/>
           </a:xfrm>
-          <a:prstGeom prst="ellipse">
+          <a:custGeom>
             <a:avLst/>
-          </a:prstGeom>
+            <a:gdLst/>
+            <a:ahLst/>
+            <a:cxnLst/>
+            <a:rect l="l" t="t" r="r" b="b"/>
+            <a:pathLst>
+              <a:path w="2016510" h="558713">
+                <a:moveTo>
+                  <a:pt x="1325629" y="0"/>
+                </a:moveTo>
+                <a:cubicBezTo>
+                  <a:pt x="1461629" y="0"/>
+                  <a:pt x="1581587" y="68686"/>
+                  <a:pt x="1652610" y="173326"/>
+                </a:cubicBezTo>
+                <a:cubicBezTo>
+                  <a:pt x="1854407" y="187008"/>
+                  <a:pt x="2013655" y="353880"/>
+                  <a:pt x="2016510" y="558713"/>
+                </a:cubicBezTo>
+                <a:lnTo>
+                  <a:pt x="1044" y="558713"/>
+                </a:lnTo>
+                <a:cubicBezTo>
+                  <a:pt x="45" y="555286"/>
+                  <a:pt x="0" y="551825"/>
+                  <a:pt x="0" y="548353"/>
+                </a:cubicBezTo>
+                <a:cubicBezTo>
+                  <a:pt x="0" y="330056"/>
+                  <a:pt x="176964" y="153092"/>
+                  <a:pt x="395261" y="153092"/>
+                </a:cubicBezTo>
+                <a:cubicBezTo>
+                  <a:pt x="479379" y="153092"/>
+                  <a:pt x="557360" y="179369"/>
+                  <a:pt x="621126" y="224615"/>
+                </a:cubicBezTo>
+                <a:cubicBezTo>
+                  <a:pt x="692486" y="146562"/>
+                  <a:pt x="795290" y="98221"/>
+                  <a:pt x="909384" y="98221"/>
+                </a:cubicBezTo>
+                <a:cubicBezTo>
+                  <a:pt x="955639" y="98221"/>
+                  <a:pt x="1000038" y="106166"/>
+                  <a:pt x="1040748" y="122301"/>
+                </a:cubicBezTo>
+                <a:cubicBezTo>
+                  <a:pt x="1112173" y="46738"/>
+                  <a:pt x="1213443" y="0"/>
+                  <a:pt x="1325629" y="0"/>
+                </a:cubicBezTo>
+                <a:close/>
+              </a:path>
+            </a:pathLst>
+          </a:custGeom>
           <a:solidFill>
-            <a:srgbClr val="E1ED41"/>
+            <a:schemeClr val="bg1"/>
           </a:solidFill>
           <a:ln>
-            <a:noFill/>
+            <a:solidFill>
+              <a:schemeClr val="bg1"/>
+            </a:solidFill>
           </a:ln>
         </p:spPr>
         <p:style>
@@ -6462,6 +6424,192 @@
           </a:p>
         </p:txBody>
       </p:sp>
+      <p:sp>
+        <p:nvSpPr>
+          <p:cNvPr id="41" name="Elipse 40"/>
+          <p:cNvSpPr/>
+          <p:nvPr/>
+        </p:nvSpPr>
+        <p:spPr>
+          <a:xfrm>
+            <a:off x="3966524" y="1274754"/>
+            <a:ext cx="1474031" cy="435692"/>
+          </a:xfrm>
+          <a:custGeom>
+            <a:avLst/>
+            <a:gdLst/>
+            <a:ahLst/>
+            <a:cxnLst/>
+            <a:rect l="l" t="t" r="r" b="b"/>
+            <a:pathLst>
+              <a:path w="1474031" h="435692">
+                <a:moveTo>
+                  <a:pt x="805680" y="0"/>
+                </a:moveTo>
+                <a:cubicBezTo>
+                  <a:pt x="941681" y="0"/>
+                  <a:pt x="1061638" y="68686"/>
+                  <a:pt x="1132661" y="173326"/>
+                </a:cubicBezTo>
+                <a:cubicBezTo>
+                  <a:pt x="1291904" y="184123"/>
+                  <a:pt x="1424649" y="290312"/>
+                  <a:pt x="1474031" y="435692"/>
+                </a:cubicBezTo>
+                <a:lnTo>
+                  <a:pt x="0" y="435692"/>
+                </a:lnTo>
+                <a:cubicBezTo>
+                  <a:pt x="26470" y="244669"/>
+                  <a:pt x="190850" y="98221"/>
+                  <a:pt x="389435" y="98221"/>
+                </a:cubicBezTo>
+                <a:cubicBezTo>
+                  <a:pt x="435690" y="98221"/>
+                  <a:pt x="480089" y="106166"/>
+                  <a:pt x="520799" y="122301"/>
+                </a:cubicBezTo>
+                <a:cubicBezTo>
+                  <a:pt x="592224" y="46738"/>
+                  <a:pt x="693494" y="0"/>
+                  <a:pt x="805680" y="0"/>
+                </a:cubicBezTo>
+                <a:close/>
+              </a:path>
+            </a:pathLst>
+          </a:custGeom>
+          <a:solidFill>
+            <a:schemeClr val="bg1"/>
+          </a:solidFill>
+          <a:ln>
+            <a:solidFill>
+              <a:schemeClr val="bg1"/>
+            </a:solidFill>
+          </a:ln>
+        </p:spPr>
+        <p:style>
+          <a:lnRef idx="2">
+            <a:schemeClr val="accent1">
+              <a:shade val="50000"/>
+            </a:schemeClr>
+          </a:lnRef>
+          <a:fillRef idx="1">
+            <a:schemeClr val="accent1"/>
+          </a:fillRef>
+          <a:effectRef idx="0">
+            <a:schemeClr val="accent1"/>
+          </a:effectRef>
+          <a:fontRef idx="minor">
+            <a:schemeClr val="lt1"/>
+          </a:fontRef>
+        </p:style>
+        <p:txBody>
+          <a:bodyPr rtlCol="0" anchor="ctr"/>
+          <a:lstStyle/>
+          <a:p>
+            <a:pPr algn="ctr"/>
+            <a:endParaRPr lang="pt-BR"/>
+          </a:p>
+        </p:txBody>
+      </p:sp>
+      <p:sp>
+        <p:nvSpPr>
+          <p:cNvPr id="49" name="Elipse 48"/>
+          <p:cNvSpPr/>
+          <p:nvPr/>
+        </p:nvSpPr>
+        <p:spPr>
+          <a:xfrm>
+            <a:off x="6258568" y="738490"/>
+            <a:ext cx="1763019" cy="558713"/>
+          </a:xfrm>
+          <a:custGeom>
+            <a:avLst/>
+            <a:gdLst/>
+            <a:ahLst/>
+            <a:cxnLst/>
+            <a:rect l="l" t="t" r="r" b="b"/>
+            <a:pathLst>
+              <a:path w="1763019" h="558713">
+                <a:moveTo>
+                  <a:pt x="811506" y="0"/>
+                </a:moveTo>
+                <a:cubicBezTo>
+                  <a:pt x="947507" y="0"/>
+                  <a:pt x="1067464" y="68686"/>
+                  <a:pt x="1138487" y="173326"/>
+                </a:cubicBezTo>
+                <a:cubicBezTo>
+                  <a:pt x="1298131" y="184150"/>
+                  <a:pt x="1431145" y="290848"/>
+                  <a:pt x="1480185" y="436804"/>
+                </a:cubicBezTo>
+                <a:cubicBezTo>
+                  <a:pt x="1591513" y="437246"/>
+                  <a:pt x="1691960" y="483762"/>
+                  <a:pt x="1763019" y="558713"/>
+                </a:cubicBezTo>
+                <a:lnTo>
+                  <a:pt x="6576" y="558713"/>
+                </a:lnTo>
+                <a:cubicBezTo>
+                  <a:pt x="1845" y="537628"/>
+                  <a:pt x="0" y="515771"/>
+                  <a:pt x="0" y="493482"/>
+                </a:cubicBezTo>
+                <a:cubicBezTo>
+                  <a:pt x="0" y="275185"/>
+                  <a:pt x="176964" y="98221"/>
+                  <a:pt x="395261" y="98221"/>
+                </a:cubicBezTo>
+                <a:cubicBezTo>
+                  <a:pt x="441516" y="98221"/>
+                  <a:pt x="485915" y="106166"/>
+                  <a:pt x="526625" y="122301"/>
+                </a:cubicBezTo>
+                <a:cubicBezTo>
+                  <a:pt x="598050" y="46738"/>
+                  <a:pt x="699320" y="0"/>
+                  <a:pt x="811506" y="0"/>
+                </a:cubicBezTo>
+                <a:close/>
+              </a:path>
+            </a:pathLst>
+          </a:custGeom>
+          <a:solidFill>
+            <a:schemeClr val="bg1"/>
+          </a:solidFill>
+          <a:ln>
+            <a:solidFill>
+              <a:schemeClr val="bg1"/>
+            </a:solidFill>
+          </a:ln>
+        </p:spPr>
+        <p:style>
+          <a:lnRef idx="2">
+            <a:schemeClr val="accent1">
+              <a:shade val="50000"/>
+            </a:schemeClr>
+          </a:lnRef>
+          <a:fillRef idx="1">
+            <a:schemeClr val="accent1"/>
+          </a:fillRef>
+          <a:effectRef idx="0">
+            <a:schemeClr val="accent1"/>
+          </a:effectRef>
+          <a:fontRef idx="minor">
+            <a:schemeClr val="lt1"/>
+          </a:fontRef>
+        </p:style>
+        <p:txBody>
+          <a:bodyPr rtlCol="0" anchor="ctr"/>
+          <a:lstStyle/>
+          <a:p>
+            <a:pPr algn="ctr"/>
+            <a:endParaRPr lang="pt-BR"/>
+          </a:p>
+        </p:txBody>
+      </p:sp>
     </p:spTree>
     <p:extLst>
       <p:ext uri="{BB962C8B-B14F-4D97-AF65-F5344CB8AC3E}">
@@ -6472,6 +6620,13 @@
   <p:clrMapOvr>
     <a:masterClrMapping/>
   </p:clrMapOvr>
+  <p:timing>
+    <p:tnLst>
+      <p:par>
+        <p:cTn id="1" dur="indefinite" restart="never" nodeType="tmRoot"/>
+      </p:par>
+    </p:tnLst>
+  </p:timing>
 </p:sld>
 </file>
 
@@ -6492,382 +6647,219 @@
           <a:chExt cx="0" cy="0"/>
         </a:xfrm>
       </p:grpSpPr>
-      <p:sp>
-        <p:nvSpPr>
-          <p:cNvPr id="2" name="Retângulo 1"/>
-          <p:cNvSpPr/>
+      <p:grpSp>
+        <p:nvGrpSpPr>
+          <p:cNvPr id="26" name="Grupo 25"/>
+          <p:cNvGrpSpPr/>
           <p:nvPr/>
-        </p:nvSpPr>
-        <p:spPr>
+        </p:nvGrpSpPr>
+        <p:grpSpPr>
           <a:xfrm>
-            <a:off x="539552" y="573014"/>
-            <a:ext cx="7879676" cy="5384700"/>
+            <a:off x="505272" y="404664"/>
+            <a:ext cx="7879676" cy="7744929"/>
+            <a:chOff x="539552" y="1474714"/>
+            <a:chExt cx="7879676" cy="7744929"/>
           </a:xfrm>
-          <a:prstGeom prst="rect">
-            <a:avLst/>
-          </a:prstGeom>
-          <a:solidFill>
-            <a:srgbClr val="2FC9FF"/>
-          </a:solidFill>
-          <a:ln>
+        </p:grpSpPr>
+        <p:sp>
+          <p:nvSpPr>
+            <p:cNvPr id="2" name="Retângulo 1"/>
+            <p:cNvSpPr/>
+            <p:nvPr/>
+          </p:nvSpPr>
+          <p:spPr>
+            <a:xfrm>
+              <a:off x="539552" y="1474714"/>
+              <a:ext cx="7879676" cy="5384700"/>
+            </a:xfrm>
+            <a:prstGeom prst="rect">
+              <a:avLst/>
+            </a:prstGeom>
+            <a:solidFill>
+              <a:srgbClr val="C5E6F7"/>
+            </a:solidFill>
+            <a:ln>
+              <a:noFill/>
+            </a:ln>
+          </p:spPr>
+          <p:style>
+            <a:lnRef idx="2">
+              <a:schemeClr val="accent1">
+                <a:shade val="50000"/>
+              </a:schemeClr>
+            </a:lnRef>
+            <a:fillRef idx="1">
+              <a:schemeClr val="accent1"/>
+            </a:fillRef>
+            <a:effectRef idx="0">
+              <a:schemeClr val="accent1"/>
+            </a:effectRef>
+            <a:fontRef idx="minor">
+              <a:schemeClr val="lt1"/>
+            </a:fontRef>
+          </p:style>
+          <p:txBody>
+            <a:bodyPr rtlCol="0" anchor="ctr"/>
+            <a:lstStyle/>
+            <a:p>
+              <a:pPr algn="ctr"/>
+              <a:endParaRPr lang="pt-BR"/>
+            </a:p>
+          </p:txBody>
+        </p:sp>
+        <p:pic>
+          <p:nvPicPr>
+            <p:cNvPr id="24" name="Picture 9" descr="C:\Users\u18194\Desktop\Ludit\Sketch\Personagens\Dodô\1x\Ativo 1.png"/>
+            <p:cNvPicPr>
+              <a:picLocks noChangeAspect="1" noChangeArrowheads="1"/>
+            </p:cNvPicPr>
+            <p:nvPr/>
+          </p:nvPicPr>
+          <p:blipFill>
+            <a:blip r:embed="rId2" cstate="print">
+              <a:extLst>
+                <a:ext uri="{28A0092B-C50C-407E-A947-70E740481C1C}">
+                  <a14:useLocalDpi xmlns:a14="http://schemas.microsoft.com/office/drawing/2010/main" val="0"/>
+                </a:ext>
+              </a:extLst>
+            </a:blip>
+            <a:srcRect/>
+            <a:stretch>
+              <a:fillRect/>
+            </a:stretch>
+          </p:blipFill>
+          <p:spPr bwMode="auto">
+            <a:xfrm>
+              <a:off x="539552" y="4499184"/>
+              <a:ext cx="4206398" cy="4720459"/>
+            </a:xfrm>
+            <a:prstGeom prst="rect">
+              <a:avLst/>
+            </a:prstGeom>
             <a:noFill/>
-          </a:ln>
-        </p:spPr>
-        <p:style>
-          <a:lnRef idx="2">
-            <a:schemeClr val="accent1">
-              <a:shade val="50000"/>
-            </a:schemeClr>
-          </a:lnRef>
-          <a:fillRef idx="1">
-            <a:schemeClr val="accent1"/>
-          </a:fillRef>
-          <a:effectRef idx="0">
-            <a:schemeClr val="accent1"/>
-          </a:effectRef>
-          <a:fontRef idx="minor">
-            <a:schemeClr val="lt1"/>
-          </a:fontRef>
-        </p:style>
-        <p:txBody>
-          <a:bodyPr rtlCol="0" anchor="ctr"/>
-          <a:lstStyle/>
-          <a:p>
-            <a:pPr algn="ctr"/>
-            <a:endParaRPr lang="pt-BR"/>
-          </a:p>
-        </p:txBody>
-      </p:sp>
-      <p:sp>
-        <p:nvSpPr>
-          <p:cNvPr id="3" name="Retângulo 2"/>
-          <p:cNvSpPr/>
-          <p:nvPr/>
-        </p:nvSpPr>
-        <p:spPr>
-          <a:xfrm>
-            <a:off x="539552" y="4041650"/>
-            <a:ext cx="7879676" cy="1916064"/>
-          </a:xfrm>
-          <a:prstGeom prst="rect">
-            <a:avLst/>
-          </a:prstGeom>
-          <a:solidFill>
-            <a:srgbClr val="D5D74D"/>
-          </a:solidFill>
-          <a:ln>
-            <a:noFill/>
-          </a:ln>
-        </p:spPr>
-        <p:style>
-          <a:lnRef idx="2">
-            <a:schemeClr val="accent1">
-              <a:shade val="50000"/>
-            </a:schemeClr>
-          </a:lnRef>
-          <a:fillRef idx="1">
-            <a:schemeClr val="accent1"/>
-          </a:fillRef>
-          <a:effectRef idx="0">
-            <a:schemeClr val="accent1"/>
-          </a:effectRef>
-          <a:fontRef idx="minor">
-            <a:schemeClr val="lt1"/>
-          </a:fontRef>
-        </p:style>
-        <p:txBody>
-          <a:bodyPr rtlCol="0" anchor="ctr"/>
-          <a:lstStyle/>
-          <a:p>
-            <a:pPr algn="ctr"/>
-            <a:endParaRPr lang="pt-BR"/>
-          </a:p>
-        </p:txBody>
-      </p:sp>
-      <p:sp>
-        <p:nvSpPr>
-          <p:cNvPr id="4" name="Retângulo 3"/>
-          <p:cNvSpPr/>
-          <p:nvPr/>
-        </p:nvSpPr>
-        <p:spPr>
-          <a:xfrm>
-            <a:off x="539552" y="5246960"/>
-            <a:ext cx="7879676" cy="486295"/>
-          </a:xfrm>
-          <a:prstGeom prst="rect">
-            <a:avLst/>
-          </a:prstGeom>
-          <a:solidFill>
-            <a:srgbClr val="B5B5B5"/>
-          </a:solidFill>
-          <a:ln>
-            <a:noFill/>
-          </a:ln>
-        </p:spPr>
-        <p:style>
-          <a:lnRef idx="2">
-            <a:schemeClr val="accent1">
-              <a:shade val="50000"/>
-            </a:schemeClr>
-          </a:lnRef>
-          <a:fillRef idx="1">
-            <a:schemeClr val="accent1"/>
-          </a:fillRef>
-          <a:effectRef idx="0">
-            <a:schemeClr val="accent1"/>
-          </a:effectRef>
-          <a:fontRef idx="minor">
-            <a:schemeClr val="lt1"/>
-          </a:fontRef>
-        </p:style>
-        <p:txBody>
-          <a:bodyPr rtlCol="0" anchor="ctr"/>
-          <a:lstStyle/>
-          <a:p>
-            <a:pPr algn="ctr"/>
-            <a:endParaRPr lang="pt-BR" dirty="0"/>
-          </a:p>
-        </p:txBody>
-      </p:sp>
-      <p:sp>
-        <p:nvSpPr>
-          <p:cNvPr id="5" name="Retângulo 4"/>
-          <p:cNvSpPr/>
-          <p:nvPr/>
-        </p:nvSpPr>
-        <p:spPr>
-          <a:xfrm>
-            <a:off x="539552" y="4999682"/>
-            <a:ext cx="7879676" cy="247278"/>
-          </a:xfrm>
-          <a:prstGeom prst="rect">
-            <a:avLst/>
-          </a:prstGeom>
-          <a:solidFill>
-            <a:srgbClr val="D3D3D1"/>
-          </a:solidFill>
-          <a:ln>
-            <a:noFill/>
-          </a:ln>
-        </p:spPr>
-        <p:style>
-          <a:lnRef idx="2">
-            <a:schemeClr val="accent1">
-              <a:shade val="50000"/>
-            </a:schemeClr>
-          </a:lnRef>
-          <a:fillRef idx="1">
-            <a:schemeClr val="accent1"/>
-          </a:fillRef>
-          <a:effectRef idx="0">
-            <a:schemeClr val="accent1"/>
-          </a:effectRef>
-          <a:fontRef idx="minor">
-            <a:schemeClr val="lt1"/>
-          </a:fontRef>
-        </p:style>
-        <p:txBody>
-          <a:bodyPr rtlCol="0" anchor="ctr"/>
-          <a:lstStyle/>
-          <a:p>
-            <a:pPr algn="ctr"/>
-            <a:endParaRPr lang="pt-BR"/>
-          </a:p>
-        </p:txBody>
-      </p:sp>
-      <p:sp>
-        <p:nvSpPr>
-          <p:cNvPr id="6" name="Retângulo 5"/>
-          <p:cNvSpPr/>
-          <p:nvPr/>
-        </p:nvSpPr>
-        <p:spPr>
-          <a:xfrm>
-            <a:off x="539552" y="4869161"/>
-            <a:ext cx="7879676" cy="144016"/>
-          </a:xfrm>
-          <a:prstGeom prst="rect">
-            <a:avLst/>
-          </a:prstGeom>
-          <a:solidFill>
-            <a:srgbClr val="C2C834"/>
-          </a:solidFill>
-          <a:ln>
-            <a:noFill/>
-          </a:ln>
-        </p:spPr>
-        <p:style>
-          <a:lnRef idx="2">
-            <a:schemeClr val="accent1">
-              <a:shade val="50000"/>
-            </a:schemeClr>
-          </a:lnRef>
-          <a:fillRef idx="1">
-            <a:schemeClr val="accent1"/>
-          </a:fillRef>
-          <a:effectRef idx="0">
-            <a:schemeClr val="accent1"/>
-          </a:effectRef>
-          <a:fontRef idx="minor">
-            <a:schemeClr val="lt1"/>
-          </a:fontRef>
-        </p:style>
-        <p:txBody>
-          <a:bodyPr rtlCol="0" anchor="ctr"/>
-          <a:lstStyle/>
-          <a:p>
-            <a:pPr algn="ctr"/>
-            <a:endParaRPr lang="pt-BR"/>
-          </a:p>
-        </p:txBody>
-      </p:sp>
+            <a:extLst>
+              <a:ext uri="{909E8E84-426E-40DD-AFC4-6F175D3DCCD1}">
+                <a14:hiddenFill xmlns:a14="http://schemas.microsoft.com/office/drawing/2010/main">
+                  <a:solidFill>
+                    <a:srgbClr val="FFFFFF"/>
+                  </a:solidFill>
+                </a14:hiddenFill>
+              </a:ext>
+            </a:extLst>
+          </p:spPr>
+        </p:pic>
+        <p:sp>
+          <p:nvSpPr>
+            <p:cNvPr id="25" name="Texto explicativo em forma de nuvem 24"/>
+            <p:cNvSpPr/>
+            <p:nvPr/>
+          </p:nvSpPr>
+          <p:spPr>
+            <a:xfrm>
+              <a:off x="3419872" y="1563050"/>
+              <a:ext cx="4536504" cy="2936134"/>
+            </a:xfrm>
+            <a:prstGeom prst="cloudCallout">
+              <a:avLst>
+                <a:gd name="adj1" fmla="val -17474"/>
+                <a:gd name="adj2" fmla="val 102726"/>
+              </a:avLst>
+            </a:prstGeom>
+            <a:solidFill>
+              <a:schemeClr val="bg1"/>
+            </a:solidFill>
+            <a:ln>
+              <a:solidFill>
+                <a:schemeClr val="bg1"/>
+              </a:solidFill>
+            </a:ln>
+          </p:spPr>
+          <p:style>
+            <a:lnRef idx="2">
+              <a:schemeClr val="accent1">
+                <a:shade val="50000"/>
+              </a:schemeClr>
+            </a:lnRef>
+            <a:fillRef idx="1">
+              <a:schemeClr val="accent1"/>
+            </a:fillRef>
+            <a:effectRef idx="0">
+              <a:schemeClr val="accent1"/>
+            </a:effectRef>
+            <a:fontRef idx="minor">
+              <a:schemeClr val="lt1"/>
+            </a:fontRef>
+          </p:style>
+          <p:txBody>
+            <a:bodyPr rtlCol="0" anchor="ctr"/>
+            <a:lstStyle/>
+            <a:p>
+              <a:pPr algn="ctr"/>
+              <a:endParaRPr lang="pt-BR"/>
+            </a:p>
+          </p:txBody>
+        </p:sp>
+      </p:grpSp>
+    </p:spTree>
+    <p:extLst>
+      <p:ext uri="{BB962C8B-B14F-4D97-AF65-F5344CB8AC3E}">
+        <p14:creationId xmlns:p14="http://schemas.microsoft.com/office/powerpoint/2010/main" val="1905143744"/>
+      </p:ext>
+    </p:extLst>
+  </p:cSld>
+  <p:clrMapOvr>
+    <a:masterClrMapping/>
+  </p:clrMapOvr>
+  <p:timing>
+    <p:tnLst>
+      <p:par>
+        <p:cTn id="1" dur="indefinite" restart="never" nodeType="tmRoot"/>
+      </p:par>
+    </p:tnLst>
+  </p:timing>
+</p:sld>
+</file>
+
+<file path=ppt/slides/slide4.xml><?xml version="1.0" encoding="utf-8"?>
+<p:sld xmlns:a="http://schemas.openxmlformats.org/drawingml/2006/main" xmlns:r="http://schemas.openxmlformats.org/officeDocument/2006/relationships" xmlns:p="http://schemas.openxmlformats.org/presentationml/2006/main">
+  <p:cSld>
+    <p:spTree>
+      <p:nvGrpSpPr>
+        <p:cNvPr id="1" name=""/>
+        <p:cNvGrpSpPr/>
+        <p:nvPr/>
+      </p:nvGrpSpPr>
+      <p:grpSpPr>
+        <a:xfrm>
+          <a:off x="0" y="0"/>
+          <a:ext cx="0" cy="0"/>
+          <a:chOff x="0" y="0"/>
+          <a:chExt cx="0" cy="0"/>
+        </a:xfrm>
+      </p:grpSpPr>
       <p:pic>
         <p:nvPicPr>
-          <p:cNvPr id="20" name="Picture 4" descr="C:\Users\u18194\Desktop\Ludit\LuditApp\app\src\main\res\drawable\lixo_amarelo.png"/>
+          <p:cNvPr id="3074" name="Picture 2" descr="C:\Users\u18194\Pictures\a.png"/>
           <p:cNvPicPr>
             <a:picLocks noChangeAspect="1" noChangeArrowheads="1"/>
           </p:cNvPicPr>
           <p:nvPr/>
         </p:nvPicPr>
-        <p:blipFill>
-          <a:blip r:embed="rId2" cstate="print">
+        <p:blipFill rotWithShape="1">
+          <a:blip r:embed="rId2">
             <a:extLst>
               <a:ext uri="{28A0092B-C50C-407E-A947-70E740481C1C}">
                 <a14:useLocalDpi xmlns:a14="http://schemas.microsoft.com/office/drawing/2010/main" val="0"/>
               </a:ext>
             </a:extLst>
           </a:blip>
-          <a:srcRect/>
-          <a:stretch>
-            <a:fillRect/>
-          </a:stretch>
-        </p:blipFill>
-        <p:spPr bwMode="auto">
-          <a:xfrm>
-            <a:off x="6374424" y="2659470"/>
-            <a:ext cx="889632" cy="1567406"/>
-          </a:xfrm>
-          <a:prstGeom prst="rect">
-            <a:avLst/>
-          </a:prstGeom>
-          <a:noFill/>
-          <a:extLst>
-            <a:ext uri="{909E8E84-426E-40DD-AFC4-6F175D3DCCD1}">
-              <a14:hiddenFill xmlns:a14="http://schemas.microsoft.com/office/drawing/2010/main">
-                <a:solidFill>
-                  <a:srgbClr val="FFFFFF"/>
-                </a:solidFill>
-              </a14:hiddenFill>
-            </a:ext>
-          </a:extLst>
-        </p:spPr>
-      </p:pic>
-      <p:pic>
-        <p:nvPicPr>
-          <p:cNvPr id="21" name="Picture 3" descr="C:\Users\u18194\Desktop\Ludit\LuditApp\app\src\main\res\drawable\lixo_vermelho.png"/>
-          <p:cNvPicPr>
-            <a:picLocks noChangeAspect="1" noChangeArrowheads="1"/>
-          </p:cNvPicPr>
-          <p:nvPr/>
-        </p:nvPicPr>
-        <p:blipFill rotWithShape="1">
-          <a:blip r:embed="rId3" cstate="print">
-            <a:extLst>
-              <a:ext uri="{28A0092B-C50C-407E-A947-70E740481C1C}">
-                <a14:useLocalDpi xmlns:a14="http://schemas.microsoft.com/office/drawing/2010/main" val="0"/>
-              </a:ext>
-            </a:extLst>
-          </a:blip>
-          <a:srcRect b="5253"/>
+          <a:srcRect b="30492"/>
           <a:stretch/>
         </p:blipFill>
         <p:spPr bwMode="auto">
           <a:xfrm>
-            <a:off x="4293256" y="2651666"/>
-            <a:ext cx="889162" cy="1575210"/>
-          </a:xfrm>
-          <a:prstGeom prst="rect">
-            <a:avLst/>
-          </a:prstGeom>
-          <a:noFill/>
-          <a:extLst>
-            <a:ext uri="{909E8E84-426E-40DD-AFC4-6F175D3DCCD1}">
-              <a14:hiddenFill xmlns:a14="http://schemas.microsoft.com/office/drawing/2010/main">
-                <a:solidFill>
-                  <a:srgbClr val="FFFFFF"/>
-                </a:solidFill>
-              </a14:hiddenFill>
-            </a:ext>
-          </a:extLst>
-        </p:spPr>
-      </p:pic>
-      <p:pic>
-        <p:nvPicPr>
-          <p:cNvPr id="22" name="Picture 6" descr="C:\Users\u18194\Desktop\Ludit\LuditApp\app\src\main\res\drawable\lixo_verde.png"/>
-          <p:cNvPicPr>
-            <a:picLocks noChangeAspect="1" noChangeArrowheads="1"/>
-          </p:cNvPicPr>
-          <p:nvPr/>
-        </p:nvPicPr>
-        <p:blipFill>
-          <a:blip r:embed="rId4" cstate="print">
-            <a:extLst>
-              <a:ext uri="{28A0092B-C50C-407E-A947-70E740481C1C}">
-                <a14:useLocalDpi xmlns:a14="http://schemas.microsoft.com/office/drawing/2010/main" val="0"/>
-              </a:ext>
-            </a:extLst>
-          </a:blip>
-          <a:srcRect/>
-          <a:stretch>
-            <a:fillRect/>
-          </a:stretch>
-        </p:blipFill>
-        <p:spPr bwMode="auto">
-          <a:xfrm>
-            <a:off x="5333840" y="2654208"/>
-            <a:ext cx="889162" cy="1572668"/>
-          </a:xfrm>
-          <a:prstGeom prst="rect">
-            <a:avLst/>
-          </a:prstGeom>
-          <a:noFill/>
-          <a:extLst>
-            <a:ext uri="{909E8E84-426E-40DD-AFC4-6F175D3DCCD1}">
-              <a14:hiddenFill xmlns:a14="http://schemas.microsoft.com/office/drawing/2010/main">
-                <a:solidFill>
-                  <a:srgbClr val="FFFFFF"/>
-                </a:solidFill>
-              </a14:hiddenFill>
-            </a:ext>
-          </a:extLst>
-        </p:spPr>
-      </p:pic>
-      <p:pic>
-        <p:nvPicPr>
-          <p:cNvPr id="23" name="Picture 5" descr="C:\Users\u18194\Desktop\Ludit\LuditApp\app\src\main\res\drawable\lixo_azul.png"/>
-          <p:cNvPicPr>
-            <a:picLocks noChangeAspect="1" noChangeArrowheads="1"/>
-          </p:cNvPicPr>
-          <p:nvPr/>
-        </p:nvPicPr>
-        <p:blipFill>
-          <a:blip r:embed="rId5" cstate="print">
-            <a:extLst>
-              <a:ext uri="{28A0092B-C50C-407E-A947-70E740481C1C}">
-                <a14:useLocalDpi xmlns:a14="http://schemas.microsoft.com/office/drawing/2010/main" val="0"/>
-              </a:ext>
-            </a:extLst>
-          </a:blip>
-          <a:srcRect/>
-          <a:stretch>
-            <a:fillRect/>
-          </a:stretch>
-        </p:blipFill>
-        <p:spPr bwMode="auto">
-          <a:xfrm>
-            <a:off x="7415477" y="2654208"/>
-            <a:ext cx="889162" cy="1572668"/>
+            <a:off x="647725" y="908720"/>
+            <a:ext cx="7875587" cy="5384800"/>
           </a:xfrm>
           <a:prstGeom prst="rect">
             <a:avLst/>
@@ -6887,7 +6879,7 @@
     </p:spTree>
     <p:extLst>
       <p:ext uri="{BB962C8B-B14F-4D97-AF65-F5344CB8AC3E}">
-        <p14:creationId xmlns:p14="http://schemas.microsoft.com/office/powerpoint/2010/main" val="1905143744"/>
+        <p14:creationId xmlns:p14="http://schemas.microsoft.com/office/powerpoint/2010/main" val="1523330740"/>
       </p:ext>
     </p:extLst>
   </p:cSld>
@@ -6897,7 +6889,7 @@
 </p:sld>
 </file>
 
-<file path=ppt/slides/slide4.xml><?xml version="1.0" encoding="utf-8"?>
+<file path=ppt/slides/slide5.xml><?xml version="1.0" encoding="utf-8"?>
 <p:sld xmlns:a="http://schemas.openxmlformats.org/drawingml/2006/main" xmlns:r="http://schemas.openxmlformats.org/officeDocument/2006/relationships" xmlns:p="http://schemas.openxmlformats.org/presentationml/2006/main">
   <p:cSld>
     <p:spTree>
@@ -6963,6 +6955,13 @@
   <p:clrMapOvr>
     <a:masterClrMapping/>
   </p:clrMapOvr>
+  <p:timing>
+    <p:tnLst>
+      <p:par>
+        <p:cTn id="1" dur="indefinite" restart="never" nodeType="tmRoot"/>
+      </p:par>
+    </p:tnLst>
+  </p:timing>
 </p:sld>
 </file>
 

--- a/Sketch/Games/Jogo Pinguim.pptx
+++ b/Sketch/Games/Jogo Pinguim.pptx
@@ -5239,52 +5239,6 @@
           <a:chExt cx="0" cy="0"/>
         </a:xfrm>
       </p:grpSpPr>
-      <p:sp>
-        <p:nvSpPr>
-          <p:cNvPr id="3" name="Retângulo 2"/>
-          <p:cNvSpPr/>
-          <p:nvPr/>
-        </p:nvSpPr>
-        <p:spPr>
-          <a:xfrm>
-            <a:off x="539552" y="573014"/>
-            <a:ext cx="7879676" cy="5384700"/>
-          </a:xfrm>
-          <a:prstGeom prst="rect">
-            <a:avLst/>
-          </a:prstGeom>
-          <a:solidFill>
-            <a:srgbClr val="C5E6F7"/>
-          </a:solidFill>
-          <a:ln>
-            <a:noFill/>
-          </a:ln>
-        </p:spPr>
-        <p:style>
-          <a:lnRef idx="2">
-            <a:schemeClr val="accent1">
-              <a:shade val="50000"/>
-            </a:schemeClr>
-          </a:lnRef>
-          <a:fillRef idx="1">
-            <a:schemeClr val="accent1"/>
-          </a:fillRef>
-          <a:effectRef idx="0">
-            <a:schemeClr val="accent1"/>
-          </a:effectRef>
-          <a:fontRef idx="minor">
-            <a:schemeClr val="lt1"/>
-          </a:fontRef>
-        </p:style>
-        <p:txBody>
-          <a:bodyPr rtlCol="0" anchor="ctr"/>
-          <a:lstStyle/>
-          <a:p>
-            <a:pPr algn="ctr"/>
-            <a:endParaRPr lang="pt-BR"/>
-          </a:p>
-        </p:txBody>
-      </p:sp>
       <p:pic>
         <p:nvPicPr>
           <p:cNvPr id="1032" name="Picture 8" descr="Imagem relacionada"/>
@@ -5369,6 +5323,52 @@
       </p:pic>
       <p:sp>
         <p:nvSpPr>
+          <p:cNvPr id="3" name="Retângulo 2"/>
+          <p:cNvSpPr/>
+          <p:nvPr/>
+        </p:nvSpPr>
+        <p:spPr>
+          <a:xfrm>
+            <a:off x="539552" y="573014"/>
+            <a:ext cx="7879676" cy="5384700"/>
+          </a:xfrm>
+          <a:prstGeom prst="rect">
+            <a:avLst/>
+          </a:prstGeom>
+          <a:solidFill>
+            <a:srgbClr val="C5E6F7"/>
+          </a:solidFill>
+          <a:ln>
+            <a:noFill/>
+          </a:ln>
+        </p:spPr>
+        <p:style>
+          <a:lnRef idx="2">
+            <a:schemeClr val="accent1">
+              <a:shade val="50000"/>
+            </a:schemeClr>
+          </a:lnRef>
+          <a:fillRef idx="1">
+            <a:schemeClr val="accent1"/>
+          </a:fillRef>
+          <a:effectRef idx="0">
+            <a:schemeClr val="accent1"/>
+          </a:effectRef>
+          <a:fontRef idx="minor">
+            <a:schemeClr val="lt1"/>
+          </a:fontRef>
+        </p:style>
+        <p:txBody>
+          <a:bodyPr rtlCol="0" anchor="ctr"/>
+          <a:lstStyle/>
+          <a:p>
+            <a:pPr algn="ctr"/>
+            <a:endParaRPr lang="pt-BR"/>
+          </a:p>
+        </p:txBody>
+      </p:sp>
+      <p:sp>
+        <p:nvSpPr>
           <p:cNvPr id="2" name="Retângulo 1"/>
           <p:cNvSpPr/>
           <p:nvPr/>
@@ -5559,7 +5559,7 @@
         </p:nvGrpSpPr>
         <p:grpSpPr>
           <a:xfrm>
-            <a:off x="1089554" y="3105064"/>
+            <a:off x="1675136" y="3188629"/>
             <a:ext cx="2059721" cy="1396477"/>
             <a:chOff x="12132839" y="4041650"/>
             <a:chExt cx="1008113" cy="683494"/>
@@ -6303,7 +6303,7 @@
         </p:blipFill>
         <p:spPr bwMode="auto">
           <a:xfrm>
-            <a:off x="2281627" y="2007934"/>
+            <a:off x="2869231" y="2304868"/>
             <a:ext cx="1010866" cy="1134403"/>
           </a:xfrm>
           <a:prstGeom prst="rect">
@@ -6323,259 +6323,21 @@
       </p:pic>
       <p:sp>
         <p:nvSpPr>
-          <p:cNvPr id="17" name="Elipse 16"/>
+          <p:cNvPr id="28" name="Texto explicativo em forma de nuvem 27"/>
           <p:cNvSpPr/>
           <p:nvPr/>
         </p:nvSpPr>
         <p:spPr>
-          <a:xfrm>
-            <a:off x="900915" y="861510"/>
-            <a:ext cx="2016510" cy="558713"/>
+          <a:xfrm flipH="1">
+            <a:off x="633538" y="764704"/>
+            <a:ext cx="1634206" cy="1634824"/>
           </a:xfrm>
-          <a:custGeom>
-            <a:avLst/>
-            <a:gdLst/>
-            <a:ahLst/>
-            <a:cxnLst/>
-            <a:rect l="l" t="t" r="r" b="b"/>
-            <a:pathLst>
-              <a:path w="2016510" h="558713">
-                <a:moveTo>
-                  <a:pt x="1325629" y="0"/>
-                </a:moveTo>
-                <a:cubicBezTo>
-                  <a:pt x="1461629" y="0"/>
-                  <a:pt x="1581587" y="68686"/>
-                  <a:pt x="1652610" y="173326"/>
-                </a:cubicBezTo>
-                <a:cubicBezTo>
-                  <a:pt x="1854407" y="187008"/>
-                  <a:pt x="2013655" y="353880"/>
-                  <a:pt x="2016510" y="558713"/>
-                </a:cubicBezTo>
-                <a:lnTo>
-                  <a:pt x="1044" y="558713"/>
-                </a:lnTo>
-                <a:cubicBezTo>
-                  <a:pt x="45" y="555286"/>
-                  <a:pt x="0" y="551825"/>
-                  <a:pt x="0" y="548353"/>
-                </a:cubicBezTo>
-                <a:cubicBezTo>
-                  <a:pt x="0" y="330056"/>
-                  <a:pt x="176964" y="153092"/>
-                  <a:pt x="395261" y="153092"/>
-                </a:cubicBezTo>
-                <a:cubicBezTo>
-                  <a:pt x="479379" y="153092"/>
-                  <a:pt x="557360" y="179369"/>
-                  <a:pt x="621126" y="224615"/>
-                </a:cubicBezTo>
-                <a:cubicBezTo>
-                  <a:pt x="692486" y="146562"/>
-                  <a:pt x="795290" y="98221"/>
-                  <a:pt x="909384" y="98221"/>
-                </a:cubicBezTo>
-                <a:cubicBezTo>
-                  <a:pt x="955639" y="98221"/>
-                  <a:pt x="1000038" y="106166"/>
-                  <a:pt x="1040748" y="122301"/>
-                </a:cubicBezTo>
-                <a:cubicBezTo>
-                  <a:pt x="1112173" y="46738"/>
-                  <a:pt x="1213443" y="0"/>
-                  <a:pt x="1325629" y="0"/>
-                </a:cubicBezTo>
-                <a:close/>
-              </a:path>
-            </a:pathLst>
-          </a:custGeom>
-          <a:solidFill>
-            <a:schemeClr val="bg1"/>
-          </a:solidFill>
-          <a:ln>
-            <a:solidFill>
-              <a:schemeClr val="bg1"/>
-            </a:solidFill>
-          </a:ln>
-        </p:spPr>
-        <p:style>
-          <a:lnRef idx="2">
-            <a:schemeClr val="accent1">
-              <a:shade val="50000"/>
-            </a:schemeClr>
-          </a:lnRef>
-          <a:fillRef idx="1">
-            <a:schemeClr val="accent1"/>
-          </a:fillRef>
-          <a:effectRef idx="0">
-            <a:schemeClr val="accent1"/>
-          </a:effectRef>
-          <a:fontRef idx="minor">
-            <a:schemeClr val="lt1"/>
-          </a:fontRef>
-        </p:style>
-        <p:txBody>
-          <a:bodyPr rtlCol="0" anchor="ctr"/>
-          <a:lstStyle/>
-          <a:p>
-            <a:pPr algn="ctr"/>
-            <a:endParaRPr lang="pt-BR"/>
-          </a:p>
-        </p:txBody>
-      </p:sp>
-      <p:sp>
-        <p:nvSpPr>
-          <p:cNvPr id="41" name="Elipse 40"/>
-          <p:cNvSpPr/>
-          <p:nvPr/>
-        </p:nvSpPr>
-        <p:spPr>
-          <a:xfrm>
-            <a:off x="3966524" y="1274754"/>
-            <a:ext cx="1474031" cy="435692"/>
-          </a:xfrm>
-          <a:custGeom>
-            <a:avLst/>
-            <a:gdLst/>
-            <a:ahLst/>
-            <a:cxnLst/>
-            <a:rect l="l" t="t" r="r" b="b"/>
-            <a:pathLst>
-              <a:path w="1474031" h="435692">
-                <a:moveTo>
-                  <a:pt x="805680" y="0"/>
-                </a:moveTo>
-                <a:cubicBezTo>
-                  <a:pt x="941681" y="0"/>
-                  <a:pt x="1061638" y="68686"/>
-                  <a:pt x="1132661" y="173326"/>
-                </a:cubicBezTo>
-                <a:cubicBezTo>
-                  <a:pt x="1291904" y="184123"/>
-                  <a:pt x="1424649" y="290312"/>
-                  <a:pt x="1474031" y="435692"/>
-                </a:cubicBezTo>
-                <a:lnTo>
-                  <a:pt x="0" y="435692"/>
-                </a:lnTo>
-                <a:cubicBezTo>
-                  <a:pt x="26470" y="244669"/>
-                  <a:pt x="190850" y="98221"/>
-                  <a:pt x="389435" y="98221"/>
-                </a:cubicBezTo>
-                <a:cubicBezTo>
-                  <a:pt x="435690" y="98221"/>
-                  <a:pt x="480089" y="106166"/>
-                  <a:pt x="520799" y="122301"/>
-                </a:cubicBezTo>
-                <a:cubicBezTo>
-                  <a:pt x="592224" y="46738"/>
-                  <a:pt x="693494" y="0"/>
-                  <a:pt x="805680" y="0"/>
-                </a:cubicBezTo>
-                <a:close/>
-              </a:path>
-            </a:pathLst>
-          </a:custGeom>
-          <a:solidFill>
-            <a:schemeClr val="bg1"/>
-          </a:solidFill>
-          <a:ln>
-            <a:solidFill>
-              <a:schemeClr val="bg1"/>
-            </a:solidFill>
-          </a:ln>
-        </p:spPr>
-        <p:style>
-          <a:lnRef idx="2">
-            <a:schemeClr val="accent1">
-              <a:shade val="50000"/>
-            </a:schemeClr>
-          </a:lnRef>
-          <a:fillRef idx="1">
-            <a:schemeClr val="accent1"/>
-          </a:fillRef>
-          <a:effectRef idx="0">
-            <a:schemeClr val="accent1"/>
-          </a:effectRef>
-          <a:fontRef idx="minor">
-            <a:schemeClr val="lt1"/>
-          </a:fontRef>
-        </p:style>
-        <p:txBody>
-          <a:bodyPr rtlCol="0" anchor="ctr"/>
-          <a:lstStyle/>
-          <a:p>
-            <a:pPr algn="ctr"/>
-            <a:endParaRPr lang="pt-BR"/>
-          </a:p>
-        </p:txBody>
-      </p:sp>
-      <p:sp>
-        <p:nvSpPr>
-          <p:cNvPr id="49" name="Elipse 48"/>
-          <p:cNvSpPr/>
-          <p:nvPr/>
-        </p:nvSpPr>
-        <p:spPr>
-          <a:xfrm>
-            <a:off x="6258568" y="738490"/>
-            <a:ext cx="1763019" cy="558713"/>
-          </a:xfrm>
-          <a:custGeom>
-            <a:avLst/>
-            <a:gdLst/>
-            <a:ahLst/>
-            <a:cxnLst/>
-            <a:rect l="l" t="t" r="r" b="b"/>
-            <a:pathLst>
-              <a:path w="1763019" h="558713">
-                <a:moveTo>
-                  <a:pt x="811506" y="0"/>
-                </a:moveTo>
-                <a:cubicBezTo>
-                  <a:pt x="947507" y="0"/>
-                  <a:pt x="1067464" y="68686"/>
-                  <a:pt x="1138487" y="173326"/>
-                </a:cubicBezTo>
-                <a:cubicBezTo>
-                  <a:pt x="1298131" y="184150"/>
-                  <a:pt x="1431145" y="290848"/>
-                  <a:pt x="1480185" y="436804"/>
-                </a:cubicBezTo>
-                <a:cubicBezTo>
-                  <a:pt x="1591513" y="437246"/>
-                  <a:pt x="1691960" y="483762"/>
-                  <a:pt x="1763019" y="558713"/>
-                </a:cubicBezTo>
-                <a:lnTo>
-                  <a:pt x="6576" y="558713"/>
-                </a:lnTo>
-                <a:cubicBezTo>
-                  <a:pt x="1845" y="537628"/>
-                  <a:pt x="0" y="515771"/>
-                  <a:pt x="0" y="493482"/>
-                </a:cubicBezTo>
-                <a:cubicBezTo>
-                  <a:pt x="0" y="275185"/>
-                  <a:pt x="176964" y="98221"/>
-                  <a:pt x="395261" y="98221"/>
-                </a:cubicBezTo>
-                <a:cubicBezTo>
-                  <a:pt x="441516" y="98221"/>
-                  <a:pt x="485915" y="106166"/>
-                  <a:pt x="526625" y="122301"/>
-                </a:cubicBezTo>
-                <a:cubicBezTo>
-                  <a:pt x="598050" y="46738"/>
-                  <a:pt x="699320" y="0"/>
-                  <a:pt x="811506" y="0"/>
-                </a:cubicBezTo>
-                <a:close/>
-              </a:path>
-            </a:pathLst>
-          </a:custGeom>
+          <a:prstGeom prst="cloudCallout">
+            <a:avLst>
+              <a:gd name="adj1" fmla="val -68914"/>
+              <a:gd name="adj2" fmla="val 69491"/>
+            </a:avLst>
+          </a:prstGeom>
           <a:solidFill>
             <a:schemeClr val="bg1"/>
           </a:solidFill>

--- a/Sketch/Games/Jogo Pinguim.pptx
+++ b/Sketch/Games/Jogo Pinguim.pptx
@@ -196,7 +196,7 @@
           <a:p>
             <a:fld id="{F35F4C3E-7AA2-4B0C-B869-DA030C53DAE5}" type="datetimeFigureOut">
               <a:rPr lang="pt-BR" smtClean="0"/>
-              <a:t>14/11/2019</a:t>
+              <a:t>18/11/2019</a:t>
             </a:fld>
             <a:endParaRPr lang="pt-BR"/>
           </a:p>
@@ -813,7 +813,7 @@
           <a:p>
             <a:fld id="{C3284F42-124A-4BDD-AA44-38AF20996D0B}" type="datetimeFigureOut">
               <a:rPr lang="pt-BR" smtClean="0"/>
-              <a:t>14/11/2019</a:t>
+              <a:t>18/11/2019</a:t>
             </a:fld>
             <a:endParaRPr lang="pt-BR"/>
           </a:p>
@@ -983,7 +983,7 @@
           <a:p>
             <a:fld id="{C3284F42-124A-4BDD-AA44-38AF20996D0B}" type="datetimeFigureOut">
               <a:rPr lang="pt-BR" smtClean="0"/>
-              <a:t>14/11/2019</a:t>
+              <a:t>18/11/2019</a:t>
             </a:fld>
             <a:endParaRPr lang="pt-BR"/>
           </a:p>
@@ -1163,7 +1163,7 @@
           <a:p>
             <a:fld id="{C3284F42-124A-4BDD-AA44-38AF20996D0B}" type="datetimeFigureOut">
               <a:rPr lang="pt-BR" smtClean="0"/>
-              <a:t>14/11/2019</a:t>
+              <a:t>18/11/2019</a:t>
             </a:fld>
             <a:endParaRPr lang="pt-BR"/>
           </a:p>
@@ -1333,7 +1333,7 @@
           <a:p>
             <a:fld id="{C3284F42-124A-4BDD-AA44-38AF20996D0B}" type="datetimeFigureOut">
               <a:rPr lang="pt-BR" smtClean="0"/>
-              <a:t>14/11/2019</a:t>
+              <a:t>18/11/2019</a:t>
             </a:fld>
             <a:endParaRPr lang="pt-BR"/>
           </a:p>
@@ -1579,7 +1579,7 @@
           <a:p>
             <a:fld id="{C3284F42-124A-4BDD-AA44-38AF20996D0B}" type="datetimeFigureOut">
               <a:rPr lang="pt-BR" smtClean="0"/>
-              <a:t>14/11/2019</a:t>
+              <a:t>18/11/2019</a:t>
             </a:fld>
             <a:endParaRPr lang="pt-BR"/>
           </a:p>
@@ -1867,7 +1867,7 @@
           <a:p>
             <a:fld id="{C3284F42-124A-4BDD-AA44-38AF20996D0B}" type="datetimeFigureOut">
               <a:rPr lang="pt-BR" smtClean="0"/>
-              <a:t>14/11/2019</a:t>
+              <a:t>18/11/2019</a:t>
             </a:fld>
             <a:endParaRPr lang="pt-BR"/>
           </a:p>
@@ -2289,7 +2289,7 @@
           <a:p>
             <a:fld id="{C3284F42-124A-4BDD-AA44-38AF20996D0B}" type="datetimeFigureOut">
               <a:rPr lang="pt-BR" smtClean="0"/>
-              <a:t>14/11/2019</a:t>
+              <a:t>18/11/2019</a:t>
             </a:fld>
             <a:endParaRPr lang="pt-BR"/>
           </a:p>
@@ -2407,7 +2407,7 @@
           <a:p>
             <a:fld id="{C3284F42-124A-4BDD-AA44-38AF20996D0B}" type="datetimeFigureOut">
               <a:rPr lang="pt-BR" smtClean="0"/>
-              <a:t>14/11/2019</a:t>
+              <a:t>18/11/2019</a:t>
             </a:fld>
             <a:endParaRPr lang="pt-BR"/>
           </a:p>
@@ -2502,7 +2502,7 @@
           <a:p>
             <a:fld id="{C3284F42-124A-4BDD-AA44-38AF20996D0B}" type="datetimeFigureOut">
               <a:rPr lang="pt-BR" smtClean="0"/>
-              <a:t>14/11/2019</a:t>
+              <a:t>18/11/2019</a:t>
             </a:fld>
             <a:endParaRPr lang="pt-BR"/>
           </a:p>
@@ -2779,7 +2779,7 @@
           <a:p>
             <a:fld id="{C3284F42-124A-4BDD-AA44-38AF20996D0B}" type="datetimeFigureOut">
               <a:rPr lang="pt-BR" smtClean="0"/>
-              <a:t>14/11/2019</a:t>
+              <a:t>18/11/2019</a:t>
             </a:fld>
             <a:endParaRPr lang="pt-BR"/>
           </a:p>
@@ -3032,7 +3032,7 @@
           <a:p>
             <a:fld id="{C3284F42-124A-4BDD-AA44-38AF20996D0B}" type="datetimeFigureOut">
               <a:rPr lang="pt-BR" smtClean="0"/>
-              <a:t>14/11/2019</a:t>
+              <a:t>18/11/2019</a:t>
             </a:fld>
             <a:endParaRPr lang="pt-BR"/>
           </a:p>
@@ -3245,7 +3245,7 @@
           <a:p>
             <a:fld id="{C3284F42-124A-4BDD-AA44-38AF20996D0B}" type="datetimeFigureOut">
               <a:rPr lang="pt-BR" smtClean="0"/>
-              <a:t>14/11/2019</a:t>
+              <a:t>18/11/2019</a:t>
             </a:fld>
             <a:endParaRPr lang="pt-BR"/>
           </a:p>
@@ -3620,79 +3620,623 @@
           <a:chExt cx="0" cy="0"/>
         </a:xfrm>
       </p:grpSpPr>
-      <p:sp>
-        <p:nvSpPr>
-          <p:cNvPr id="34" name="Retângulo 33"/>
-          <p:cNvSpPr/>
-          <p:nvPr/>
-        </p:nvSpPr>
-        <p:spPr>
-          <a:xfrm>
-            <a:off x="3521597" y="1022613"/>
-            <a:ext cx="7879676" cy="5384700"/>
-          </a:xfrm>
-          <a:prstGeom prst="rect">
-            <a:avLst/>
-          </a:prstGeom>
-          <a:solidFill>
-            <a:schemeClr val="accent5">
-              <a:lumMod val="40000"/>
-              <a:lumOff val="60000"/>
-            </a:schemeClr>
-          </a:solidFill>
-          <a:ln>
-            <a:noFill/>
-          </a:ln>
-        </p:spPr>
-        <p:style>
-          <a:lnRef idx="2">
-            <a:schemeClr val="accent1">
-              <a:shade val="50000"/>
-            </a:schemeClr>
-          </a:lnRef>
-          <a:fillRef idx="1">
-            <a:schemeClr val="accent1"/>
-          </a:fillRef>
-          <a:effectRef idx="0">
-            <a:schemeClr val="accent1"/>
-          </a:effectRef>
-          <a:fontRef idx="minor">
-            <a:schemeClr val="lt1"/>
-          </a:fontRef>
-        </p:style>
-        <p:txBody>
-          <a:bodyPr rtlCol="0" anchor="ctr"/>
-          <a:lstStyle/>
-          <a:p>
-            <a:pPr algn="ctr"/>
-            <a:endParaRPr lang="pt-BR"/>
-          </a:p>
-        </p:txBody>
-      </p:sp>
       <p:grpSp>
         <p:nvGrpSpPr>
-          <p:cNvPr id="42" name="Grupo 41"/>
+          <p:cNvPr id="2" name="Grupo 1"/>
           <p:cNvGrpSpPr/>
           <p:nvPr/>
         </p:nvGrpSpPr>
         <p:grpSpPr>
-          <a:xfrm flipH="1">
-            <a:off x="9032787" y="2367215"/>
-            <a:ext cx="462769" cy="1495890"/>
-            <a:chOff x="-880348" y="1587273"/>
-            <a:chExt cx="1872208" cy="4005064"/>
+          <a:xfrm>
+            <a:off x="2632026" y="-424518"/>
+            <a:ext cx="9157942" cy="7305684"/>
+            <a:chOff x="2632026" y="-424518"/>
+            <a:chExt cx="9157942" cy="7305684"/>
           </a:xfrm>
         </p:grpSpPr>
         <p:sp>
           <p:nvSpPr>
-            <p:cNvPr id="43" name="Triângulo isósceles 11"/>
+            <p:cNvPr id="34" name="Retângulo 33"/>
             <p:cNvSpPr/>
             <p:nvPr/>
           </p:nvSpPr>
           <p:spPr>
             <a:xfrm>
-              <a:off x="-880348" y="3100039"/>
-              <a:ext cx="1872208" cy="2492298"/>
+              <a:off x="3521597" y="1022613"/>
+              <a:ext cx="7879676" cy="5384700"/>
+            </a:xfrm>
+            <a:prstGeom prst="rect">
+              <a:avLst/>
+            </a:prstGeom>
+            <a:solidFill>
+              <a:schemeClr val="accent5">
+                <a:lumMod val="40000"/>
+                <a:lumOff val="60000"/>
+              </a:schemeClr>
+            </a:solidFill>
+            <a:ln>
+              <a:noFill/>
+            </a:ln>
+          </p:spPr>
+          <p:style>
+            <a:lnRef idx="2">
+              <a:schemeClr val="accent1">
+                <a:shade val="50000"/>
+              </a:schemeClr>
+            </a:lnRef>
+            <a:fillRef idx="1">
+              <a:schemeClr val="accent1"/>
+            </a:fillRef>
+            <a:effectRef idx="0">
+              <a:schemeClr val="accent1"/>
+            </a:effectRef>
+            <a:fontRef idx="minor">
+              <a:schemeClr val="lt1"/>
+            </a:fontRef>
+          </p:style>
+          <p:txBody>
+            <a:bodyPr rtlCol="0" anchor="ctr"/>
+            <a:lstStyle/>
+            <a:p>
+              <a:pPr algn="ctr"/>
+              <a:endParaRPr lang="pt-BR"/>
+            </a:p>
+          </p:txBody>
+        </p:sp>
+        <p:grpSp>
+          <p:nvGrpSpPr>
+            <p:cNvPr id="42" name="Grupo 41"/>
+            <p:cNvGrpSpPr/>
+            <p:nvPr/>
+          </p:nvGrpSpPr>
+          <p:grpSpPr>
+            <a:xfrm flipH="1">
+              <a:off x="9032787" y="2367215"/>
+              <a:ext cx="462769" cy="1495890"/>
+              <a:chOff x="-880348" y="1587273"/>
+              <a:chExt cx="1872208" cy="4005064"/>
+            </a:xfrm>
+          </p:grpSpPr>
+          <p:sp>
+            <p:nvSpPr>
+              <p:cNvPr id="43" name="Triângulo isósceles 11"/>
+              <p:cNvSpPr/>
+              <p:nvPr/>
+            </p:nvSpPr>
+            <p:spPr>
+              <a:xfrm>
+                <a:off x="-880348" y="3100039"/>
+                <a:ext cx="1872208" cy="2492298"/>
+              </a:xfrm>
+              <a:custGeom>
+                <a:avLst/>
+                <a:gdLst/>
+                <a:ahLst/>
+                <a:cxnLst/>
+                <a:rect l="l" t="t" r="r" b="b"/>
+                <a:pathLst>
+                  <a:path w="1872208" h="2492298">
+                    <a:moveTo>
+                      <a:pt x="582525" y="0"/>
+                    </a:moveTo>
+                    <a:lnTo>
+                      <a:pt x="1289683" y="0"/>
+                    </a:lnTo>
+                    <a:lnTo>
+                      <a:pt x="1872208" y="2492298"/>
+                    </a:lnTo>
+                    <a:lnTo>
+                      <a:pt x="0" y="2492298"/>
+                    </a:lnTo>
+                    <a:close/>
+                  </a:path>
+                </a:pathLst>
+              </a:custGeom>
+              <a:gradFill>
+                <a:gsLst>
+                  <a:gs pos="50000">
+                    <a:srgbClr val="429383"/>
+                  </a:gs>
+                  <a:gs pos="49000">
+                    <a:srgbClr val="6CBDAC"/>
+                  </a:gs>
+                </a:gsLst>
+                <a:lin ang="0" scaled="0"/>
+              </a:gradFill>
+              <a:ln>
+                <a:noFill/>
+              </a:ln>
+            </p:spPr>
+            <p:style>
+              <a:lnRef idx="2">
+                <a:schemeClr val="accent1">
+                  <a:shade val="50000"/>
+                </a:schemeClr>
+              </a:lnRef>
+              <a:fillRef idx="1">
+                <a:schemeClr val="accent1"/>
+              </a:fillRef>
+              <a:effectRef idx="0">
+                <a:schemeClr val="accent1"/>
+              </a:effectRef>
+              <a:fontRef idx="minor">
+                <a:schemeClr val="lt1"/>
+              </a:fontRef>
+            </p:style>
+            <p:txBody>
+              <a:bodyPr rtlCol="0" anchor="ctr"/>
+              <a:lstStyle/>
+              <a:p>
+                <a:pPr algn="ctr"/>
+                <a:endParaRPr lang="pt-BR"/>
+              </a:p>
+            </p:txBody>
+          </p:sp>
+          <p:sp>
+            <p:nvSpPr>
+              <p:cNvPr id="44" name="Triângulo isósceles 43"/>
+              <p:cNvSpPr/>
+              <p:nvPr/>
+            </p:nvSpPr>
+            <p:spPr>
+              <a:xfrm>
+                <a:off x="-297823" y="1587273"/>
+                <a:ext cx="707158" cy="1512766"/>
+              </a:xfrm>
+              <a:prstGeom prst="triangle">
+                <a:avLst/>
+              </a:prstGeom>
+              <a:solidFill>
+                <a:schemeClr val="bg1"/>
+              </a:solidFill>
+              <a:ln>
+                <a:noFill/>
+              </a:ln>
+            </p:spPr>
+            <p:style>
+              <a:lnRef idx="2">
+                <a:schemeClr val="accent1">
+                  <a:shade val="50000"/>
+                </a:schemeClr>
+              </a:lnRef>
+              <a:fillRef idx="1">
+                <a:schemeClr val="accent1"/>
+              </a:fillRef>
+              <a:effectRef idx="0">
+                <a:schemeClr val="accent1"/>
+              </a:effectRef>
+              <a:fontRef idx="minor">
+                <a:schemeClr val="lt1"/>
+              </a:fontRef>
+            </p:style>
+            <p:txBody>
+              <a:bodyPr rtlCol="0" anchor="ctr"/>
+              <a:lstStyle/>
+              <a:p>
+                <a:pPr algn="ctr"/>
+                <a:endParaRPr lang="pt-BR"/>
+              </a:p>
+            </p:txBody>
+          </p:sp>
+        </p:grpSp>
+        <p:grpSp>
+          <p:nvGrpSpPr>
+            <p:cNvPr id="45" name="Grupo 44"/>
+            <p:cNvGrpSpPr/>
+            <p:nvPr/>
+          </p:nvGrpSpPr>
+          <p:grpSpPr>
+            <a:xfrm flipH="1">
+              <a:off x="8259770" y="2203458"/>
+              <a:ext cx="462769" cy="1495890"/>
+              <a:chOff x="-880348" y="1587273"/>
+              <a:chExt cx="1872208" cy="4005064"/>
+            </a:xfrm>
+          </p:grpSpPr>
+          <p:sp>
+            <p:nvSpPr>
+              <p:cNvPr id="46" name="Triângulo isósceles 11"/>
+              <p:cNvSpPr/>
+              <p:nvPr/>
+            </p:nvSpPr>
+            <p:spPr>
+              <a:xfrm>
+                <a:off x="-880348" y="3100039"/>
+                <a:ext cx="1872208" cy="2492298"/>
+              </a:xfrm>
+              <a:custGeom>
+                <a:avLst/>
+                <a:gdLst/>
+                <a:ahLst/>
+                <a:cxnLst/>
+                <a:rect l="l" t="t" r="r" b="b"/>
+                <a:pathLst>
+                  <a:path w="1872208" h="2492298">
+                    <a:moveTo>
+                      <a:pt x="582525" y="0"/>
+                    </a:moveTo>
+                    <a:lnTo>
+                      <a:pt x="1289683" y="0"/>
+                    </a:lnTo>
+                    <a:lnTo>
+                      <a:pt x="1872208" y="2492298"/>
+                    </a:lnTo>
+                    <a:lnTo>
+                      <a:pt x="0" y="2492298"/>
+                    </a:lnTo>
+                    <a:close/>
+                  </a:path>
+                </a:pathLst>
+              </a:custGeom>
+              <a:gradFill>
+                <a:gsLst>
+                  <a:gs pos="50000">
+                    <a:srgbClr val="429383"/>
+                  </a:gs>
+                  <a:gs pos="49000">
+                    <a:srgbClr val="6CBDAC"/>
+                  </a:gs>
+                </a:gsLst>
+                <a:lin ang="0" scaled="0"/>
+              </a:gradFill>
+              <a:ln>
+                <a:noFill/>
+              </a:ln>
+            </p:spPr>
+            <p:style>
+              <a:lnRef idx="2">
+                <a:schemeClr val="accent1">
+                  <a:shade val="50000"/>
+                </a:schemeClr>
+              </a:lnRef>
+              <a:fillRef idx="1">
+                <a:schemeClr val="accent1"/>
+              </a:fillRef>
+              <a:effectRef idx="0">
+                <a:schemeClr val="accent1"/>
+              </a:effectRef>
+              <a:fontRef idx="minor">
+                <a:schemeClr val="lt1"/>
+              </a:fontRef>
+            </p:style>
+            <p:txBody>
+              <a:bodyPr rtlCol="0" anchor="ctr"/>
+              <a:lstStyle/>
+              <a:p>
+                <a:pPr algn="ctr"/>
+                <a:endParaRPr lang="pt-BR"/>
+              </a:p>
+            </p:txBody>
+          </p:sp>
+          <p:sp>
+            <p:nvSpPr>
+              <p:cNvPr id="47" name="Triângulo isósceles 46"/>
+              <p:cNvSpPr/>
+              <p:nvPr/>
+            </p:nvSpPr>
+            <p:spPr>
+              <a:xfrm>
+                <a:off x="-297823" y="1587273"/>
+                <a:ext cx="707158" cy="1512766"/>
+              </a:xfrm>
+              <a:prstGeom prst="triangle">
+                <a:avLst/>
+              </a:prstGeom>
+              <a:solidFill>
+                <a:schemeClr val="bg1"/>
+              </a:solidFill>
+              <a:ln>
+                <a:noFill/>
+              </a:ln>
+            </p:spPr>
+            <p:style>
+              <a:lnRef idx="2">
+                <a:schemeClr val="accent1">
+                  <a:shade val="50000"/>
+                </a:schemeClr>
+              </a:lnRef>
+              <a:fillRef idx="1">
+                <a:schemeClr val="accent1"/>
+              </a:fillRef>
+              <a:effectRef idx="0">
+                <a:schemeClr val="accent1"/>
+              </a:effectRef>
+              <a:fontRef idx="minor">
+                <a:schemeClr val="lt1"/>
+              </a:fontRef>
+            </p:style>
+            <p:txBody>
+              <a:bodyPr rtlCol="0" anchor="ctr"/>
+              <a:lstStyle/>
+              <a:p>
+                <a:pPr algn="ctr"/>
+                <a:endParaRPr lang="pt-BR"/>
+              </a:p>
+            </p:txBody>
+          </p:sp>
+        </p:grpSp>
+        <p:grpSp>
+          <p:nvGrpSpPr>
+            <p:cNvPr id="48" name="Grupo 47"/>
+            <p:cNvGrpSpPr/>
+            <p:nvPr/>
+          </p:nvGrpSpPr>
+          <p:grpSpPr>
+            <a:xfrm flipH="1">
+              <a:off x="7403675" y="1558642"/>
+              <a:ext cx="691071" cy="2233870"/>
+              <a:chOff x="-880348" y="1587273"/>
+              <a:chExt cx="1872208" cy="4005064"/>
+            </a:xfrm>
+          </p:grpSpPr>
+          <p:sp>
+            <p:nvSpPr>
+              <p:cNvPr id="49" name="Triângulo isósceles 11"/>
+              <p:cNvSpPr/>
+              <p:nvPr/>
+            </p:nvSpPr>
+            <p:spPr>
+              <a:xfrm>
+                <a:off x="-880348" y="3100039"/>
+                <a:ext cx="1872208" cy="2492298"/>
+              </a:xfrm>
+              <a:custGeom>
+                <a:avLst/>
+                <a:gdLst/>
+                <a:ahLst/>
+                <a:cxnLst/>
+                <a:rect l="l" t="t" r="r" b="b"/>
+                <a:pathLst>
+                  <a:path w="1872208" h="2492298">
+                    <a:moveTo>
+                      <a:pt x="582525" y="0"/>
+                    </a:moveTo>
+                    <a:lnTo>
+                      <a:pt x="1289683" y="0"/>
+                    </a:lnTo>
+                    <a:lnTo>
+                      <a:pt x="1872208" y="2492298"/>
+                    </a:lnTo>
+                    <a:lnTo>
+                      <a:pt x="0" y="2492298"/>
+                    </a:lnTo>
+                    <a:close/>
+                  </a:path>
+                </a:pathLst>
+              </a:custGeom>
+              <a:gradFill>
+                <a:gsLst>
+                  <a:gs pos="50000">
+                    <a:srgbClr val="429383"/>
+                  </a:gs>
+                  <a:gs pos="49000">
+                    <a:srgbClr val="6CBDAC"/>
+                  </a:gs>
+                </a:gsLst>
+                <a:lin ang="0" scaled="0"/>
+              </a:gradFill>
+              <a:ln>
+                <a:noFill/>
+              </a:ln>
+            </p:spPr>
+            <p:style>
+              <a:lnRef idx="2">
+                <a:schemeClr val="accent1">
+                  <a:shade val="50000"/>
+                </a:schemeClr>
+              </a:lnRef>
+              <a:fillRef idx="1">
+                <a:schemeClr val="accent1"/>
+              </a:fillRef>
+              <a:effectRef idx="0">
+                <a:schemeClr val="accent1"/>
+              </a:effectRef>
+              <a:fontRef idx="minor">
+                <a:schemeClr val="lt1"/>
+              </a:fontRef>
+            </p:style>
+            <p:txBody>
+              <a:bodyPr rtlCol="0" anchor="ctr"/>
+              <a:lstStyle/>
+              <a:p>
+                <a:pPr algn="ctr"/>
+                <a:endParaRPr lang="pt-BR"/>
+              </a:p>
+            </p:txBody>
+          </p:sp>
+          <p:sp>
+            <p:nvSpPr>
+              <p:cNvPr id="50" name="Triângulo isósceles 49"/>
+              <p:cNvSpPr/>
+              <p:nvPr/>
+            </p:nvSpPr>
+            <p:spPr>
+              <a:xfrm>
+                <a:off x="-297823" y="1587273"/>
+                <a:ext cx="707158" cy="1512766"/>
+              </a:xfrm>
+              <a:prstGeom prst="triangle">
+                <a:avLst/>
+              </a:prstGeom>
+              <a:solidFill>
+                <a:schemeClr val="bg1"/>
+              </a:solidFill>
+              <a:ln>
+                <a:noFill/>
+              </a:ln>
+            </p:spPr>
+            <p:style>
+              <a:lnRef idx="2">
+                <a:schemeClr val="accent1">
+                  <a:shade val="50000"/>
+                </a:schemeClr>
+              </a:lnRef>
+              <a:fillRef idx="1">
+                <a:schemeClr val="accent1"/>
+              </a:fillRef>
+              <a:effectRef idx="0">
+                <a:schemeClr val="accent1"/>
+              </a:effectRef>
+              <a:fontRef idx="minor">
+                <a:schemeClr val="lt1"/>
+              </a:fontRef>
+            </p:style>
+            <p:txBody>
+              <a:bodyPr rtlCol="0" anchor="ctr"/>
+              <a:lstStyle/>
+              <a:p>
+                <a:pPr algn="ctr"/>
+                <a:endParaRPr lang="pt-BR"/>
+              </a:p>
+            </p:txBody>
+          </p:sp>
+        </p:grpSp>
+        <p:grpSp>
+          <p:nvGrpSpPr>
+            <p:cNvPr id="39" name="Grupo 38"/>
+            <p:cNvGrpSpPr/>
+            <p:nvPr/>
+          </p:nvGrpSpPr>
+          <p:grpSpPr>
+            <a:xfrm flipH="1">
+              <a:off x="9495557" y="1990980"/>
+              <a:ext cx="500348" cy="1736420"/>
+              <a:chOff x="-880348" y="1587273"/>
+              <a:chExt cx="1872208" cy="4005064"/>
+            </a:xfrm>
+          </p:grpSpPr>
+          <p:sp>
+            <p:nvSpPr>
+              <p:cNvPr id="40" name="Triângulo isósceles 11"/>
+              <p:cNvSpPr/>
+              <p:nvPr/>
+            </p:nvSpPr>
+            <p:spPr>
+              <a:xfrm>
+                <a:off x="-880348" y="3100039"/>
+                <a:ext cx="1872208" cy="2492298"/>
+              </a:xfrm>
+              <a:custGeom>
+                <a:avLst/>
+                <a:gdLst/>
+                <a:ahLst/>
+                <a:cxnLst/>
+                <a:rect l="l" t="t" r="r" b="b"/>
+                <a:pathLst>
+                  <a:path w="1872208" h="2492298">
+                    <a:moveTo>
+                      <a:pt x="582525" y="0"/>
+                    </a:moveTo>
+                    <a:lnTo>
+                      <a:pt x="1289683" y="0"/>
+                    </a:lnTo>
+                    <a:lnTo>
+                      <a:pt x="1872208" y="2492298"/>
+                    </a:lnTo>
+                    <a:lnTo>
+                      <a:pt x="0" y="2492298"/>
+                    </a:lnTo>
+                    <a:close/>
+                  </a:path>
+                </a:pathLst>
+              </a:custGeom>
+              <a:gradFill>
+                <a:gsLst>
+                  <a:gs pos="50000">
+                    <a:srgbClr val="429383"/>
+                  </a:gs>
+                  <a:gs pos="49000">
+                    <a:srgbClr val="6CBDAC"/>
+                  </a:gs>
+                </a:gsLst>
+                <a:lin ang="0" scaled="0"/>
+              </a:gradFill>
+              <a:ln>
+                <a:noFill/>
+              </a:ln>
+            </p:spPr>
+            <p:style>
+              <a:lnRef idx="2">
+                <a:schemeClr val="accent1">
+                  <a:shade val="50000"/>
+                </a:schemeClr>
+              </a:lnRef>
+              <a:fillRef idx="1">
+                <a:schemeClr val="accent1"/>
+              </a:fillRef>
+              <a:effectRef idx="0">
+                <a:schemeClr val="accent1"/>
+              </a:effectRef>
+              <a:fontRef idx="minor">
+                <a:schemeClr val="lt1"/>
+              </a:fontRef>
+            </p:style>
+            <p:txBody>
+              <a:bodyPr rtlCol="0" anchor="ctr"/>
+              <a:lstStyle/>
+              <a:p>
+                <a:pPr algn="ctr"/>
+                <a:endParaRPr lang="pt-BR"/>
+              </a:p>
+            </p:txBody>
+          </p:sp>
+          <p:sp>
+            <p:nvSpPr>
+              <p:cNvPr id="41" name="Triângulo isósceles 40"/>
+              <p:cNvSpPr/>
+              <p:nvPr/>
+            </p:nvSpPr>
+            <p:spPr>
+              <a:xfrm>
+                <a:off x="-297823" y="1587273"/>
+                <a:ext cx="707158" cy="1512766"/>
+              </a:xfrm>
+              <a:prstGeom prst="triangle">
+                <a:avLst/>
+              </a:prstGeom>
+              <a:solidFill>
+                <a:schemeClr val="bg1"/>
+              </a:solidFill>
+              <a:ln>
+                <a:noFill/>
+              </a:ln>
+            </p:spPr>
+            <p:style>
+              <a:lnRef idx="2">
+                <a:schemeClr val="accent1">
+                  <a:shade val="50000"/>
+                </a:schemeClr>
+              </a:lnRef>
+              <a:fillRef idx="1">
+                <a:schemeClr val="accent1"/>
+              </a:fillRef>
+              <a:effectRef idx="0">
+                <a:schemeClr val="accent1"/>
+              </a:effectRef>
+              <a:fontRef idx="minor">
+                <a:schemeClr val="lt1"/>
+              </a:fontRef>
+            </p:style>
+            <p:txBody>
+              <a:bodyPr rtlCol="0" anchor="ctr"/>
+              <a:lstStyle/>
+              <a:p>
+                <a:pPr algn="ctr"/>
+                <a:endParaRPr lang="pt-BR"/>
+              </a:p>
+            </p:txBody>
+          </p:sp>
+        </p:grpSp>
+        <p:sp>
+          <p:nvSpPr>
+            <p:cNvPr id="35" name="Retângulo 34"/>
+            <p:cNvSpPr/>
+            <p:nvPr/>
+          </p:nvSpPr>
+          <p:spPr>
+            <a:xfrm>
+              <a:off x="3503131" y="3274529"/>
+              <a:ext cx="7879676" cy="3132784"/>
             </a:xfrm>
             <a:custGeom>
               <a:avLst/>
@@ -3701,34 +4245,596 @@
               <a:cxnLst/>
               <a:rect l="l" t="t" r="r" b="b"/>
               <a:pathLst>
-                <a:path w="1872208" h="2492298">
+                <a:path w="7879676" h="3132784">
                   <a:moveTo>
-                    <a:pt x="582525" y="0"/>
+                    <a:pt x="5708104" y="0"/>
                   </a:moveTo>
+                  <a:cubicBezTo>
+                    <a:pt x="6455726" y="0"/>
+                    <a:pt x="7182878" y="44799"/>
+                    <a:pt x="7879676" y="130835"/>
+                  </a:cubicBezTo>
                   <a:lnTo>
-                    <a:pt x="1289683" y="0"/>
+                    <a:pt x="7879676" y="3132784"/>
                   </a:lnTo>
                   <a:lnTo>
-                    <a:pt x="1872208" y="2492298"/>
+                    <a:pt x="0" y="3132784"/>
                   </a:lnTo>
                   <a:lnTo>
-                    <a:pt x="0" y="2492298"/>
+                    <a:pt x="0" y="993673"/>
                   </a:lnTo>
+                  <a:cubicBezTo>
+                    <a:pt x="1579484" y="370102"/>
+                    <a:pt x="3559238" y="0"/>
+                    <a:pt x="5708104" y="0"/>
+                  </a:cubicBezTo>
                   <a:close/>
                 </a:path>
               </a:pathLst>
             </a:custGeom>
-            <a:gradFill>
-              <a:gsLst>
-                <a:gs pos="50000">
-                  <a:srgbClr val="429383"/>
-                </a:gs>
-                <a:gs pos="49000">
-                  <a:srgbClr val="6CBDAC"/>
-                </a:gs>
-              </a:gsLst>
-              <a:lin ang="0" scaled="0"/>
-            </a:gradFill>
+            <a:solidFill>
+              <a:srgbClr val="DAE7F6"/>
+            </a:solidFill>
+            <a:ln>
+              <a:noFill/>
+            </a:ln>
+          </p:spPr>
+          <p:style>
+            <a:lnRef idx="2">
+              <a:schemeClr val="accent1">
+                <a:shade val="50000"/>
+              </a:schemeClr>
+            </a:lnRef>
+            <a:fillRef idx="1">
+              <a:schemeClr val="accent1"/>
+            </a:fillRef>
+            <a:effectRef idx="0">
+              <a:schemeClr val="accent1"/>
+            </a:effectRef>
+            <a:fontRef idx="minor">
+              <a:schemeClr val="lt1"/>
+            </a:fontRef>
+          </p:style>
+          <p:txBody>
+            <a:bodyPr rtlCol="0" anchor="ctr"/>
+            <a:lstStyle/>
+            <a:p>
+              <a:pPr algn="ctr"/>
+              <a:endParaRPr lang="pt-BR"/>
+            </a:p>
+          </p:txBody>
+        </p:sp>
+        <p:grpSp>
+          <p:nvGrpSpPr>
+            <p:cNvPr id="16" name="Grupo 15"/>
+            <p:cNvGrpSpPr/>
+            <p:nvPr/>
+          </p:nvGrpSpPr>
+          <p:grpSpPr>
+            <a:xfrm flipH="1">
+              <a:off x="10400578" y="1558642"/>
+              <a:ext cx="1000695" cy="2140706"/>
+              <a:chOff x="-880348" y="1587273"/>
+              <a:chExt cx="1872208" cy="4005064"/>
+            </a:xfrm>
+          </p:grpSpPr>
+          <p:sp>
+            <p:nvSpPr>
+              <p:cNvPr id="12" name="Triângulo isósceles 11"/>
+              <p:cNvSpPr/>
+              <p:nvPr/>
+            </p:nvSpPr>
+            <p:spPr>
+              <a:xfrm>
+                <a:off x="-880348" y="3100039"/>
+                <a:ext cx="1872208" cy="2492298"/>
+              </a:xfrm>
+              <a:custGeom>
+                <a:avLst/>
+                <a:gdLst/>
+                <a:ahLst/>
+                <a:cxnLst/>
+                <a:rect l="l" t="t" r="r" b="b"/>
+                <a:pathLst>
+                  <a:path w="1872208" h="2492298">
+                    <a:moveTo>
+                      <a:pt x="582525" y="0"/>
+                    </a:moveTo>
+                    <a:lnTo>
+                      <a:pt x="1289683" y="0"/>
+                    </a:lnTo>
+                    <a:lnTo>
+                      <a:pt x="1872208" y="2492298"/>
+                    </a:lnTo>
+                    <a:lnTo>
+                      <a:pt x="0" y="2492298"/>
+                    </a:lnTo>
+                    <a:close/>
+                  </a:path>
+                </a:pathLst>
+              </a:custGeom>
+              <a:gradFill>
+                <a:gsLst>
+                  <a:gs pos="50000">
+                    <a:srgbClr val="429383"/>
+                  </a:gs>
+                  <a:gs pos="49000">
+                    <a:srgbClr val="6CBDAC"/>
+                  </a:gs>
+                </a:gsLst>
+                <a:lin ang="0" scaled="0"/>
+              </a:gradFill>
+              <a:ln>
+                <a:noFill/>
+              </a:ln>
+            </p:spPr>
+            <p:style>
+              <a:lnRef idx="2">
+                <a:schemeClr val="accent1">
+                  <a:shade val="50000"/>
+                </a:schemeClr>
+              </a:lnRef>
+              <a:fillRef idx="1">
+                <a:schemeClr val="accent1"/>
+              </a:fillRef>
+              <a:effectRef idx="0">
+                <a:schemeClr val="accent1"/>
+              </a:effectRef>
+              <a:fontRef idx="minor">
+                <a:schemeClr val="lt1"/>
+              </a:fontRef>
+            </p:style>
+            <p:txBody>
+              <a:bodyPr rtlCol="0" anchor="ctr"/>
+              <a:lstStyle/>
+              <a:p>
+                <a:pPr algn="ctr"/>
+                <a:endParaRPr lang="pt-BR"/>
+              </a:p>
+            </p:txBody>
+          </p:sp>
+          <p:sp>
+            <p:nvSpPr>
+              <p:cNvPr id="14" name="Triângulo isósceles 13"/>
+              <p:cNvSpPr/>
+              <p:nvPr/>
+            </p:nvSpPr>
+            <p:spPr>
+              <a:xfrm>
+                <a:off x="-297823" y="1587273"/>
+                <a:ext cx="707158" cy="1512766"/>
+              </a:xfrm>
+              <a:prstGeom prst="triangle">
+                <a:avLst/>
+              </a:prstGeom>
+              <a:solidFill>
+                <a:schemeClr val="bg1"/>
+              </a:solidFill>
+              <a:ln>
+                <a:noFill/>
+              </a:ln>
+            </p:spPr>
+            <p:style>
+              <a:lnRef idx="2">
+                <a:schemeClr val="accent1">
+                  <a:shade val="50000"/>
+                </a:schemeClr>
+              </a:lnRef>
+              <a:fillRef idx="1">
+                <a:schemeClr val="accent1"/>
+              </a:fillRef>
+              <a:effectRef idx="0">
+                <a:schemeClr val="accent1"/>
+              </a:effectRef>
+              <a:fontRef idx="minor">
+                <a:schemeClr val="lt1"/>
+              </a:fontRef>
+            </p:style>
+            <p:txBody>
+              <a:bodyPr rtlCol="0" anchor="ctr"/>
+              <a:lstStyle/>
+              <a:p>
+                <a:pPr algn="ctr"/>
+                <a:endParaRPr lang="pt-BR"/>
+              </a:p>
+            </p:txBody>
+          </p:sp>
+        </p:grpSp>
+        <p:sp>
+          <p:nvSpPr>
+            <p:cNvPr id="22" name="Retângulo 21"/>
+            <p:cNvSpPr/>
+            <p:nvPr/>
+          </p:nvSpPr>
+          <p:spPr>
+            <a:xfrm>
+              <a:off x="3522603" y="3593401"/>
+              <a:ext cx="1296144" cy="2592288"/>
+            </a:xfrm>
+            <a:custGeom>
+              <a:avLst/>
+              <a:gdLst/>
+              <a:ahLst/>
+              <a:cxnLst/>
+              <a:rect l="l" t="t" r="r" b="b"/>
+              <a:pathLst>
+                <a:path w="1296144" h="2592288">
+                  <a:moveTo>
+                    <a:pt x="0" y="0"/>
+                  </a:moveTo>
+                  <a:cubicBezTo>
+                    <a:pt x="715841" y="0"/>
+                    <a:pt x="1296144" y="580303"/>
+                    <a:pt x="1296144" y="1296144"/>
+                  </a:cubicBezTo>
+                  <a:cubicBezTo>
+                    <a:pt x="1296144" y="2011985"/>
+                    <a:pt x="715841" y="2592288"/>
+                    <a:pt x="0" y="2592288"/>
+                  </a:cubicBezTo>
+                  <a:close/>
+                </a:path>
+              </a:pathLst>
+            </a:custGeom>
+            <a:solidFill>
+              <a:srgbClr val="DAE7F6"/>
+            </a:solidFill>
+            <a:ln>
+              <a:noFill/>
+            </a:ln>
+          </p:spPr>
+          <p:style>
+            <a:lnRef idx="2">
+              <a:schemeClr val="accent1">
+                <a:shade val="50000"/>
+              </a:schemeClr>
+            </a:lnRef>
+            <a:fillRef idx="1">
+              <a:schemeClr val="accent1"/>
+            </a:fillRef>
+            <a:effectRef idx="0">
+              <a:schemeClr val="accent1"/>
+            </a:effectRef>
+            <a:fontRef idx="minor">
+              <a:schemeClr val="lt1"/>
+            </a:fontRef>
+          </p:style>
+          <p:txBody>
+            <a:bodyPr rtlCol="0" anchor="ctr"/>
+            <a:lstStyle/>
+            <a:p>
+              <a:pPr algn="ctr"/>
+              <a:endParaRPr lang="pt-BR"/>
+            </a:p>
+          </p:txBody>
+        </p:sp>
+        <p:grpSp>
+          <p:nvGrpSpPr>
+            <p:cNvPr id="24" name="Grupo 23"/>
+            <p:cNvGrpSpPr/>
+            <p:nvPr/>
+          </p:nvGrpSpPr>
+          <p:grpSpPr>
+            <a:xfrm flipH="1">
+              <a:off x="3681345" y="2735190"/>
+              <a:ext cx="295966" cy="1307486"/>
+              <a:chOff x="-880348" y="1587273"/>
+              <a:chExt cx="1872208" cy="4005065"/>
+            </a:xfrm>
+          </p:grpSpPr>
+          <p:sp>
+            <p:nvSpPr>
+              <p:cNvPr id="25" name="Triângulo isósceles 11"/>
+              <p:cNvSpPr/>
+              <p:nvPr/>
+            </p:nvSpPr>
+            <p:spPr>
+              <a:xfrm>
+                <a:off x="-880348" y="3100040"/>
+                <a:ext cx="1872208" cy="2492298"/>
+              </a:xfrm>
+              <a:custGeom>
+                <a:avLst/>
+                <a:gdLst/>
+                <a:ahLst/>
+                <a:cxnLst/>
+                <a:rect l="l" t="t" r="r" b="b"/>
+                <a:pathLst>
+                  <a:path w="1872208" h="2492298">
+                    <a:moveTo>
+                      <a:pt x="582525" y="0"/>
+                    </a:moveTo>
+                    <a:lnTo>
+                      <a:pt x="1289683" y="0"/>
+                    </a:lnTo>
+                    <a:lnTo>
+                      <a:pt x="1872208" y="2492298"/>
+                    </a:lnTo>
+                    <a:lnTo>
+                      <a:pt x="0" y="2492298"/>
+                    </a:lnTo>
+                    <a:close/>
+                  </a:path>
+                </a:pathLst>
+              </a:custGeom>
+              <a:gradFill>
+                <a:gsLst>
+                  <a:gs pos="50000">
+                    <a:srgbClr val="429383"/>
+                  </a:gs>
+                  <a:gs pos="49000">
+                    <a:srgbClr val="6CBDAC"/>
+                  </a:gs>
+                </a:gsLst>
+                <a:lin ang="0" scaled="0"/>
+              </a:gradFill>
+              <a:ln>
+                <a:noFill/>
+              </a:ln>
+            </p:spPr>
+            <p:style>
+              <a:lnRef idx="2">
+                <a:schemeClr val="accent1">
+                  <a:shade val="50000"/>
+                </a:schemeClr>
+              </a:lnRef>
+              <a:fillRef idx="1">
+                <a:schemeClr val="accent1"/>
+              </a:fillRef>
+              <a:effectRef idx="0">
+                <a:schemeClr val="accent1"/>
+              </a:effectRef>
+              <a:fontRef idx="minor">
+                <a:schemeClr val="lt1"/>
+              </a:fontRef>
+            </p:style>
+            <p:txBody>
+              <a:bodyPr rtlCol="0" anchor="ctr"/>
+              <a:lstStyle/>
+              <a:p>
+                <a:pPr algn="ctr"/>
+                <a:endParaRPr lang="pt-BR"/>
+              </a:p>
+            </p:txBody>
+          </p:sp>
+          <p:sp>
+            <p:nvSpPr>
+              <p:cNvPr id="26" name="Triângulo isósceles 25"/>
+              <p:cNvSpPr/>
+              <p:nvPr/>
+            </p:nvSpPr>
+            <p:spPr>
+              <a:xfrm>
+                <a:off x="-297823" y="1587273"/>
+                <a:ext cx="707158" cy="1512766"/>
+              </a:xfrm>
+              <a:prstGeom prst="triangle">
+                <a:avLst/>
+              </a:prstGeom>
+              <a:solidFill>
+                <a:schemeClr val="bg1"/>
+              </a:solidFill>
+              <a:ln>
+                <a:noFill/>
+              </a:ln>
+            </p:spPr>
+            <p:style>
+              <a:lnRef idx="2">
+                <a:schemeClr val="accent1">
+                  <a:shade val="50000"/>
+                </a:schemeClr>
+              </a:lnRef>
+              <a:fillRef idx="1">
+                <a:schemeClr val="accent1"/>
+              </a:fillRef>
+              <a:effectRef idx="0">
+                <a:schemeClr val="accent1"/>
+              </a:effectRef>
+              <a:fontRef idx="minor">
+                <a:schemeClr val="lt1"/>
+              </a:fontRef>
+            </p:style>
+            <p:txBody>
+              <a:bodyPr rtlCol="0" anchor="ctr"/>
+              <a:lstStyle/>
+              <a:p>
+                <a:pPr algn="ctr"/>
+                <a:endParaRPr lang="pt-BR"/>
+              </a:p>
+            </p:txBody>
+          </p:sp>
+        </p:grpSp>
+        <p:grpSp>
+          <p:nvGrpSpPr>
+            <p:cNvPr id="27" name="Grupo 26"/>
+            <p:cNvGrpSpPr/>
+            <p:nvPr/>
+          </p:nvGrpSpPr>
+          <p:grpSpPr>
+            <a:xfrm rot="20915588" flipH="1">
+              <a:off x="4312554" y="2757938"/>
+              <a:ext cx="524136" cy="1307486"/>
+              <a:chOff x="-880348" y="1587273"/>
+              <a:chExt cx="1872208" cy="4005065"/>
+            </a:xfrm>
+          </p:grpSpPr>
+          <p:sp>
+            <p:nvSpPr>
+              <p:cNvPr id="28" name="Triângulo isósceles 11"/>
+              <p:cNvSpPr/>
+              <p:nvPr/>
+            </p:nvSpPr>
+            <p:spPr>
+              <a:xfrm>
+                <a:off x="-880348" y="3100040"/>
+                <a:ext cx="1872208" cy="2492298"/>
+              </a:xfrm>
+              <a:custGeom>
+                <a:avLst/>
+                <a:gdLst/>
+                <a:ahLst/>
+                <a:cxnLst/>
+                <a:rect l="l" t="t" r="r" b="b"/>
+                <a:pathLst>
+                  <a:path w="1872208" h="2492298">
+                    <a:moveTo>
+                      <a:pt x="582525" y="0"/>
+                    </a:moveTo>
+                    <a:lnTo>
+                      <a:pt x="1289683" y="0"/>
+                    </a:lnTo>
+                    <a:lnTo>
+                      <a:pt x="1872208" y="2492298"/>
+                    </a:lnTo>
+                    <a:lnTo>
+                      <a:pt x="0" y="2492298"/>
+                    </a:lnTo>
+                    <a:close/>
+                  </a:path>
+                </a:pathLst>
+              </a:custGeom>
+              <a:gradFill>
+                <a:gsLst>
+                  <a:gs pos="50000">
+                    <a:srgbClr val="429383"/>
+                  </a:gs>
+                  <a:gs pos="49000">
+                    <a:srgbClr val="6CBDAC"/>
+                  </a:gs>
+                </a:gsLst>
+                <a:lin ang="0" scaled="0"/>
+              </a:gradFill>
+              <a:ln>
+                <a:noFill/>
+              </a:ln>
+            </p:spPr>
+            <p:style>
+              <a:lnRef idx="2">
+                <a:schemeClr val="accent1">
+                  <a:shade val="50000"/>
+                </a:schemeClr>
+              </a:lnRef>
+              <a:fillRef idx="1">
+                <a:schemeClr val="accent1"/>
+              </a:fillRef>
+              <a:effectRef idx="0">
+                <a:schemeClr val="accent1"/>
+              </a:effectRef>
+              <a:fontRef idx="minor">
+                <a:schemeClr val="lt1"/>
+              </a:fontRef>
+            </p:style>
+            <p:txBody>
+              <a:bodyPr rtlCol="0" anchor="ctr"/>
+              <a:lstStyle/>
+              <a:p>
+                <a:pPr algn="ctr"/>
+                <a:endParaRPr lang="pt-BR"/>
+              </a:p>
+            </p:txBody>
+          </p:sp>
+          <p:sp>
+            <p:nvSpPr>
+              <p:cNvPr id="29" name="Triângulo isósceles 28"/>
+              <p:cNvSpPr/>
+              <p:nvPr/>
+            </p:nvSpPr>
+            <p:spPr>
+              <a:xfrm>
+                <a:off x="-297823" y="1587273"/>
+                <a:ext cx="707158" cy="1512766"/>
+              </a:xfrm>
+              <a:prstGeom prst="triangle">
+                <a:avLst/>
+              </a:prstGeom>
+              <a:solidFill>
+                <a:schemeClr val="bg1"/>
+              </a:solidFill>
+              <a:ln>
+                <a:noFill/>
+              </a:ln>
+            </p:spPr>
+            <p:style>
+              <a:lnRef idx="2">
+                <a:schemeClr val="accent1">
+                  <a:shade val="50000"/>
+                </a:schemeClr>
+              </a:lnRef>
+              <a:fillRef idx="1">
+                <a:schemeClr val="accent1"/>
+              </a:fillRef>
+              <a:effectRef idx="0">
+                <a:schemeClr val="accent1"/>
+              </a:effectRef>
+              <a:fontRef idx="minor">
+                <a:schemeClr val="lt1"/>
+              </a:fontRef>
+            </p:style>
+            <p:txBody>
+              <a:bodyPr rtlCol="0" anchor="ctr"/>
+              <a:lstStyle/>
+              <a:p>
+                <a:pPr algn="ctr"/>
+                <a:endParaRPr lang="pt-BR"/>
+              </a:p>
+            </p:txBody>
+          </p:sp>
+        </p:grpSp>
+        <p:sp>
+          <p:nvSpPr>
+            <p:cNvPr id="20" name="Forma livre 19"/>
+            <p:cNvSpPr/>
+            <p:nvPr/>
+          </p:nvSpPr>
+          <p:spPr>
+            <a:xfrm>
+              <a:off x="3530041" y="3944357"/>
+              <a:ext cx="7270339" cy="1402316"/>
+            </a:xfrm>
+            <a:custGeom>
+              <a:avLst/>
+              <a:gdLst/>
+              <a:ahLst/>
+              <a:cxnLst/>
+              <a:rect l="l" t="t" r="r" b="b"/>
+              <a:pathLst>
+                <a:path w="7270339" h="1402316">
+                  <a:moveTo>
+                    <a:pt x="227106" y="169"/>
+                  </a:moveTo>
+                  <a:cubicBezTo>
+                    <a:pt x="1550878" y="-7454"/>
+                    <a:pt x="5300366" y="244646"/>
+                    <a:pt x="6330111" y="462443"/>
+                  </a:cubicBezTo>
+                  <a:cubicBezTo>
+                    <a:pt x="7428506" y="694760"/>
+                    <a:pt x="7629229" y="1352682"/>
+                    <a:pt x="6586590" y="1399145"/>
+                  </a:cubicBezTo>
+                  <a:cubicBezTo>
+                    <a:pt x="5543951" y="1445608"/>
+                    <a:pt x="1172672" y="969823"/>
+                    <a:pt x="74277" y="741223"/>
+                  </a:cubicBezTo>
+                  <a:lnTo>
+                    <a:pt x="0" y="723771"/>
+                  </a:lnTo>
+                  <a:lnTo>
+                    <a:pt x="0" y="5121"/>
+                  </a:lnTo>
+                  <a:cubicBezTo>
+                    <a:pt x="64372" y="2276"/>
+                    <a:pt x="140554" y="667"/>
+                    <a:pt x="227106" y="169"/>
+                  </a:cubicBezTo>
+                  <a:close/>
+                </a:path>
+              </a:pathLst>
+            </a:custGeom>
+            <a:solidFill>
+              <a:srgbClr val="E4EDF8"/>
+            </a:solidFill>
             <a:ln>
               <a:noFill/>
             </a:ln>
@@ -3760,18 +4866,79 @@
         </p:sp>
         <p:sp>
           <p:nvSpPr>
-            <p:cNvPr id="44" name="Triângulo isósceles 43"/>
+            <p:cNvPr id="8" name="Elipse 7"/>
             <p:cNvSpPr/>
             <p:nvPr/>
           </p:nvSpPr>
           <p:spPr>
             <a:xfrm>
-              <a:off x="-297823" y="1587273"/>
-              <a:ext cx="707158" cy="1512766"/>
+              <a:off x="3530042" y="4391374"/>
+              <a:ext cx="7879675" cy="2000324"/>
             </a:xfrm>
-            <a:prstGeom prst="triangle">
+            <a:custGeom>
               <a:avLst/>
-            </a:prstGeom>
+              <a:gdLst/>
+              <a:ahLst/>
+              <a:cxnLst/>
+              <a:rect l="l" t="t" r="r" b="b"/>
+              <a:pathLst>
+                <a:path w="7879675" h="2000324">
+                  <a:moveTo>
+                    <a:pt x="5197190" y="0"/>
+                  </a:moveTo>
+                  <a:cubicBezTo>
+                    <a:pt x="5456347" y="0"/>
+                    <a:pt x="5706862" y="35002"/>
+                    <a:pt x="5943248" y="102064"/>
+                  </a:cubicBezTo>
+                  <a:cubicBezTo>
+                    <a:pt x="6179634" y="35002"/>
+                    <a:pt x="6430149" y="0"/>
+                    <a:pt x="6689306" y="0"/>
+                  </a:cubicBezTo>
+                  <a:cubicBezTo>
+                    <a:pt x="7117498" y="0"/>
+                    <a:pt x="7522097" y="95551"/>
+                    <a:pt x="7879675" y="267200"/>
+                  </a:cubicBezTo>
+                  <a:lnTo>
+                    <a:pt x="7879675" y="2000324"/>
+                  </a:lnTo>
+                  <a:lnTo>
+                    <a:pt x="0" y="2000324"/>
+                  </a:lnTo>
+                  <a:lnTo>
+                    <a:pt x="0" y="220438"/>
+                  </a:lnTo>
+                  <a:cubicBezTo>
+                    <a:pt x="204731" y="169492"/>
+                    <a:pt x="419537" y="144016"/>
+                    <a:pt x="640634" y="144016"/>
+                  </a:cubicBezTo>
+                  <a:cubicBezTo>
+                    <a:pt x="1117471" y="144016"/>
+                    <a:pt x="1565051" y="262511"/>
+                    <a:pt x="1951411" y="471656"/>
+                  </a:cubicBezTo>
+                  <a:cubicBezTo>
+                    <a:pt x="2277344" y="335514"/>
+                    <a:pt x="2637878" y="260648"/>
+                    <a:pt x="3016898" y="260648"/>
+                  </a:cubicBezTo>
+                  <a:cubicBezTo>
+                    <a:pt x="3291940" y="260648"/>
+                    <a:pt x="3557247" y="300072"/>
+                    <a:pt x="3806818" y="373381"/>
+                  </a:cubicBezTo>
+                  <a:cubicBezTo>
+                    <a:pt x="4210405" y="135623"/>
+                    <a:pt x="4687054" y="0"/>
+                    <a:pt x="5197190" y="0"/>
+                  </a:cubicBezTo>
+                  <a:close/>
+                </a:path>
+              </a:pathLst>
+            </a:custGeom>
             <a:solidFill>
               <a:schemeClr val="bg1"/>
             </a:solidFill>
@@ -3804,31 +4971,16 @@
             </a:p>
           </p:txBody>
         </p:sp>
-      </p:grpSp>
-      <p:grpSp>
-        <p:nvGrpSpPr>
-          <p:cNvPr id="45" name="Grupo 44"/>
-          <p:cNvGrpSpPr/>
-          <p:nvPr/>
-        </p:nvGrpSpPr>
-        <p:grpSpPr>
-          <a:xfrm flipH="1">
-            <a:off x="8259770" y="2203458"/>
-            <a:ext cx="462769" cy="1495890"/>
-            <a:chOff x="-880348" y="1587273"/>
-            <a:chExt cx="1872208" cy="4005064"/>
-          </a:xfrm>
-        </p:grpSpPr>
         <p:sp>
           <p:nvSpPr>
-            <p:cNvPr id="46" name="Triângulo isósceles 11"/>
+            <p:cNvPr id="30" name="Elipse 29"/>
             <p:cNvSpPr/>
             <p:nvPr/>
           </p:nvSpPr>
           <p:spPr>
             <a:xfrm>
-              <a:off x="-880348" y="3100039"/>
-              <a:ext cx="1872208" cy="2492298"/>
+              <a:off x="9643283" y="3486771"/>
+              <a:ext cx="1739524" cy="541060"/>
             </a:xfrm>
             <a:custGeom>
               <a:avLst/>
@@ -3837,79 +4989,39 @@
               <a:cxnLst/>
               <a:rect l="l" t="t" r="r" b="b"/>
               <a:pathLst>
-                <a:path w="1872208" h="2492298">
+                <a:path w="1739524" h="541060">
                   <a:moveTo>
-                    <a:pt x="582525" y="0"/>
+                    <a:pt x="1080684" y="0"/>
                   </a:moveTo>
+                  <a:cubicBezTo>
+                    <a:pt x="1328793" y="0"/>
+                    <a:pt x="1557373" y="20931"/>
+                    <a:pt x="1739524" y="57484"/>
+                  </a:cubicBezTo>
                   <a:lnTo>
-                    <a:pt x="1289683" y="0"/>
+                    <a:pt x="1739524" y="483577"/>
                   </a:lnTo>
-                  <a:lnTo>
-                    <a:pt x="1872208" y="2492298"/>
-                  </a:lnTo>
-                  <a:lnTo>
-                    <a:pt x="0" y="2492298"/>
-                  </a:lnTo>
+                  <a:cubicBezTo>
+                    <a:pt x="1557373" y="520130"/>
+                    <a:pt x="1328793" y="541060"/>
+                    <a:pt x="1080684" y="541060"/>
+                  </a:cubicBezTo>
+                  <a:cubicBezTo>
+                    <a:pt x="483839" y="541060"/>
+                    <a:pt x="0" y="419940"/>
+                    <a:pt x="0" y="270530"/>
+                  </a:cubicBezTo>
+                  <a:cubicBezTo>
+                    <a:pt x="0" y="121120"/>
+                    <a:pt x="483839" y="0"/>
+                    <a:pt x="1080684" y="0"/>
+                  </a:cubicBezTo>
                   <a:close/>
                 </a:path>
               </a:pathLst>
             </a:custGeom>
-            <a:gradFill>
-              <a:gsLst>
-                <a:gs pos="50000">
-                  <a:srgbClr val="429383"/>
-                </a:gs>
-                <a:gs pos="49000">
-                  <a:srgbClr val="6CBDAC"/>
-                </a:gs>
-              </a:gsLst>
-              <a:lin ang="0" scaled="0"/>
-            </a:gradFill>
-            <a:ln>
-              <a:noFill/>
-            </a:ln>
-          </p:spPr>
-          <p:style>
-            <a:lnRef idx="2">
-              <a:schemeClr val="accent1">
-                <a:shade val="50000"/>
-              </a:schemeClr>
-            </a:lnRef>
-            <a:fillRef idx="1">
-              <a:schemeClr val="accent1"/>
-            </a:fillRef>
-            <a:effectRef idx="0">
-              <a:schemeClr val="accent1"/>
-            </a:effectRef>
-            <a:fontRef idx="minor">
-              <a:schemeClr val="lt1"/>
-            </a:fontRef>
-          </p:style>
-          <p:txBody>
-            <a:bodyPr rtlCol="0" anchor="ctr"/>
-            <a:lstStyle/>
-            <a:p>
-              <a:pPr algn="ctr"/>
-              <a:endParaRPr lang="pt-BR"/>
-            </a:p>
-          </p:txBody>
-        </p:sp>
-        <p:sp>
-          <p:nvSpPr>
-            <p:cNvPr id="47" name="Triângulo isósceles 46"/>
-            <p:cNvSpPr/>
-            <p:nvPr/>
-          </p:nvSpPr>
-          <p:spPr>
-            <a:xfrm>
-              <a:off x="-297823" y="1587273"/>
-              <a:ext cx="707158" cy="1512766"/>
-            </a:xfrm>
-            <a:prstGeom prst="triangle">
-              <a:avLst/>
-            </a:prstGeom>
             <a:solidFill>
-              <a:schemeClr val="bg1"/>
+              <a:srgbClr val="DAE7F6"/>
             </a:solidFill>
             <a:ln>
               <a:noFill/>
@@ -3940,1268 +5052,171 @@
             </a:p>
           </p:txBody>
         </p:sp>
-      </p:grpSp>
-      <p:grpSp>
-        <p:nvGrpSpPr>
-          <p:cNvPr id="48" name="Grupo 47"/>
-          <p:cNvGrpSpPr/>
-          <p:nvPr/>
-        </p:nvGrpSpPr>
-        <p:grpSpPr>
-          <a:xfrm flipH="1">
-            <a:off x="7403675" y="1558642"/>
-            <a:ext cx="691071" cy="2233870"/>
-            <a:chOff x="-880348" y="1587273"/>
-            <a:chExt cx="1872208" cy="4005064"/>
-          </a:xfrm>
-        </p:grpSpPr>
-        <p:sp>
-          <p:nvSpPr>
-            <p:cNvPr id="49" name="Triângulo isósceles 11"/>
-            <p:cNvSpPr/>
+        <p:pic>
+          <p:nvPicPr>
+            <p:cNvPr id="1028" name="Picture 4" descr="Resultado de imagem para neve caindo vetor png"/>
+            <p:cNvPicPr>
+              <a:picLocks noChangeAspect="1" noChangeArrowheads="1"/>
+            </p:cNvPicPr>
             <p:nvPr/>
-          </p:nvSpPr>
-          <p:spPr>
+          </p:nvPicPr>
+          <p:blipFill>
+            <a:blip r:embed="rId3">
+              <a:extLst>
+                <a:ext uri="{28A0092B-C50C-407E-A947-70E740481C1C}">
+                  <a14:useLocalDpi xmlns:a14="http://schemas.microsoft.com/office/drawing/2010/main" val="0"/>
+                </a:ext>
+              </a:extLst>
+            </a:blip>
+            <a:srcRect/>
+            <a:stretch>
+              <a:fillRect/>
+            </a:stretch>
+          </p:blipFill>
+          <p:spPr bwMode="auto">
             <a:xfrm>
-              <a:off x="-880348" y="3100039"/>
-              <a:ext cx="1872208" cy="2492298"/>
+              <a:off x="2632026" y="-424518"/>
+              <a:ext cx="4876800" cy="5866788"/>
             </a:xfrm>
-            <a:custGeom>
-              <a:avLst/>
-              <a:gdLst/>
-              <a:ahLst/>
-              <a:cxnLst/>
-              <a:rect l="l" t="t" r="r" b="b"/>
-              <a:pathLst>
-                <a:path w="1872208" h="2492298">
-                  <a:moveTo>
-                    <a:pt x="582525" y="0"/>
-                  </a:moveTo>
-                  <a:lnTo>
-                    <a:pt x="1289683" y="0"/>
-                  </a:lnTo>
-                  <a:lnTo>
-                    <a:pt x="1872208" y="2492298"/>
-                  </a:lnTo>
-                  <a:lnTo>
-                    <a:pt x="0" y="2492298"/>
-                  </a:lnTo>
-                  <a:close/>
-                </a:path>
-              </a:pathLst>
-            </a:custGeom>
-            <a:gradFill>
-              <a:gsLst>
-                <a:gs pos="50000">
-                  <a:srgbClr val="429383"/>
-                </a:gs>
-                <a:gs pos="49000">
-                  <a:srgbClr val="6CBDAC"/>
-                </a:gs>
-              </a:gsLst>
-              <a:lin ang="0" scaled="0"/>
-            </a:gradFill>
-            <a:ln>
-              <a:noFill/>
-            </a:ln>
-          </p:spPr>
-          <p:style>
-            <a:lnRef idx="2">
-              <a:schemeClr val="accent1">
-                <a:shade val="50000"/>
-              </a:schemeClr>
-            </a:lnRef>
-            <a:fillRef idx="1">
-              <a:schemeClr val="accent1"/>
-            </a:fillRef>
-            <a:effectRef idx="0">
-              <a:schemeClr val="accent1"/>
-            </a:effectRef>
-            <a:fontRef idx="minor">
-              <a:schemeClr val="lt1"/>
-            </a:fontRef>
-          </p:style>
-          <p:txBody>
-            <a:bodyPr rtlCol="0" anchor="ctr"/>
-            <a:lstStyle/>
-            <a:p>
-              <a:pPr algn="ctr"/>
-              <a:endParaRPr lang="pt-BR"/>
-            </a:p>
-          </p:txBody>
-        </p:sp>
-        <p:sp>
-          <p:nvSpPr>
-            <p:cNvPr id="50" name="Triângulo isósceles 49"/>
-            <p:cNvSpPr/>
-            <p:nvPr/>
-          </p:nvSpPr>
-          <p:spPr>
-            <a:xfrm>
-              <a:off x="-297823" y="1587273"/>
-              <a:ext cx="707158" cy="1512766"/>
-            </a:xfrm>
-            <a:prstGeom prst="triangle">
+            <a:prstGeom prst="rect">
               <a:avLst/>
             </a:prstGeom>
-            <a:solidFill>
-              <a:schemeClr val="bg1"/>
-            </a:solidFill>
-            <a:ln>
-              <a:noFill/>
-            </a:ln>
+            <a:noFill/>
+            <a:extLst>
+              <a:ext uri="{909E8E84-426E-40DD-AFC4-6F175D3DCCD1}">
+                <a14:hiddenFill xmlns:a14="http://schemas.microsoft.com/office/drawing/2010/main">
+                  <a:solidFill>
+                    <a:srgbClr val="FFFFFF"/>
+                  </a:solidFill>
+                </a14:hiddenFill>
+              </a:ext>
+            </a:extLst>
           </p:spPr>
-          <p:style>
-            <a:lnRef idx="2">
-              <a:schemeClr val="accent1">
-                <a:shade val="50000"/>
-              </a:schemeClr>
-            </a:lnRef>
-            <a:fillRef idx="1">
-              <a:schemeClr val="accent1"/>
-            </a:fillRef>
-            <a:effectRef idx="0">
-              <a:schemeClr val="accent1"/>
-            </a:effectRef>
-            <a:fontRef idx="minor">
-              <a:schemeClr val="lt1"/>
-            </a:fontRef>
-          </p:style>
-          <p:txBody>
-            <a:bodyPr rtlCol="0" anchor="ctr"/>
-            <a:lstStyle/>
-            <a:p>
-              <a:pPr algn="ctr"/>
-              <a:endParaRPr lang="pt-BR"/>
-            </a:p>
-          </p:txBody>
-        </p:sp>
-      </p:grpSp>
-      <p:grpSp>
-        <p:nvGrpSpPr>
-          <p:cNvPr id="39" name="Grupo 38"/>
-          <p:cNvGrpSpPr/>
-          <p:nvPr/>
-        </p:nvGrpSpPr>
-        <p:grpSpPr>
-          <a:xfrm flipH="1">
-            <a:off x="9495557" y="1990980"/>
-            <a:ext cx="500348" cy="1736420"/>
-            <a:chOff x="-880348" y="1587273"/>
-            <a:chExt cx="1872208" cy="4005064"/>
-          </a:xfrm>
-        </p:grpSpPr>
-        <p:sp>
-          <p:nvSpPr>
-            <p:cNvPr id="40" name="Triângulo isósceles 11"/>
-            <p:cNvSpPr/>
+        </p:pic>
+        <p:pic>
+          <p:nvPicPr>
+            <p:cNvPr id="87" name="Picture 4" descr="Resultado de imagem para neve caindo vetor png"/>
+            <p:cNvPicPr>
+              <a:picLocks noChangeAspect="1" noChangeArrowheads="1"/>
+            </p:cNvPicPr>
             <p:nvPr/>
-          </p:nvSpPr>
-          <p:spPr>
+          </p:nvPicPr>
+          <p:blipFill>
+            <a:blip r:embed="rId3">
+              <a:extLst>
+                <a:ext uri="{28A0092B-C50C-407E-A947-70E740481C1C}">
+                  <a14:useLocalDpi xmlns:a14="http://schemas.microsoft.com/office/drawing/2010/main" val="0"/>
+                </a:ext>
+              </a:extLst>
+            </a:blip>
+            <a:srcRect/>
+            <a:stretch>
+              <a:fillRect/>
+            </a:stretch>
+          </p:blipFill>
+          <p:spPr bwMode="auto">
             <a:xfrm>
-              <a:off x="-880348" y="3100039"/>
-              <a:ext cx="1872208" cy="2492298"/>
+              <a:off x="6913168" y="-319825"/>
+              <a:ext cx="4876800" cy="5657401"/>
             </a:xfrm>
-            <a:custGeom>
-              <a:avLst/>
-              <a:gdLst/>
-              <a:ahLst/>
-              <a:cxnLst/>
-              <a:rect l="l" t="t" r="r" b="b"/>
-              <a:pathLst>
-                <a:path w="1872208" h="2492298">
-                  <a:moveTo>
-                    <a:pt x="582525" y="0"/>
-                  </a:moveTo>
-                  <a:lnTo>
-                    <a:pt x="1289683" y="0"/>
-                  </a:lnTo>
-                  <a:lnTo>
-                    <a:pt x="1872208" y="2492298"/>
-                  </a:lnTo>
-                  <a:lnTo>
-                    <a:pt x="0" y="2492298"/>
-                  </a:lnTo>
-                  <a:close/>
-                </a:path>
-              </a:pathLst>
-            </a:custGeom>
-            <a:gradFill>
-              <a:gsLst>
-                <a:gs pos="50000">
-                  <a:srgbClr val="429383"/>
-                </a:gs>
-                <a:gs pos="49000">
-                  <a:srgbClr val="6CBDAC"/>
-                </a:gs>
-              </a:gsLst>
-              <a:lin ang="0" scaled="0"/>
-            </a:gradFill>
-            <a:ln>
-              <a:noFill/>
-            </a:ln>
-          </p:spPr>
-          <p:style>
-            <a:lnRef idx="2">
-              <a:schemeClr val="accent1">
-                <a:shade val="50000"/>
-              </a:schemeClr>
-            </a:lnRef>
-            <a:fillRef idx="1">
-              <a:schemeClr val="accent1"/>
-            </a:fillRef>
-            <a:effectRef idx="0">
-              <a:schemeClr val="accent1"/>
-            </a:effectRef>
-            <a:fontRef idx="minor">
-              <a:schemeClr val="lt1"/>
-            </a:fontRef>
-          </p:style>
-          <p:txBody>
-            <a:bodyPr rtlCol="0" anchor="ctr"/>
-            <a:lstStyle/>
-            <a:p>
-              <a:pPr algn="ctr"/>
-              <a:endParaRPr lang="pt-BR"/>
-            </a:p>
-          </p:txBody>
-        </p:sp>
-        <p:sp>
-          <p:nvSpPr>
-            <p:cNvPr id="41" name="Triângulo isósceles 40"/>
-            <p:cNvSpPr/>
-            <p:nvPr/>
-          </p:nvSpPr>
-          <p:spPr>
-            <a:xfrm>
-              <a:off x="-297823" y="1587273"/>
-              <a:ext cx="707158" cy="1512766"/>
-            </a:xfrm>
-            <a:prstGeom prst="triangle">
+            <a:prstGeom prst="rect">
               <a:avLst/>
             </a:prstGeom>
-            <a:solidFill>
-              <a:schemeClr val="bg1"/>
-            </a:solidFill>
-            <a:ln>
-              <a:noFill/>
-            </a:ln>
+            <a:noFill/>
+            <a:extLst>
+              <a:ext uri="{909E8E84-426E-40DD-AFC4-6F175D3DCCD1}">
+                <a14:hiddenFill xmlns:a14="http://schemas.microsoft.com/office/drawing/2010/main">
+                  <a:solidFill>
+                    <a:srgbClr val="FFFFFF"/>
+                  </a:solidFill>
+                </a14:hiddenFill>
+              </a:ext>
+            </a:extLst>
           </p:spPr>
-          <p:style>
-            <a:lnRef idx="2">
-              <a:schemeClr val="accent1">
-                <a:shade val="50000"/>
-              </a:schemeClr>
-            </a:lnRef>
-            <a:fillRef idx="1">
-              <a:schemeClr val="accent1"/>
-            </a:fillRef>
-            <a:effectRef idx="0">
-              <a:schemeClr val="accent1"/>
-            </a:effectRef>
-            <a:fontRef idx="minor">
-              <a:schemeClr val="lt1"/>
-            </a:fontRef>
-          </p:style>
-          <p:txBody>
-            <a:bodyPr rtlCol="0" anchor="ctr"/>
-            <a:lstStyle/>
-            <a:p>
-              <a:pPr algn="ctr"/>
-              <a:endParaRPr lang="pt-BR"/>
-            </a:p>
-          </p:txBody>
-        </p:sp>
-      </p:grpSp>
-      <p:sp>
-        <p:nvSpPr>
-          <p:cNvPr id="35" name="Retângulo 34"/>
-          <p:cNvSpPr/>
-          <p:nvPr/>
-        </p:nvSpPr>
-        <p:spPr>
-          <a:xfrm>
-            <a:off x="3503131" y="3274529"/>
-            <a:ext cx="7879676" cy="3132784"/>
-          </a:xfrm>
-          <a:custGeom>
-            <a:avLst/>
-            <a:gdLst/>
-            <a:ahLst/>
-            <a:cxnLst/>
-            <a:rect l="l" t="t" r="r" b="b"/>
-            <a:pathLst>
-              <a:path w="7879676" h="3132784">
-                <a:moveTo>
-                  <a:pt x="5708104" y="0"/>
-                </a:moveTo>
-                <a:cubicBezTo>
-                  <a:pt x="6455726" y="0"/>
-                  <a:pt x="7182878" y="44799"/>
-                  <a:pt x="7879676" y="130835"/>
-                </a:cubicBezTo>
-                <a:lnTo>
-                  <a:pt x="7879676" y="3132784"/>
-                </a:lnTo>
-                <a:lnTo>
-                  <a:pt x="0" y="3132784"/>
-                </a:lnTo>
-                <a:lnTo>
-                  <a:pt x="0" y="993673"/>
-                </a:lnTo>
-                <a:cubicBezTo>
-                  <a:pt x="1579484" y="370102"/>
-                  <a:pt x="3559238" y="0"/>
-                  <a:pt x="5708104" y="0"/>
-                </a:cubicBezTo>
-                <a:close/>
-              </a:path>
-            </a:pathLst>
-          </a:custGeom>
-          <a:solidFill>
-            <a:srgbClr val="DAE7F6"/>
-          </a:solidFill>
-          <a:ln>
-            <a:noFill/>
-          </a:ln>
-        </p:spPr>
-        <p:style>
-          <a:lnRef idx="2">
-            <a:schemeClr val="accent1">
-              <a:shade val="50000"/>
-            </a:schemeClr>
-          </a:lnRef>
-          <a:fillRef idx="1">
-            <a:schemeClr val="accent1"/>
-          </a:fillRef>
-          <a:effectRef idx="0">
-            <a:schemeClr val="accent1"/>
-          </a:effectRef>
-          <a:fontRef idx="minor">
-            <a:schemeClr val="lt1"/>
-          </a:fontRef>
-        </p:style>
-        <p:txBody>
-          <a:bodyPr rtlCol="0" anchor="ctr"/>
-          <a:lstStyle/>
-          <a:p>
-            <a:pPr algn="ctr"/>
-            <a:endParaRPr lang="pt-BR"/>
-          </a:p>
-        </p:txBody>
-      </p:sp>
-      <p:grpSp>
-        <p:nvGrpSpPr>
-          <p:cNvPr id="16" name="Grupo 15"/>
-          <p:cNvGrpSpPr/>
-          <p:nvPr/>
-        </p:nvGrpSpPr>
-        <p:grpSpPr>
-          <a:xfrm flipH="1">
-            <a:off x="10400578" y="1558642"/>
-            <a:ext cx="1000695" cy="2140706"/>
-            <a:chOff x="-880348" y="1587273"/>
-            <a:chExt cx="1872208" cy="4005064"/>
-          </a:xfrm>
-        </p:grpSpPr>
-        <p:sp>
-          <p:nvSpPr>
-            <p:cNvPr id="12" name="Triângulo isósceles 11"/>
-            <p:cNvSpPr/>
+        </p:pic>
+        <p:pic>
+          <p:nvPicPr>
+            <p:cNvPr id="88" name="Picture 4" descr="Resultado de imagem para neve caindo vetor png"/>
+            <p:cNvPicPr>
+              <a:picLocks noChangeAspect="1" noChangeArrowheads="1"/>
+            </p:cNvPicPr>
             <p:nvPr/>
-          </p:nvSpPr>
-          <p:spPr>
+          </p:nvPicPr>
+          <p:blipFill>
+            <a:blip r:embed="rId3">
+              <a:extLst>
+                <a:ext uri="{28A0092B-C50C-407E-A947-70E740481C1C}">
+                  <a14:useLocalDpi xmlns:a14="http://schemas.microsoft.com/office/drawing/2010/main" val="0"/>
+                </a:ext>
+              </a:extLst>
+            </a:blip>
+            <a:srcRect/>
+            <a:stretch>
+              <a:fillRect/>
+            </a:stretch>
+          </p:blipFill>
+          <p:spPr bwMode="auto">
             <a:xfrm>
-              <a:off x="-880348" y="3100039"/>
-              <a:ext cx="1872208" cy="2492298"/>
+              <a:off x="3002924" y="1962928"/>
+              <a:ext cx="4876800" cy="4876801"/>
             </a:xfrm>
-            <a:custGeom>
-              <a:avLst/>
-              <a:gdLst/>
-              <a:ahLst/>
-              <a:cxnLst/>
-              <a:rect l="l" t="t" r="r" b="b"/>
-              <a:pathLst>
-                <a:path w="1872208" h="2492298">
-                  <a:moveTo>
-                    <a:pt x="582525" y="0"/>
-                  </a:moveTo>
-                  <a:lnTo>
-                    <a:pt x="1289683" y="0"/>
-                  </a:lnTo>
-                  <a:lnTo>
-                    <a:pt x="1872208" y="2492298"/>
-                  </a:lnTo>
-                  <a:lnTo>
-                    <a:pt x="0" y="2492298"/>
-                  </a:lnTo>
-                  <a:close/>
-                </a:path>
-              </a:pathLst>
-            </a:custGeom>
-            <a:gradFill>
-              <a:gsLst>
-                <a:gs pos="50000">
-                  <a:srgbClr val="429383"/>
-                </a:gs>
-                <a:gs pos="49000">
-                  <a:srgbClr val="6CBDAC"/>
-                </a:gs>
-              </a:gsLst>
-              <a:lin ang="0" scaled="0"/>
-            </a:gradFill>
-            <a:ln>
-              <a:noFill/>
-            </a:ln>
-          </p:spPr>
-          <p:style>
-            <a:lnRef idx="2">
-              <a:schemeClr val="accent1">
-                <a:shade val="50000"/>
-              </a:schemeClr>
-            </a:lnRef>
-            <a:fillRef idx="1">
-              <a:schemeClr val="accent1"/>
-            </a:fillRef>
-            <a:effectRef idx="0">
-              <a:schemeClr val="accent1"/>
-            </a:effectRef>
-            <a:fontRef idx="minor">
-              <a:schemeClr val="lt1"/>
-            </a:fontRef>
-          </p:style>
-          <p:txBody>
-            <a:bodyPr rtlCol="0" anchor="ctr"/>
-            <a:lstStyle/>
-            <a:p>
-              <a:pPr algn="ctr"/>
-              <a:endParaRPr lang="pt-BR"/>
-            </a:p>
-          </p:txBody>
-        </p:sp>
-        <p:sp>
-          <p:nvSpPr>
-            <p:cNvPr id="14" name="Triângulo isósceles 13"/>
-            <p:cNvSpPr/>
-            <p:nvPr/>
-          </p:nvSpPr>
-          <p:spPr>
-            <a:xfrm>
-              <a:off x="-297823" y="1587273"/>
-              <a:ext cx="707158" cy="1512766"/>
-            </a:xfrm>
-            <a:prstGeom prst="triangle">
+            <a:prstGeom prst="rect">
               <a:avLst/>
             </a:prstGeom>
-            <a:solidFill>
-              <a:schemeClr val="bg1"/>
-            </a:solidFill>
-            <a:ln>
-              <a:noFill/>
-            </a:ln>
+            <a:noFill/>
+            <a:extLst>
+              <a:ext uri="{909E8E84-426E-40DD-AFC4-6F175D3DCCD1}">
+                <a14:hiddenFill xmlns:a14="http://schemas.microsoft.com/office/drawing/2010/main">
+                  <a:solidFill>
+                    <a:srgbClr val="FFFFFF"/>
+                  </a:solidFill>
+                </a14:hiddenFill>
+              </a:ext>
+            </a:extLst>
           </p:spPr>
-          <p:style>
-            <a:lnRef idx="2">
-              <a:schemeClr val="accent1">
-                <a:shade val="50000"/>
-              </a:schemeClr>
-            </a:lnRef>
-            <a:fillRef idx="1">
-              <a:schemeClr val="accent1"/>
-            </a:fillRef>
-            <a:effectRef idx="0">
-              <a:schemeClr val="accent1"/>
-            </a:effectRef>
-            <a:fontRef idx="minor">
-              <a:schemeClr val="lt1"/>
-            </a:fontRef>
-          </p:style>
-          <p:txBody>
-            <a:bodyPr rtlCol="0" anchor="ctr"/>
-            <a:lstStyle/>
-            <a:p>
-              <a:pPr algn="ctr"/>
-              <a:endParaRPr lang="pt-BR"/>
-            </a:p>
-          </p:txBody>
-        </p:sp>
-      </p:grpSp>
-      <p:sp>
-        <p:nvSpPr>
-          <p:cNvPr id="22" name="Retângulo 21"/>
-          <p:cNvSpPr/>
-          <p:nvPr/>
-        </p:nvSpPr>
-        <p:spPr>
-          <a:xfrm>
-            <a:off x="3522603" y="3593401"/>
-            <a:ext cx="1296144" cy="2592288"/>
-          </a:xfrm>
-          <a:custGeom>
-            <a:avLst/>
-            <a:gdLst/>
-            <a:ahLst/>
-            <a:cxnLst/>
-            <a:rect l="l" t="t" r="r" b="b"/>
-            <a:pathLst>
-              <a:path w="1296144" h="2592288">
-                <a:moveTo>
-                  <a:pt x="0" y="0"/>
-                </a:moveTo>
-                <a:cubicBezTo>
-                  <a:pt x="715841" y="0"/>
-                  <a:pt x="1296144" y="580303"/>
-                  <a:pt x="1296144" y="1296144"/>
-                </a:cubicBezTo>
-                <a:cubicBezTo>
-                  <a:pt x="1296144" y="2011985"/>
-                  <a:pt x="715841" y="2592288"/>
-                  <a:pt x="0" y="2592288"/>
-                </a:cubicBezTo>
-                <a:close/>
-              </a:path>
-            </a:pathLst>
-          </a:custGeom>
-          <a:solidFill>
-            <a:srgbClr val="DAE7F6"/>
-          </a:solidFill>
-          <a:ln>
-            <a:noFill/>
-          </a:ln>
-        </p:spPr>
-        <p:style>
-          <a:lnRef idx="2">
-            <a:schemeClr val="accent1">
-              <a:shade val="50000"/>
-            </a:schemeClr>
-          </a:lnRef>
-          <a:fillRef idx="1">
-            <a:schemeClr val="accent1"/>
-          </a:fillRef>
-          <a:effectRef idx="0">
-            <a:schemeClr val="accent1"/>
-          </a:effectRef>
-          <a:fontRef idx="minor">
-            <a:schemeClr val="lt1"/>
-          </a:fontRef>
-        </p:style>
-        <p:txBody>
-          <a:bodyPr rtlCol="0" anchor="ctr"/>
-          <a:lstStyle/>
-          <a:p>
-            <a:pPr algn="ctr"/>
-            <a:endParaRPr lang="pt-BR"/>
-          </a:p>
-        </p:txBody>
-      </p:sp>
-      <p:grpSp>
-        <p:nvGrpSpPr>
-          <p:cNvPr id="24" name="Grupo 23"/>
-          <p:cNvGrpSpPr/>
-          <p:nvPr/>
-        </p:nvGrpSpPr>
-        <p:grpSpPr>
-          <a:xfrm flipH="1">
-            <a:off x="3681345" y="2735190"/>
-            <a:ext cx="295966" cy="1307486"/>
-            <a:chOff x="-880348" y="1587273"/>
-            <a:chExt cx="1872208" cy="4005065"/>
-          </a:xfrm>
-        </p:grpSpPr>
-        <p:sp>
-          <p:nvSpPr>
-            <p:cNvPr id="25" name="Triângulo isósceles 11"/>
-            <p:cNvSpPr/>
+        </p:pic>
+        <p:pic>
+          <p:nvPicPr>
+            <p:cNvPr id="89" name="Picture 4" descr="Resultado de imagem para neve caindo vetor png"/>
+            <p:cNvPicPr>
+              <a:picLocks noChangeAspect="1" noChangeArrowheads="1"/>
+            </p:cNvPicPr>
             <p:nvPr/>
-          </p:nvSpPr>
-          <p:spPr>
+          </p:nvPicPr>
+          <p:blipFill>
+            <a:blip r:embed="rId3">
+              <a:extLst>
+                <a:ext uri="{28A0092B-C50C-407E-A947-70E740481C1C}">
+                  <a14:useLocalDpi xmlns:a14="http://schemas.microsoft.com/office/drawing/2010/main" val="0"/>
+                </a:ext>
+              </a:extLst>
+            </a:blip>
+            <a:srcRect/>
+            <a:stretch>
+              <a:fillRect/>
+            </a:stretch>
+          </p:blipFill>
+          <p:spPr bwMode="auto">
             <a:xfrm>
-              <a:off x="-880348" y="3100040"/>
-              <a:ext cx="1872208" cy="2492298"/>
+              <a:off x="6825771" y="2004365"/>
+              <a:ext cx="4876800" cy="4876801"/>
             </a:xfrm>
-            <a:custGeom>
-              <a:avLst/>
-              <a:gdLst/>
-              <a:ahLst/>
-              <a:cxnLst/>
-              <a:rect l="l" t="t" r="r" b="b"/>
-              <a:pathLst>
-                <a:path w="1872208" h="2492298">
-                  <a:moveTo>
-                    <a:pt x="582525" y="0"/>
-                  </a:moveTo>
-                  <a:lnTo>
-                    <a:pt x="1289683" y="0"/>
-                  </a:lnTo>
-                  <a:lnTo>
-                    <a:pt x="1872208" y="2492298"/>
-                  </a:lnTo>
-                  <a:lnTo>
-                    <a:pt x="0" y="2492298"/>
-                  </a:lnTo>
-                  <a:close/>
-                </a:path>
-              </a:pathLst>
-            </a:custGeom>
-            <a:gradFill>
-              <a:gsLst>
-                <a:gs pos="50000">
-                  <a:srgbClr val="429383"/>
-                </a:gs>
-                <a:gs pos="49000">
-                  <a:srgbClr val="6CBDAC"/>
-                </a:gs>
-              </a:gsLst>
-              <a:lin ang="0" scaled="0"/>
-            </a:gradFill>
-            <a:ln>
-              <a:noFill/>
-            </a:ln>
-          </p:spPr>
-          <p:style>
-            <a:lnRef idx="2">
-              <a:schemeClr val="accent1">
-                <a:shade val="50000"/>
-              </a:schemeClr>
-            </a:lnRef>
-            <a:fillRef idx="1">
-              <a:schemeClr val="accent1"/>
-            </a:fillRef>
-            <a:effectRef idx="0">
-              <a:schemeClr val="accent1"/>
-            </a:effectRef>
-            <a:fontRef idx="minor">
-              <a:schemeClr val="lt1"/>
-            </a:fontRef>
-          </p:style>
-          <p:txBody>
-            <a:bodyPr rtlCol="0" anchor="ctr"/>
-            <a:lstStyle/>
-            <a:p>
-              <a:pPr algn="ctr"/>
-              <a:endParaRPr lang="pt-BR"/>
-            </a:p>
-          </p:txBody>
-        </p:sp>
-        <p:sp>
-          <p:nvSpPr>
-            <p:cNvPr id="26" name="Triângulo isósceles 25"/>
-            <p:cNvSpPr/>
-            <p:nvPr/>
-          </p:nvSpPr>
-          <p:spPr>
-            <a:xfrm>
-              <a:off x="-297823" y="1587273"/>
-              <a:ext cx="707158" cy="1512766"/>
-            </a:xfrm>
-            <a:prstGeom prst="triangle">
+            <a:prstGeom prst="rect">
               <a:avLst/>
             </a:prstGeom>
-            <a:solidFill>
-              <a:schemeClr val="bg1"/>
-            </a:solidFill>
-            <a:ln>
-              <a:noFill/>
-            </a:ln>
-          </p:spPr>
-          <p:style>
-            <a:lnRef idx="2">
-              <a:schemeClr val="accent1">
-                <a:shade val="50000"/>
-              </a:schemeClr>
-            </a:lnRef>
-            <a:fillRef idx="1">
-              <a:schemeClr val="accent1"/>
-            </a:fillRef>
-            <a:effectRef idx="0">
-              <a:schemeClr val="accent1"/>
-            </a:effectRef>
-            <a:fontRef idx="minor">
-              <a:schemeClr val="lt1"/>
-            </a:fontRef>
-          </p:style>
-          <p:txBody>
-            <a:bodyPr rtlCol="0" anchor="ctr"/>
-            <a:lstStyle/>
-            <a:p>
-              <a:pPr algn="ctr"/>
-              <a:endParaRPr lang="pt-BR"/>
-            </a:p>
-          </p:txBody>
-        </p:sp>
-      </p:grpSp>
-      <p:grpSp>
-        <p:nvGrpSpPr>
-          <p:cNvPr id="27" name="Grupo 26"/>
-          <p:cNvGrpSpPr/>
-          <p:nvPr/>
-        </p:nvGrpSpPr>
-        <p:grpSpPr>
-          <a:xfrm rot="20915588" flipH="1">
-            <a:off x="4312554" y="2757938"/>
-            <a:ext cx="524136" cy="1307486"/>
-            <a:chOff x="-880348" y="1587273"/>
-            <a:chExt cx="1872208" cy="4005065"/>
-          </a:xfrm>
-        </p:grpSpPr>
-        <p:sp>
-          <p:nvSpPr>
-            <p:cNvPr id="28" name="Triângulo isósceles 11"/>
-            <p:cNvSpPr/>
-            <p:nvPr/>
-          </p:nvSpPr>
-          <p:spPr>
-            <a:xfrm>
-              <a:off x="-880348" y="3100040"/>
-              <a:ext cx="1872208" cy="2492298"/>
-            </a:xfrm>
-            <a:custGeom>
-              <a:avLst/>
-              <a:gdLst/>
-              <a:ahLst/>
-              <a:cxnLst/>
-              <a:rect l="l" t="t" r="r" b="b"/>
-              <a:pathLst>
-                <a:path w="1872208" h="2492298">
-                  <a:moveTo>
-                    <a:pt x="582525" y="0"/>
-                  </a:moveTo>
-                  <a:lnTo>
-                    <a:pt x="1289683" y="0"/>
-                  </a:lnTo>
-                  <a:lnTo>
-                    <a:pt x="1872208" y="2492298"/>
-                  </a:lnTo>
-                  <a:lnTo>
-                    <a:pt x="0" y="2492298"/>
-                  </a:lnTo>
-                  <a:close/>
-                </a:path>
-              </a:pathLst>
-            </a:custGeom>
-            <a:gradFill>
-              <a:gsLst>
-                <a:gs pos="50000">
-                  <a:srgbClr val="429383"/>
-                </a:gs>
-                <a:gs pos="49000">
-                  <a:srgbClr val="6CBDAC"/>
-                </a:gs>
-              </a:gsLst>
-              <a:lin ang="0" scaled="0"/>
-            </a:gradFill>
-            <a:ln>
-              <a:noFill/>
-            </a:ln>
-          </p:spPr>
-          <p:style>
-            <a:lnRef idx="2">
-              <a:schemeClr val="accent1">
-                <a:shade val="50000"/>
-              </a:schemeClr>
-            </a:lnRef>
-            <a:fillRef idx="1">
-              <a:schemeClr val="accent1"/>
-            </a:fillRef>
-            <a:effectRef idx="0">
-              <a:schemeClr val="accent1"/>
-            </a:effectRef>
-            <a:fontRef idx="minor">
-              <a:schemeClr val="lt1"/>
-            </a:fontRef>
-          </p:style>
-          <p:txBody>
-            <a:bodyPr rtlCol="0" anchor="ctr"/>
-            <a:lstStyle/>
-            <a:p>
-              <a:pPr algn="ctr"/>
-              <a:endParaRPr lang="pt-BR"/>
-            </a:p>
-          </p:txBody>
-        </p:sp>
-        <p:sp>
-          <p:nvSpPr>
-            <p:cNvPr id="29" name="Triângulo isósceles 28"/>
-            <p:cNvSpPr/>
-            <p:nvPr/>
-          </p:nvSpPr>
-          <p:spPr>
-            <a:xfrm>
-              <a:off x="-297823" y="1587273"/>
-              <a:ext cx="707158" cy="1512766"/>
-            </a:xfrm>
-            <a:prstGeom prst="triangle">
-              <a:avLst/>
-            </a:prstGeom>
-            <a:solidFill>
-              <a:schemeClr val="bg1"/>
-            </a:solidFill>
-            <a:ln>
-              <a:noFill/>
-            </a:ln>
-          </p:spPr>
-          <p:style>
-            <a:lnRef idx="2">
-              <a:schemeClr val="accent1">
-                <a:shade val="50000"/>
-              </a:schemeClr>
-            </a:lnRef>
-            <a:fillRef idx="1">
-              <a:schemeClr val="accent1"/>
-            </a:fillRef>
-            <a:effectRef idx="0">
-              <a:schemeClr val="accent1"/>
-            </a:effectRef>
-            <a:fontRef idx="minor">
-              <a:schemeClr val="lt1"/>
-            </a:fontRef>
-          </p:style>
-          <p:txBody>
-            <a:bodyPr rtlCol="0" anchor="ctr"/>
-            <a:lstStyle/>
-            <a:p>
-              <a:pPr algn="ctr"/>
-              <a:endParaRPr lang="pt-BR"/>
-            </a:p>
-          </p:txBody>
-        </p:sp>
-      </p:grpSp>
-      <p:sp>
-        <p:nvSpPr>
-          <p:cNvPr id="20" name="Forma livre 19"/>
-          <p:cNvSpPr/>
-          <p:nvPr/>
-        </p:nvSpPr>
-        <p:spPr>
-          <a:xfrm>
-            <a:off x="3530041" y="3944357"/>
-            <a:ext cx="7270339" cy="1402316"/>
-          </a:xfrm>
-          <a:custGeom>
-            <a:avLst/>
-            <a:gdLst/>
-            <a:ahLst/>
-            <a:cxnLst/>
-            <a:rect l="l" t="t" r="r" b="b"/>
-            <a:pathLst>
-              <a:path w="7270339" h="1402316">
-                <a:moveTo>
-                  <a:pt x="227106" y="169"/>
-                </a:moveTo>
-                <a:cubicBezTo>
-                  <a:pt x="1550878" y="-7454"/>
-                  <a:pt x="5300366" y="244646"/>
-                  <a:pt x="6330111" y="462443"/>
-                </a:cubicBezTo>
-                <a:cubicBezTo>
-                  <a:pt x="7428506" y="694760"/>
-                  <a:pt x="7629229" y="1352682"/>
-                  <a:pt x="6586590" y="1399145"/>
-                </a:cubicBezTo>
-                <a:cubicBezTo>
-                  <a:pt x="5543951" y="1445608"/>
-                  <a:pt x="1172672" y="969823"/>
-                  <a:pt x="74277" y="741223"/>
-                </a:cubicBezTo>
-                <a:lnTo>
-                  <a:pt x="0" y="723771"/>
-                </a:lnTo>
-                <a:lnTo>
-                  <a:pt x="0" y="5121"/>
-                </a:lnTo>
-                <a:cubicBezTo>
-                  <a:pt x="64372" y="2276"/>
-                  <a:pt x="140554" y="667"/>
-                  <a:pt x="227106" y="169"/>
-                </a:cubicBezTo>
-                <a:close/>
-              </a:path>
-            </a:pathLst>
-          </a:custGeom>
-          <a:solidFill>
-            <a:srgbClr val="E4EDF8"/>
-          </a:solidFill>
-          <a:ln>
             <a:noFill/>
-          </a:ln>
-        </p:spPr>
-        <p:style>
-          <a:lnRef idx="2">
-            <a:schemeClr val="accent1">
-              <a:shade val="50000"/>
-            </a:schemeClr>
-          </a:lnRef>
-          <a:fillRef idx="1">
-            <a:schemeClr val="accent1"/>
-          </a:fillRef>
-          <a:effectRef idx="0">
-            <a:schemeClr val="accent1"/>
-          </a:effectRef>
-          <a:fontRef idx="minor">
-            <a:schemeClr val="lt1"/>
-          </a:fontRef>
-        </p:style>
-        <p:txBody>
-          <a:bodyPr rtlCol="0" anchor="ctr"/>
-          <a:lstStyle/>
-          <a:p>
-            <a:pPr algn="ctr"/>
-            <a:endParaRPr lang="pt-BR"/>
-          </a:p>
-        </p:txBody>
-      </p:sp>
-      <p:sp>
-        <p:nvSpPr>
-          <p:cNvPr id="8" name="Elipse 7"/>
-          <p:cNvSpPr/>
-          <p:nvPr/>
-        </p:nvSpPr>
-        <p:spPr>
-          <a:xfrm>
-            <a:off x="3530042" y="4391374"/>
-            <a:ext cx="7879675" cy="2000324"/>
-          </a:xfrm>
-          <a:custGeom>
-            <a:avLst/>
-            <a:gdLst/>
-            <a:ahLst/>
-            <a:cxnLst/>
-            <a:rect l="l" t="t" r="r" b="b"/>
-            <a:pathLst>
-              <a:path w="7879675" h="2000324">
-                <a:moveTo>
-                  <a:pt x="5197190" y="0"/>
-                </a:moveTo>
-                <a:cubicBezTo>
-                  <a:pt x="5456347" y="0"/>
-                  <a:pt x="5706862" y="35002"/>
-                  <a:pt x="5943248" y="102064"/>
-                </a:cubicBezTo>
-                <a:cubicBezTo>
-                  <a:pt x="6179634" y="35002"/>
-                  <a:pt x="6430149" y="0"/>
-                  <a:pt x="6689306" y="0"/>
-                </a:cubicBezTo>
-                <a:cubicBezTo>
-                  <a:pt x="7117498" y="0"/>
-                  <a:pt x="7522097" y="95551"/>
-                  <a:pt x="7879675" y="267200"/>
-                </a:cubicBezTo>
-                <a:lnTo>
-                  <a:pt x="7879675" y="2000324"/>
-                </a:lnTo>
-                <a:lnTo>
-                  <a:pt x="0" y="2000324"/>
-                </a:lnTo>
-                <a:lnTo>
-                  <a:pt x="0" y="220438"/>
-                </a:lnTo>
-                <a:cubicBezTo>
-                  <a:pt x="204731" y="169492"/>
-                  <a:pt x="419537" y="144016"/>
-                  <a:pt x="640634" y="144016"/>
-                </a:cubicBezTo>
-                <a:cubicBezTo>
-                  <a:pt x="1117471" y="144016"/>
-                  <a:pt x="1565051" y="262511"/>
-                  <a:pt x="1951411" y="471656"/>
-                </a:cubicBezTo>
-                <a:cubicBezTo>
-                  <a:pt x="2277344" y="335514"/>
-                  <a:pt x="2637878" y="260648"/>
-                  <a:pt x="3016898" y="260648"/>
-                </a:cubicBezTo>
-                <a:cubicBezTo>
-                  <a:pt x="3291940" y="260648"/>
-                  <a:pt x="3557247" y="300072"/>
-                  <a:pt x="3806818" y="373381"/>
-                </a:cubicBezTo>
-                <a:cubicBezTo>
-                  <a:pt x="4210405" y="135623"/>
-                  <a:pt x="4687054" y="0"/>
-                  <a:pt x="5197190" y="0"/>
-                </a:cubicBezTo>
-                <a:close/>
-              </a:path>
-            </a:pathLst>
-          </a:custGeom>
-          <a:solidFill>
-            <a:schemeClr val="bg1"/>
-          </a:solidFill>
-          <a:ln>
-            <a:noFill/>
-          </a:ln>
-        </p:spPr>
-        <p:style>
-          <a:lnRef idx="2">
-            <a:schemeClr val="accent1">
-              <a:shade val="50000"/>
-            </a:schemeClr>
-          </a:lnRef>
-          <a:fillRef idx="1">
-            <a:schemeClr val="accent1"/>
-          </a:fillRef>
-          <a:effectRef idx="0">
-            <a:schemeClr val="accent1"/>
-          </a:effectRef>
-          <a:fontRef idx="minor">
-            <a:schemeClr val="lt1"/>
-          </a:fontRef>
-        </p:style>
-        <p:txBody>
-          <a:bodyPr rtlCol="0" anchor="ctr"/>
-          <a:lstStyle/>
-          <a:p>
-            <a:pPr algn="ctr"/>
-            <a:endParaRPr lang="pt-BR"/>
-          </a:p>
-        </p:txBody>
-      </p:sp>
-      <p:sp>
-        <p:nvSpPr>
-          <p:cNvPr id="30" name="Elipse 29"/>
-          <p:cNvSpPr/>
-          <p:nvPr/>
-        </p:nvSpPr>
-        <p:spPr>
-          <a:xfrm>
-            <a:off x="9643283" y="3486771"/>
-            <a:ext cx="1739524" cy="541060"/>
-          </a:xfrm>
-          <a:custGeom>
-            <a:avLst/>
-            <a:gdLst/>
-            <a:ahLst/>
-            <a:cxnLst/>
-            <a:rect l="l" t="t" r="r" b="b"/>
-            <a:pathLst>
-              <a:path w="1739524" h="541060">
-                <a:moveTo>
-                  <a:pt x="1080684" y="0"/>
-                </a:moveTo>
-                <a:cubicBezTo>
-                  <a:pt x="1328793" y="0"/>
-                  <a:pt x="1557373" y="20931"/>
-                  <a:pt x="1739524" y="57484"/>
-                </a:cubicBezTo>
-                <a:lnTo>
-                  <a:pt x="1739524" y="483577"/>
-                </a:lnTo>
-                <a:cubicBezTo>
-                  <a:pt x="1557373" y="520130"/>
-                  <a:pt x="1328793" y="541060"/>
-                  <a:pt x="1080684" y="541060"/>
-                </a:cubicBezTo>
-                <a:cubicBezTo>
-                  <a:pt x="483839" y="541060"/>
-                  <a:pt x="0" y="419940"/>
-                  <a:pt x="0" y="270530"/>
-                </a:cubicBezTo>
-                <a:cubicBezTo>
-                  <a:pt x="0" y="121120"/>
-                  <a:pt x="483839" y="0"/>
-                  <a:pt x="1080684" y="0"/>
-                </a:cubicBezTo>
-                <a:close/>
-              </a:path>
-            </a:pathLst>
-          </a:custGeom>
-          <a:solidFill>
-            <a:srgbClr val="DAE7F6"/>
-          </a:solidFill>
-          <a:ln>
-            <a:noFill/>
-          </a:ln>
-        </p:spPr>
-        <p:style>
-          <a:lnRef idx="2">
-            <a:schemeClr val="accent1">
-              <a:shade val="50000"/>
-            </a:schemeClr>
-          </a:lnRef>
-          <a:fillRef idx="1">
-            <a:schemeClr val="accent1"/>
-          </a:fillRef>
-          <a:effectRef idx="0">
-            <a:schemeClr val="accent1"/>
-          </a:effectRef>
-          <a:fontRef idx="minor">
-            <a:schemeClr val="lt1"/>
-          </a:fontRef>
-        </p:style>
-        <p:txBody>
-          <a:bodyPr rtlCol="0" anchor="ctr"/>
-          <a:lstStyle/>
-          <a:p>
-            <a:pPr algn="ctr"/>
-            <a:endParaRPr lang="pt-BR"/>
-          </a:p>
-        </p:txBody>
-      </p:sp>
-      <p:pic>
-        <p:nvPicPr>
-          <p:cNvPr id="1028" name="Picture 4" descr="Resultado de imagem para neve caindo vetor png"/>
-          <p:cNvPicPr>
-            <a:picLocks noChangeAspect="1" noChangeArrowheads="1"/>
-          </p:cNvPicPr>
-          <p:nvPr/>
-        </p:nvPicPr>
-        <p:blipFill>
-          <a:blip r:embed="rId3">
             <a:extLst>
-              <a:ext uri="{28A0092B-C50C-407E-A947-70E740481C1C}">
-                <a14:useLocalDpi xmlns:a14="http://schemas.microsoft.com/office/drawing/2010/main" val="0"/>
+              <a:ext uri="{909E8E84-426E-40DD-AFC4-6F175D3DCCD1}">
+                <a14:hiddenFill xmlns:a14="http://schemas.microsoft.com/office/drawing/2010/main">
+                  <a:solidFill>
+                    <a:srgbClr val="FFFFFF"/>
+                  </a:solidFill>
+                </a14:hiddenFill>
               </a:ext>
             </a:extLst>
-          </a:blip>
-          <a:srcRect/>
-          <a:stretch>
-            <a:fillRect/>
-          </a:stretch>
-        </p:blipFill>
-        <p:spPr bwMode="auto">
-          <a:xfrm>
-            <a:off x="2632026" y="-424518"/>
-            <a:ext cx="4876800" cy="5866788"/>
-          </a:xfrm>
-          <a:prstGeom prst="rect">
-            <a:avLst/>
-          </a:prstGeom>
-          <a:noFill/>
-          <a:extLst>
-            <a:ext uri="{909E8E84-426E-40DD-AFC4-6F175D3DCCD1}">
-              <a14:hiddenFill xmlns:a14="http://schemas.microsoft.com/office/drawing/2010/main">
-                <a:solidFill>
-                  <a:srgbClr val="FFFFFF"/>
-                </a:solidFill>
-              </a14:hiddenFill>
-            </a:ext>
-          </a:extLst>
-        </p:spPr>
-      </p:pic>
-      <p:pic>
-        <p:nvPicPr>
-          <p:cNvPr id="87" name="Picture 4" descr="Resultado de imagem para neve caindo vetor png"/>
-          <p:cNvPicPr>
-            <a:picLocks noChangeAspect="1" noChangeArrowheads="1"/>
-          </p:cNvPicPr>
-          <p:nvPr/>
-        </p:nvPicPr>
-        <p:blipFill>
-          <a:blip r:embed="rId3">
-            <a:extLst>
-              <a:ext uri="{28A0092B-C50C-407E-A947-70E740481C1C}">
-                <a14:useLocalDpi xmlns:a14="http://schemas.microsoft.com/office/drawing/2010/main" val="0"/>
-              </a:ext>
-            </a:extLst>
-          </a:blip>
-          <a:srcRect/>
-          <a:stretch>
-            <a:fillRect/>
-          </a:stretch>
-        </p:blipFill>
-        <p:spPr bwMode="auto">
-          <a:xfrm>
-            <a:off x="6913168" y="-319825"/>
-            <a:ext cx="4876800" cy="5657401"/>
-          </a:xfrm>
-          <a:prstGeom prst="rect">
-            <a:avLst/>
-          </a:prstGeom>
-          <a:noFill/>
-          <a:extLst>
-            <a:ext uri="{909E8E84-426E-40DD-AFC4-6F175D3DCCD1}">
-              <a14:hiddenFill xmlns:a14="http://schemas.microsoft.com/office/drawing/2010/main">
-                <a:solidFill>
-                  <a:srgbClr val="FFFFFF"/>
-                </a:solidFill>
-              </a14:hiddenFill>
-            </a:ext>
-          </a:extLst>
-        </p:spPr>
-      </p:pic>
-      <p:pic>
-        <p:nvPicPr>
-          <p:cNvPr id="88" name="Picture 4" descr="Resultado de imagem para neve caindo vetor png"/>
-          <p:cNvPicPr>
-            <a:picLocks noChangeAspect="1" noChangeArrowheads="1"/>
-          </p:cNvPicPr>
-          <p:nvPr/>
-        </p:nvPicPr>
-        <p:blipFill>
-          <a:blip r:embed="rId3">
-            <a:extLst>
-              <a:ext uri="{28A0092B-C50C-407E-A947-70E740481C1C}">
-                <a14:useLocalDpi xmlns:a14="http://schemas.microsoft.com/office/drawing/2010/main" val="0"/>
-              </a:ext>
-            </a:extLst>
-          </a:blip>
-          <a:srcRect/>
-          <a:stretch>
-            <a:fillRect/>
-          </a:stretch>
-        </p:blipFill>
-        <p:spPr bwMode="auto">
-          <a:xfrm>
-            <a:off x="3002924" y="1962928"/>
-            <a:ext cx="4876800" cy="4876801"/>
-          </a:xfrm>
-          <a:prstGeom prst="rect">
-            <a:avLst/>
-          </a:prstGeom>
-          <a:noFill/>
-          <a:extLst>
-            <a:ext uri="{909E8E84-426E-40DD-AFC4-6F175D3DCCD1}">
-              <a14:hiddenFill xmlns:a14="http://schemas.microsoft.com/office/drawing/2010/main">
-                <a:solidFill>
-                  <a:srgbClr val="FFFFFF"/>
-                </a:solidFill>
-              </a14:hiddenFill>
-            </a:ext>
-          </a:extLst>
-        </p:spPr>
-      </p:pic>
-      <p:pic>
-        <p:nvPicPr>
-          <p:cNvPr id="89" name="Picture 4" descr="Resultado de imagem para neve caindo vetor png"/>
-          <p:cNvPicPr>
-            <a:picLocks noChangeAspect="1" noChangeArrowheads="1"/>
-          </p:cNvPicPr>
-          <p:nvPr/>
-        </p:nvPicPr>
-        <p:blipFill>
-          <a:blip r:embed="rId3">
-            <a:extLst>
-              <a:ext uri="{28A0092B-C50C-407E-A947-70E740481C1C}">
-                <a14:useLocalDpi xmlns:a14="http://schemas.microsoft.com/office/drawing/2010/main" val="0"/>
-              </a:ext>
-            </a:extLst>
-          </a:blip>
-          <a:srcRect/>
-          <a:stretch>
-            <a:fillRect/>
-          </a:stretch>
-        </p:blipFill>
-        <p:spPr bwMode="auto">
-          <a:xfrm>
-            <a:off x="6825771" y="2004365"/>
-            <a:ext cx="4876800" cy="4876801"/>
-          </a:xfrm>
-          <a:prstGeom prst="rect">
-            <a:avLst/>
-          </a:prstGeom>
-          <a:noFill/>
-          <a:extLst>
-            <a:ext uri="{909E8E84-426E-40DD-AFC4-6F175D3DCCD1}">
-              <a14:hiddenFill xmlns:a14="http://schemas.microsoft.com/office/drawing/2010/main">
-                <a:solidFill>
-                  <a:srgbClr val="FFFFFF"/>
-                </a:solidFill>
-              </a14:hiddenFill>
-            </a:ext>
-          </a:extLst>
-        </p:spPr>
-      </p:pic>
+          </p:spPr>
+        </p:pic>
+      </p:grpSp>
     </p:spTree>
     <p:extLst>
       <p:ext uri="{BB962C8B-B14F-4D97-AF65-F5344CB8AC3E}">
@@ -5321,266 +5336,36 @@
           </a:extLst>
         </p:spPr>
       </p:pic>
-      <p:sp>
-        <p:nvSpPr>
-          <p:cNvPr id="3" name="Retângulo 2"/>
-          <p:cNvSpPr/>
-          <p:nvPr/>
-        </p:nvSpPr>
-        <p:spPr>
-          <a:xfrm>
-            <a:off x="539552" y="573014"/>
-            <a:ext cx="7879676" cy="5384700"/>
-          </a:xfrm>
-          <a:prstGeom prst="rect">
-            <a:avLst/>
-          </a:prstGeom>
-          <a:solidFill>
-            <a:srgbClr val="C5E6F7"/>
-          </a:solidFill>
-          <a:ln>
-            <a:noFill/>
-          </a:ln>
-        </p:spPr>
-        <p:style>
-          <a:lnRef idx="2">
-            <a:schemeClr val="accent1">
-              <a:shade val="50000"/>
-            </a:schemeClr>
-          </a:lnRef>
-          <a:fillRef idx="1">
-            <a:schemeClr val="accent1"/>
-          </a:fillRef>
-          <a:effectRef idx="0">
-            <a:schemeClr val="accent1"/>
-          </a:effectRef>
-          <a:fontRef idx="minor">
-            <a:schemeClr val="lt1"/>
-          </a:fontRef>
-        </p:style>
-        <p:txBody>
-          <a:bodyPr rtlCol="0" anchor="ctr"/>
-          <a:lstStyle/>
-          <a:p>
-            <a:pPr algn="ctr"/>
-            <a:endParaRPr lang="pt-BR"/>
-          </a:p>
-        </p:txBody>
-      </p:sp>
-      <p:sp>
-        <p:nvSpPr>
-          <p:cNvPr id="2" name="Retângulo 1"/>
-          <p:cNvSpPr/>
-          <p:nvPr/>
-        </p:nvSpPr>
-        <p:spPr>
-          <a:xfrm>
-            <a:off x="539552" y="4041650"/>
-            <a:ext cx="7879676" cy="1916064"/>
-          </a:xfrm>
-          <a:prstGeom prst="rect">
-            <a:avLst/>
-          </a:prstGeom>
-          <a:solidFill>
-            <a:srgbClr val="D5D74D"/>
-          </a:solidFill>
-          <a:ln>
-            <a:noFill/>
-          </a:ln>
-        </p:spPr>
-        <p:style>
-          <a:lnRef idx="2">
-            <a:schemeClr val="accent1">
-              <a:shade val="50000"/>
-            </a:schemeClr>
-          </a:lnRef>
-          <a:fillRef idx="1">
-            <a:schemeClr val="accent1"/>
-          </a:fillRef>
-          <a:effectRef idx="0">
-            <a:schemeClr val="accent1"/>
-          </a:effectRef>
-          <a:fontRef idx="minor">
-            <a:schemeClr val="lt1"/>
-          </a:fontRef>
-        </p:style>
-        <p:txBody>
-          <a:bodyPr rtlCol="0" anchor="ctr"/>
-          <a:lstStyle/>
-          <a:p>
-            <a:pPr algn="ctr"/>
-            <a:endParaRPr lang="pt-BR"/>
-          </a:p>
-        </p:txBody>
-      </p:sp>
-      <p:sp>
-        <p:nvSpPr>
-          <p:cNvPr id="4" name="Retângulo 3"/>
-          <p:cNvSpPr/>
-          <p:nvPr/>
-        </p:nvSpPr>
-        <p:spPr>
-          <a:xfrm>
-            <a:off x="539552" y="5246960"/>
-            <a:ext cx="7879676" cy="486295"/>
-          </a:xfrm>
-          <a:prstGeom prst="rect">
-            <a:avLst/>
-          </a:prstGeom>
-          <a:solidFill>
-            <a:srgbClr val="B5B5B5"/>
-          </a:solidFill>
-          <a:ln>
-            <a:noFill/>
-          </a:ln>
-        </p:spPr>
-        <p:style>
-          <a:lnRef idx="2">
-            <a:schemeClr val="accent1">
-              <a:shade val="50000"/>
-            </a:schemeClr>
-          </a:lnRef>
-          <a:fillRef idx="1">
-            <a:schemeClr val="accent1"/>
-          </a:fillRef>
-          <a:effectRef idx="0">
-            <a:schemeClr val="accent1"/>
-          </a:effectRef>
-          <a:fontRef idx="minor">
-            <a:schemeClr val="lt1"/>
-          </a:fontRef>
-        </p:style>
-        <p:txBody>
-          <a:bodyPr rtlCol="0" anchor="ctr"/>
-          <a:lstStyle/>
-          <a:p>
-            <a:pPr algn="ctr"/>
-            <a:endParaRPr lang="pt-BR" dirty="0"/>
-          </a:p>
-        </p:txBody>
-      </p:sp>
-      <p:sp>
-        <p:nvSpPr>
-          <p:cNvPr id="5" name="Retângulo 4"/>
-          <p:cNvSpPr/>
-          <p:nvPr/>
-        </p:nvSpPr>
-        <p:spPr>
-          <a:xfrm>
-            <a:off x="539552" y="4999682"/>
-            <a:ext cx="7879676" cy="247278"/>
-          </a:xfrm>
-          <a:prstGeom prst="rect">
-            <a:avLst/>
-          </a:prstGeom>
-          <a:solidFill>
-            <a:srgbClr val="D3D3D1"/>
-          </a:solidFill>
-          <a:ln>
-            <a:noFill/>
-          </a:ln>
-        </p:spPr>
-        <p:style>
-          <a:lnRef idx="2">
-            <a:schemeClr val="accent1">
-              <a:shade val="50000"/>
-            </a:schemeClr>
-          </a:lnRef>
-          <a:fillRef idx="1">
-            <a:schemeClr val="accent1"/>
-          </a:fillRef>
-          <a:effectRef idx="0">
-            <a:schemeClr val="accent1"/>
-          </a:effectRef>
-          <a:fontRef idx="minor">
-            <a:schemeClr val="lt1"/>
-          </a:fontRef>
-        </p:style>
-        <p:txBody>
-          <a:bodyPr rtlCol="0" anchor="ctr"/>
-          <a:lstStyle/>
-          <a:p>
-            <a:pPr algn="ctr"/>
-            <a:endParaRPr lang="pt-BR"/>
-          </a:p>
-        </p:txBody>
-      </p:sp>
-      <p:sp>
-        <p:nvSpPr>
-          <p:cNvPr id="6" name="Retângulo 5"/>
-          <p:cNvSpPr/>
-          <p:nvPr/>
-        </p:nvSpPr>
-        <p:spPr>
-          <a:xfrm>
-            <a:off x="539552" y="4869161"/>
-            <a:ext cx="7879676" cy="144016"/>
-          </a:xfrm>
-          <a:prstGeom prst="rect">
-            <a:avLst/>
-          </a:prstGeom>
-          <a:solidFill>
-            <a:srgbClr val="C2C834"/>
-          </a:solidFill>
-          <a:ln>
-            <a:noFill/>
-          </a:ln>
-        </p:spPr>
-        <p:style>
-          <a:lnRef idx="2">
-            <a:schemeClr val="accent1">
-              <a:shade val="50000"/>
-            </a:schemeClr>
-          </a:lnRef>
-          <a:fillRef idx="1">
-            <a:schemeClr val="accent1"/>
-          </a:fillRef>
-          <a:effectRef idx="0">
-            <a:schemeClr val="accent1"/>
-          </a:effectRef>
-          <a:fontRef idx="minor">
-            <a:schemeClr val="lt1"/>
-          </a:fontRef>
-        </p:style>
-        <p:txBody>
-          <a:bodyPr rtlCol="0" anchor="ctr"/>
-          <a:lstStyle/>
-          <a:p>
-            <a:pPr algn="ctr"/>
-            <a:endParaRPr lang="pt-BR"/>
-          </a:p>
-        </p:txBody>
-      </p:sp>
       <p:grpSp>
         <p:nvGrpSpPr>
-          <p:cNvPr id="13" name="Grupo 12"/>
+          <p:cNvPr id="9" name="Grupo 8"/>
           <p:cNvGrpSpPr/>
           <p:nvPr/>
         </p:nvGrpSpPr>
         <p:grpSpPr>
           <a:xfrm>
-            <a:off x="1675136" y="3188629"/>
-            <a:ext cx="2059721" cy="1396477"/>
-            <a:chOff x="12132839" y="4041650"/>
-            <a:chExt cx="1008113" cy="683494"/>
+            <a:off x="539552" y="573014"/>
+            <a:ext cx="7879676" cy="5384700"/>
+            <a:chOff x="539552" y="573014"/>
+            <a:chExt cx="7879676" cy="5384700"/>
           </a:xfrm>
         </p:grpSpPr>
         <p:sp>
           <p:nvSpPr>
-            <p:cNvPr id="21" name="Retângulo 20"/>
+            <p:cNvPr id="3" name="Retângulo 2"/>
             <p:cNvSpPr/>
             <p:nvPr/>
           </p:nvSpPr>
           <p:spPr>
             <a:xfrm>
-              <a:off x="12963669" y="4045256"/>
-              <a:ext cx="45719" cy="359458"/>
+              <a:off x="539552" y="573014"/>
+              <a:ext cx="7879676" cy="5384700"/>
             </a:xfrm>
             <a:prstGeom prst="rect">
               <a:avLst/>
             </a:prstGeom>
             <a:solidFill>
-              <a:srgbClr val="4A2707"/>
+              <a:srgbClr val="C5E6F7"/>
             </a:solidFill>
             <a:ln>
               <a:noFill/>
@@ -5613,20 +5398,20 @@
         </p:sp>
         <p:sp>
           <p:nvSpPr>
-            <p:cNvPr id="11" name="Retângulo 10"/>
+            <p:cNvPr id="2" name="Retângulo 1"/>
             <p:cNvSpPr/>
             <p:nvPr/>
           </p:nvSpPr>
           <p:spPr>
             <a:xfrm>
-              <a:off x="12249981" y="4077654"/>
-              <a:ext cx="45719" cy="359458"/>
+              <a:off x="539552" y="4041650"/>
+              <a:ext cx="7879676" cy="1916064"/>
             </a:xfrm>
             <a:prstGeom prst="rect">
               <a:avLst/>
             </a:prstGeom>
             <a:solidFill>
-              <a:srgbClr val="4A2707"/>
+              <a:srgbClr val="D5D74D"/>
             </a:solidFill>
             <a:ln>
               <a:noFill/>
@@ -5659,20 +5444,66 @@
         </p:sp>
         <p:sp>
           <p:nvSpPr>
-            <p:cNvPr id="7" name="Retângulo 6"/>
+            <p:cNvPr id="4" name="Retângulo 3"/>
             <p:cNvSpPr/>
             <p:nvPr/>
           </p:nvSpPr>
           <p:spPr>
             <a:xfrm>
-              <a:off x="12204848" y="4437112"/>
-              <a:ext cx="72008" cy="288032"/>
+              <a:off x="539552" y="5246960"/>
+              <a:ext cx="7879676" cy="486295"/>
             </a:xfrm>
             <a:prstGeom prst="rect">
               <a:avLst/>
             </a:prstGeom>
             <a:solidFill>
-              <a:srgbClr val="4A2707"/>
+              <a:srgbClr val="B5B5B5"/>
+            </a:solidFill>
+            <a:ln>
+              <a:noFill/>
+            </a:ln>
+          </p:spPr>
+          <p:style>
+            <a:lnRef idx="2">
+              <a:schemeClr val="accent1">
+                <a:shade val="50000"/>
+              </a:schemeClr>
+            </a:lnRef>
+            <a:fillRef idx="1">
+              <a:schemeClr val="accent1"/>
+            </a:fillRef>
+            <a:effectRef idx="0">
+              <a:schemeClr val="accent1"/>
+            </a:effectRef>
+            <a:fontRef idx="minor">
+              <a:schemeClr val="lt1"/>
+            </a:fontRef>
+          </p:style>
+          <p:txBody>
+            <a:bodyPr rtlCol="0" anchor="ctr"/>
+            <a:lstStyle/>
+            <a:p>
+              <a:pPr algn="ctr"/>
+              <a:endParaRPr lang="pt-BR" dirty="0"/>
+            </a:p>
+          </p:txBody>
+        </p:sp>
+        <p:sp>
+          <p:nvSpPr>
+            <p:cNvPr id="5" name="Retângulo 4"/>
+            <p:cNvSpPr/>
+            <p:nvPr/>
+          </p:nvSpPr>
+          <p:spPr>
+            <a:xfrm>
+              <a:off x="539552" y="4999682"/>
+              <a:ext cx="7879676" cy="247278"/>
+            </a:xfrm>
+            <a:prstGeom prst="rect">
+              <a:avLst/>
+            </a:prstGeom>
+            <a:solidFill>
+              <a:srgbClr val="D3D3D1"/>
             </a:solidFill>
             <a:ln>
               <a:noFill/>
@@ -5705,20 +5536,20 @@
         </p:sp>
         <p:sp>
           <p:nvSpPr>
-            <p:cNvPr id="14" name="Retângulo 13"/>
+            <p:cNvPr id="6" name="Retângulo 5"/>
             <p:cNvSpPr/>
             <p:nvPr/>
           </p:nvSpPr>
           <p:spPr>
             <a:xfrm>
-              <a:off x="12986529" y="4396902"/>
-              <a:ext cx="72008" cy="328241"/>
+              <a:off x="539552" y="4869161"/>
+              <a:ext cx="7879676" cy="144016"/>
             </a:xfrm>
             <a:prstGeom prst="rect">
               <a:avLst/>
             </a:prstGeom>
             <a:solidFill>
-              <a:srgbClr val="4A2707"/>
+              <a:srgbClr val="C2C834"/>
             </a:solidFill>
             <a:ln>
               <a:noFill/>
@@ -5749,347 +5580,800 @@
             </a:p>
           </p:txBody>
         </p:sp>
+        <p:grpSp>
+          <p:nvGrpSpPr>
+            <p:cNvPr id="13" name="Grupo 12"/>
+            <p:cNvGrpSpPr/>
+            <p:nvPr/>
+          </p:nvGrpSpPr>
+          <p:grpSpPr>
+            <a:xfrm>
+              <a:off x="1675136" y="3188629"/>
+              <a:ext cx="2059721" cy="1396477"/>
+              <a:chOff x="12132839" y="4041650"/>
+              <a:chExt cx="1008113" cy="683494"/>
+            </a:xfrm>
+          </p:grpSpPr>
+          <p:sp>
+            <p:nvSpPr>
+              <p:cNvPr id="21" name="Retângulo 20"/>
+              <p:cNvSpPr/>
+              <p:nvPr/>
+            </p:nvSpPr>
+            <p:spPr>
+              <a:xfrm>
+                <a:off x="12963669" y="4045256"/>
+                <a:ext cx="45719" cy="359458"/>
+              </a:xfrm>
+              <a:prstGeom prst="rect">
+                <a:avLst/>
+              </a:prstGeom>
+              <a:solidFill>
+                <a:srgbClr val="4A2707"/>
+              </a:solidFill>
+              <a:ln>
+                <a:noFill/>
+              </a:ln>
+            </p:spPr>
+            <p:style>
+              <a:lnRef idx="2">
+                <a:schemeClr val="accent1">
+                  <a:shade val="50000"/>
+                </a:schemeClr>
+              </a:lnRef>
+              <a:fillRef idx="1">
+                <a:schemeClr val="accent1"/>
+              </a:fillRef>
+              <a:effectRef idx="0">
+                <a:schemeClr val="accent1"/>
+              </a:effectRef>
+              <a:fontRef idx="minor">
+                <a:schemeClr val="lt1"/>
+              </a:fontRef>
+            </p:style>
+            <p:txBody>
+              <a:bodyPr rtlCol="0" anchor="ctr"/>
+              <a:lstStyle/>
+              <a:p>
+                <a:pPr algn="ctr"/>
+                <a:endParaRPr lang="pt-BR"/>
+              </a:p>
+            </p:txBody>
+          </p:sp>
+          <p:sp>
+            <p:nvSpPr>
+              <p:cNvPr id="11" name="Retângulo 10"/>
+              <p:cNvSpPr/>
+              <p:nvPr/>
+            </p:nvSpPr>
+            <p:spPr>
+              <a:xfrm>
+                <a:off x="12249981" y="4077654"/>
+                <a:ext cx="45719" cy="359458"/>
+              </a:xfrm>
+              <a:prstGeom prst="rect">
+                <a:avLst/>
+              </a:prstGeom>
+              <a:solidFill>
+                <a:srgbClr val="4A2707"/>
+              </a:solidFill>
+              <a:ln>
+                <a:noFill/>
+              </a:ln>
+            </p:spPr>
+            <p:style>
+              <a:lnRef idx="2">
+                <a:schemeClr val="accent1">
+                  <a:shade val="50000"/>
+                </a:schemeClr>
+              </a:lnRef>
+              <a:fillRef idx="1">
+                <a:schemeClr val="accent1"/>
+              </a:fillRef>
+              <a:effectRef idx="0">
+                <a:schemeClr val="accent1"/>
+              </a:effectRef>
+              <a:fontRef idx="minor">
+                <a:schemeClr val="lt1"/>
+              </a:fontRef>
+            </p:style>
+            <p:txBody>
+              <a:bodyPr rtlCol="0" anchor="ctr"/>
+              <a:lstStyle/>
+              <a:p>
+                <a:pPr algn="ctr"/>
+                <a:endParaRPr lang="pt-BR"/>
+              </a:p>
+            </p:txBody>
+          </p:sp>
+          <p:sp>
+            <p:nvSpPr>
+              <p:cNvPr id="7" name="Retângulo 6"/>
+              <p:cNvSpPr/>
+              <p:nvPr/>
+            </p:nvSpPr>
+            <p:spPr>
+              <a:xfrm>
+                <a:off x="12204848" y="4437112"/>
+                <a:ext cx="72008" cy="288032"/>
+              </a:xfrm>
+              <a:prstGeom prst="rect">
+                <a:avLst/>
+              </a:prstGeom>
+              <a:solidFill>
+                <a:srgbClr val="4A2707"/>
+              </a:solidFill>
+              <a:ln>
+                <a:noFill/>
+              </a:ln>
+            </p:spPr>
+            <p:style>
+              <a:lnRef idx="2">
+                <a:schemeClr val="accent1">
+                  <a:shade val="50000"/>
+                </a:schemeClr>
+              </a:lnRef>
+              <a:fillRef idx="1">
+                <a:schemeClr val="accent1"/>
+              </a:fillRef>
+              <a:effectRef idx="0">
+                <a:schemeClr val="accent1"/>
+              </a:effectRef>
+              <a:fontRef idx="minor">
+                <a:schemeClr val="lt1"/>
+              </a:fontRef>
+            </p:style>
+            <p:txBody>
+              <a:bodyPr rtlCol="0" anchor="ctr"/>
+              <a:lstStyle/>
+              <a:p>
+                <a:pPr algn="ctr"/>
+                <a:endParaRPr lang="pt-BR"/>
+              </a:p>
+            </p:txBody>
+          </p:sp>
+          <p:sp>
+            <p:nvSpPr>
+              <p:cNvPr id="14" name="Retângulo 13"/>
+              <p:cNvSpPr/>
+              <p:nvPr/>
+            </p:nvSpPr>
+            <p:spPr>
+              <a:xfrm>
+                <a:off x="12986529" y="4396902"/>
+                <a:ext cx="72008" cy="328241"/>
+              </a:xfrm>
+              <a:prstGeom prst="rect">
+                <a:avLst/>
+              </a:prstGeom>
+              <a:solidFill>
+                <a:srgbClr val="4A2707"/>
+              </a:solidFill>
+              <a:ln>
+                <a:noFill/>
+              </a:ln>
+            </p:spPr>
+            <p:style>
+              <a:lnRef idx="2">
+                <a:schemeClr val="accent1">
+                  <a:shade val="50000"/>
+                </a:schemeClr>
+              </a:lnRef>
+              <a:fillRef idx="1">
+                <a:schemeClr val="accent1"/>
+              </a:fillRef>
+              <a:effectRef idx="0">
+                <a:schemeClr val="accent1"/>
+              </a:effectRef>
+              <a:fontRef idx="minor">
+                <a:schemeClr val="lt1"/>
+              </a:fontRef>
+            </p:style>
+            <p:txBody>
+              <a:bodyPr rtlCol="0" anchor="ctr"/>
+              <a:lstStyle/>
+              <a:p>
+                <a:pPr algn="ctr"/>
+                <a:endParaRPr lang="pt-BR"/>
+              </a:p>
+            </p:txBody>
+          </p:sp>
+          <p:sp>
+            <p:nvSpPr>
+              <p:cNvPr id="8" name="Retângulo 7"/>
+              <p:cNvSpPr/>
+              <p:nvPr/>
+            </p:nvSpPr>
+            <p:spPr>
+              <a:xfrm>
+                <a:off x="12132840" y="4365104"/>
+                <a:ext cx="1008112" cy="98747"/>
+              </a:xfrm>
+              <a:prstGeom prst="rect">
+                <a:avLst/>
+              </a:prstGeom>
+              <a:solidFill>
+                <a:srgbClr val="FBC85B"/>
+              </a:solidFill>
+              <a:ln>
+                <a:noFill/>
+              </a:ln>
+            </p:spPr>
+            <p:style>
+              <a:lnRef idx="2">
+                <a:schemeClr val="accent1">
+                  <a:shade val="50000"/>
+                </a:schemeClr>
+              </a:lnRef>
+              <a:fillRef idx="1">
+                <a:schemeClr val="accent1"/>
+              </a:fillRef>
+              <a:effectRef idx="0">
+                <a:schemeClr val="accent1"/>
+              </a:effectRef>
+              <a:fontRef idx="minor">
+                <a:schemeClr val="lt1"/>
+              </a:fontRef>
+            </p:style>
+            <p:txBody>
+              <a:bodyPr rtlCol="0" anchor="ctr"/>
+              <a:lstStyle/>
+              <a:p>
+                <a:pPr algn="ctr"/>
+                <a:endParaRPr lang="pt-BR"/>
+              </a:p>
+            </p:txBody>
+          </p:sp>
+          <p:sp>
+            <p:nvSpPr>
+              <p:cNvPr id="10" name="Retângulo 9"/>
+              <p:cNvSpPr/>
+              <p:nvPr/>
+            </p:nvSpPr>
+            <p:spPr>
+              <a:xfrm>
+                <a:off x="12132839" y="4249660"/>
+                <a:ext cx="1008113" cy="72008"/>
+              </a:xfrm>
+              <a:prstGeom prst="rect">
+                <a:avLst/>
+              </a:prstGeom>
+              <a:solidFill>
+                <a:srgbClr val="FBC85B"/>
+              </a:solidFill>
+              <a:ln>
+                <a:noFill/>
+              </a:ln>
+            </p:spPr>
+            <p:style>
+              <a:lnRef idx="2">
+                <a:schemeClr val="accent1">
+                  <a:shade val="50000"/>
+                </a:schemeClr>
+              </a:lnRef>
+              <a:fillRef idx="1">
+                <a:schemeClr val="accent1"/>
+              </a:fillRef>
+              <a:effectRef idx="0">
+                <a:schemeClr val="accent1"/>
+              </a:effectRef>
+              <a:fontRef idx="minor">
+                <a:schemeClr val="lt1"/>
+              </a:fontRef>
+            </p:style>
+            <p:txBody>
+              <a:bodyPr rtlCol="0" anchor="ctr"/>
+              <a:lstStyle/>
+              <a:p>
+                <a:pPr algn="ctr"/>
+                <a:endParaRPr lang="pt-BR"/>
+              </a:p>
+            </p:txBody>
+          </p:sp>
+          <p:sp>
+            <p:nvSpPr>
+              <p:cNvPr id="18" name="Retângulo 17"/>
+              <p:cNvSpPr/>
+              <p:nvPr/>
+            </p:nvSpPr>
+            <p:spPr>
+              <a:xfrm>
+                <a:off x="12132840" y="4146699"/>
+                <a:ext cx="1008112" cy="72008"/>
+              </a:xfrm>
+              <a:prstGeom prst="rect">
+                <a:avLst/>
+              </a:prstGeom>
+              <a:solidFill>
+                <a:srgbClr val="FBC85B"/>
+              </a:solidFill>
+              <a:ln>
+                <a:noFill/>
+              </a:ln>
+            </p:spPr>
+            <p:style>
+              <a:lnRef idx="2">
+                <a:schemeClr val="accent1">
+                  <a:shade val="50000"/>
+                </a:schemeClr>
+              </a:lnRef>
+              <a:fillRef idx="1">
+                <a:schemeClr val="accent1"/>
+              </a:fillRef>
+              <a:effectRef idx="0">
+                <a:schemeClr val="accent1"/>
+              </a:effectRef>
+              <a:fontRef idx="minor">
+                <a:schemeClr val="lt1"/>
+              </a:fontRef>
+            </p:style>
+            <p:txBody>
+              <a:bodyPr rtlCol="0" anchor="ctr"/>
+              <a:lstStyle/>
+              <a:p>
+                <a:pPr algn="ctr"/>
+                <a:endParaRPr lang="pt-BR"/>
+              </a:p>
+            </p:txBody>
+          </p:sp>
+          <p:sp>
+            <p:nvSpPr>
+              <p:cNvPr id="19" name="Retângulo 18"/>
+              <p:cNvSpPr/>
+              <p:nvPr/>
+            </p:nvSpPr>
+            <p:spPr>
+              <a:xfrm>
+                <a:off x="12132839" y="4041650"/>
+                <a:ext cx="1008113" cy="72008"/>
+              </a:xfrm>
+              <a:prstGeom prst="rect">
+                <a:avLst/>
+              </a:prstGeom>
+              <a:solidFill>
+                <a:srgbClr val="FBC85B"/>
+              </a:solidFill>
+              <a:ln>
+                <a:noFill/>
+              </a:ln>
+            </p:spPr>
+            <p:style>
+              <a:lnRef idx="2">
+                <a:schemeClr val="accent1">
+                  <a:shade val="50000"/>
+                </a:schemeClr>
+              </a:lnRef>
+              <a:fillRef idx="1">
+                <a:schemeClr val="accent1"/>
+              </a:fillRef>
+              <a:effectRef idx="0">
+                <a:schemeClr val="accent1"/>
+              </a:effectRef>
+              <a:fontRef idx="minor">
+                <a:schemeClr val="lt1"/>
+              </a:fontRef>
+            </p:style>
+            <p:txBody>
+              <a:bodyPr rtlCol="0" anchor="ctr"/>
+              <a:lstStyle/>
+              <a:p>
+                <a:pPr algn="ctr"/>
+                <a:endParaRPr lang="pt-BR"/>
+              </a:p>
+            </p:txBody>
+          </p:sp>
+          <p:sp>
+            <p:nvSpPr>
+              <p:cNvPr id="12" name="Retângulo 11"/>
+              <p:cNvSpPr/>
+              <p:nvPr/>
+            </p:nvSpPr>
+            <p:spPr>
+              <a:xfrm>
+                <a:off x="12132840" y="4363850"/>
+                <a:ext cx="1008112" cy="28800"/>
+              </a:xfrm>
+              <a:prstGeom prst="rect">
+                <a:avLst/>
+              </a:prstGeom>
+              <a:solidFill>
+                <a:srgbClr val="FADF9C"/>
+              </a:solidFill>
+              <a:ln>
+                <a:noFill/>
+              </a:ln>
+            </p:spPr>
+            <p:style>
+              <a:lnRef idx="2">
+                <a:schemeClr val="accent1">
+                  <a:shade val="50000"/>
+                </a:schemeClr>
+              </a:lnRef>
+              <a:fillRef idx="1">
+                <a:schemeClr val="accent1"/>
+              </a:fillRef>
+              <a:effectRef idx="0">
+                <a:schemeClr val="accent1"/>
+              </a:effectRef>
+              <a:fontRef idx="minor">
+                <a:schemeClr val="lt1"/>
+              </a:fontRef>
+            </p:style>
+            <p:txBody>
+              <a:bodyPr rtlCol="0" anchor="ctr"/>
+              <a:lstStyle/>
+              <a:p>
+                <a:pPr algn="ctr"/>
+                <a:endParaRPr lang="pt-BR"/>
+              </a:p>
+            </p:txBody>
+          </p:sp>
+          <p:sp>
+            <p:nvSpPr>
+              <p:cNvPr id="23" name="Retângulo 22"/>
+              <p:cNvSpPr/>
+              <p:nvPr/>
+            </p:nvSpPr>
+            <p:spPr>
+              <a:xfrm>
+                <a:off x="12132839" y="4242983"/>
+                <a:ext cx="1008112" cy="18000"/>
+              </a:xfrm>
+              <a:prstGeom prst="rect">
+                <a:avLst/>
+              </a:prstGeom>
+              <a:solidFill>
+                <a:srgbClr val="FADF9C"/>
+              </a:solidFill>
+              <a:ln>
+                <a:noFill/>
+              </a:ln>
+            </p:spPr>
+            <p:style>
+              <a:lnRef idx="2">
+                <a:schemeClr val="accent1">
+                  <a:shade val="50000"/>
+                </a:schemeClr>
+              </a:lnRef>
+              <a:fillRef idx="1">
+                <a:schemeClr val="accent1"/>
+              </a:fillRef>
+              <a:effectRef idx="0">
+                <a:schemeClr val="accent1"/>
+              </a:effectRef>
+              <a:fontRef idx="minor">
+                <a:schemeClr val="lt1"/>
+              </a:fontRef>
+            </p:style>
+            <p:txBody>
+              <a:bodyPr rtlCol="0" anchor="ctr"/>
+              <a:lstStyle/>
+              <a:p>
+                <a:pPr algn="ctr"/>
+                <a:endParaRPr lang="pt-BR"/>
+              </a:p>
+            </p:txBody>
+          </p:sp>
+          <p:sp>
+            <p:nvSpPr>
+              <p:cNvPr id="24" name="Retângulo 23"/>
+              <p:cNvSpPr/>
+              <p:nvPr/>
+            </p:nvSpPr>
+            <p:spPr>
+              <a:xfrm>
+                <a:off x="12132839" y="4146699"/>
+                <a:ext cx="1008112" cy="18000"/>
+              </a:xfrm>
+              <a:prstGeom prst="rect">
+                <a:avLst/>
+              </a:prstGeom>
+              <a:solidFill>
+                <a:srgbClr val="FADF9C"/>
+              </a:solidFill>
+              <a:ln>
+                <a:noFill/>
+              </a:ln>
+            </p:spPr>
+            <p:style>
+              <a:lnRef idx="2">
+                <a:schemeClr val="accent1">
+                  <a:shade val="50000"/>
+                </a:schemeClr>
+              </a:lnRef>
+              <a:fillRef idx="1">
+                <a:schemeClr val="accent1"/>
+              </a:fillRef>
+              <a:effectRef idx="0">
+                <a:schemeClr val="accent1"/>
+              </a:effectRef>
+              <a:fontRef idx="minor">
+                <a:schemeClr val="lt1"/>
+              </a:fontRef>
+            </p:style>
+            <p:txBody>
+              <a:bodyPr rtlCol="0" anchor="ctr"/>
+              <a:lstStyle/>
+              <a:p>
+                <a:pPr algn="ctr"/>
+                <a:endParaRPr lang="pt-BR"/>
+              </a:p>
+            </p:txBody>
+          </p:sp>
+          <p:sp>
+            <p:nvSpPr>
+              <p:cNvPr id="25" name="Retângulo 24"/>
+              <p:cNvSpPr/>
+              <p:nvPr/>
+            </p:nvSpPr>
+            <p:spPr>
+              <a:xfrm>
+                <a:off x="12132839" y="4041893"/>
+                <a:ext cx="1008112" cy="18000"/>
+              </a:xfrm>
+              <a:prstGeom prst="rect">
+                <a:avLst/>
+              </a:prstGeom>
+              <a:solidFill>
+                <a:srgbClr val="FADF9C"/>
+              </a:solidFill>
+              <a:ln>
+                <a:noFill/>
+              </a:ln>
+            </p:spPr>
+            <p:style>
+              <a:lnRef idx="2">
+                <a:schemeClr val="accent1">
+                  <a:shade val="50000"/>
+                </a:schemeClr>
+              </a:lnRef>
+              <a:fillRef idx="1">
+                <a:schemeClr val="accent1"/>
+              </a:fillRef>
+              <a:effectRef idx="0">
+                <a:schemeClr val="accent1"/>
+              </a:effectRef>
+              <a:fontRef idx="minor">
+                <a:schemeClr val="lt1"/>
+              </a:fontRef>
+            </p:style>
+            <p:txBody>
+              <a:bodyPr rtlCol="0" anchor="ctr"/>
+              <a:lstStyle/>
+              <a:p>
+                <a:pPr algn="ctr"/>
+                <a:endParaRPr lang="pt-BR"/>
+              </a:p>
+            </p:txBody>
+          </p:sp>
+        </p:grpSp>
+        <p:pic>
+          <p:nvPicPr>
+            <p:cNvPr id="1028" name="Picture 4" descr="C:\Users\u18194\Desktop\Ludit\LuditApp\app\src\main\res\drawable\lixo_amarelo.png"/>
+            <p:cNvPicPr>
+              <a:picLocks noChangeAspect="1" noChangeArrowheads="1"/>
+            </p:cNvPicPr>
+            <p:nvPr/>
+          </p:nvPicPr>
+          <p:blipFill>
+            <a:blip r:embed="rId5" cstate="print">
+              <a:extLst>
+                <a:ext uri="{28A0092B-C50C-407E-A947-70E740481C1C}">
+                  <a14:useLocalDpi xmlns:a14="http://schemas.microsoft.com/office/drawing/2010/main" val="0"/>
+                </a:ext>
+              </a:extLst>
+            </a:blip>
+            <a:srcRect/>
+            <a:stretch>
+              <a:fillRect/>
+            </a:stretch>
+          </p:blipFill>
+          <p:spPr bwMode="auto">
+            <a:xfrm>
+              <a:off x="6374424" y="2659470"/>
+              <a:ext cx="889632" cy="1567406"/>
+            </a:xfrm>
+            <a:prstGeom prst="rect">
+              <a:avLst/>
+            </a:prstGeom>
+            <a:noFill/>
+            <a:extLst>
+              <a:ext uri="{909E8E84-426E-40DD-AFC4-6F175D3DCCD1}">
+                <a14:hiddenFill xmlns:a14="http://schemas.microsoft.com/office/drawing/2010/main">
+                  <a:solidFill>
+                    <a:srgbClr val="FFFFFF"/>
+                  </a:solidFill>
+                </a14:hiddenFill>
+              </a:ext>
+            </a:extLst>
+          </p:spPr>
+        </p:pic>
+        <p:pic>
+          <p:nvPicPr>
+            <p:cNvPr id="1027" name="Picture 3" descr="C:\Users\u18194\Desktop\Ludit\LuditApp\app\src\main\res\drawable\lixo_vermelho.png"/>
+            <p:cNvPicPr>
+              <a:picLocks noChangeAspect="1" noChangeArrowheads="1"/>
+            </p:cNvPicPr>
+            <p:nvPr/>
+          </p:nvPicPr>
+          <p:blipFill rotWithShape="1">
+            <a:blip r:embed="rId6" cstate="print">
+              <a:extLst>
+                <a:ext uri="{28A0092B-C50C-407E-A947-70E740481C1C}">
+                  <a14:useLocalDpi xmlns:a14="http://schemas.microsoft.com/office/drawing/2010/main" val="0"/>
+                </a:ext>
+              </a:extLst>
+            </a:blip>
+            <a:srcRect b="5253"/>
+            <a:stretch/>
+          </p:blipFill>
+          <p:spPr bwMode="auto">
+            <a:xfrm>
+              <a:off x="4293256" y="2651666"/>
+              <a:ext cx="889162" cy="1575210"/>
+            </a:xfrm>
+            <a:prstGeom prst="rect">
+              <a:avLst/>
+            </a:prstGeom>
+            <a:noFill/>
+            <a:extLst>
+              <a:ext uri="{909E8E84-426E-40DD-AFC4-6F175D3DCCD1}">
+                <a14:hiddenFill xmlns:a14="http://schemas.microsoft.com/office/drawing/2010/main">
+                  <a:solidFill>
+                    <a:srgbClr val="FFFFFF"/>
+                  </a:solidFill>
+                </a14:hiddenFill>
+              </a:ext>
+            </a:extLst>
+          </p:spPr>
+        </p:pic>
+        <p:pic>
+          <p:nvPicPr>
+            <p:cNvPr id="1030" name="Picture 6" descr="C:\Users\u18194\Desktop\Ludit\LuditApp\app\src\main\res\drawable\lixo_verde.png"/>
+            <p:cNvPicPr>
+              <a:picLocks noChangeAspect="1" noChangeArrowheads="1"/>
+            </p:cNvPicPr>
+            <p:nvPr/>
+          </p:nvPicPr>
+          <p:blipFill>
+            <a:blip r:embed="rId7" cstate="print">
+              <a:extLst>
+                <a:ext uri="{28A0092B-C50C-407E-A947-70E740481C1C}">
+                  <a14:useLocalDpi xmlns:a14="http://schemas.microsoft.com/office/drawing/2010/main" val="0"/>
+                </a:ext>
+              </a:extLst>
+            </a:blip>
+            <a:srcRect/>
+            <a:stretch>
+              <a:fillRect/>
+            </a:stretch>
+          </p:blipFill>
+          <p:spPr bwMode="auto">
+            <a:xfrm>
+              <a:off x="5333840" y="2654208"/>
+              <a:ext cx="889162" cy="1572668"/>
+            </a:xfrm>
+            <a:prstGeom prst="rect">
+              <a:avLst/>
+            </a:prstGeom>
+            <a:noFill/>
+            <a:extLst>
+              <a:ext uri="{909E8E84-426E-40DD-AFC4-6F175D3DCCD1}">
+                <a14:hiddenFill xmlns:a14="http://schemas.microsoft.com/office/drawing/2010/main">
+                  <a:solidFill>
+                    <a:srgbClr val="FFFFFF"/>
+                  </a:solidFill>
+                </a14:hiddenFill>
+              </a:ext>
+            </a:extLst>
+          </p:spPr>
+        </p:pic>
+        <p:pic>
+          <p:nvPicPr>
+            <p:cNvPr id="1029" name="Picture 5" descr="C:\Users\u18194\Desktop\Ludit\LuditApp\app\src\main\res\drawable\lixo_azul.png"/>
+            <p:cNvPicPr>
+              <a:picLocks noChangeAspect="1" noChangeArrowheads="1"/>
+            </p:cNvPicPr>
+            <p:nvPr/>
+          </p:nvPicPr>
+          <p:blipFill>
+            <a:blip r:embed="rId8" cstate="print">
+              <a:extLst>
+                <a:ext uri="{28A0092B-C50C-407E-A947-70E740481C1C}">
+                  <a14:useLocalDpi xmlns:a14="http://schemas.microsoft.com/office/drawing/2010/main" val="0"/>
+                </a:ext>
+              </a:extLst>
+            </a:blip>
+            <a:srcRect/>
+            <a:stretch>
+              <a:fillRect/>
+            </a:stretch>
+          </p:blipFill>
+          <p:spPr bwMode="auto">
+            <a:xfrm>
+              <a:off x="7415477" y="2654208"/>
+              <a:ext cx="889162" cy="1572668"/>
+            </a:xfrm>
+            <a:prstGeom prst="rect">
+              <a:avLst/>
+            </a:prstGeom>
+            <a:noFill/>
+            <a:extLst>
+              <a:ext uri="{909E8E84-426E-40DD-AFC4-6F175D3DCCD1}">
+                <a14:hiddenFill xmlns:a14="http://schemas.microsoft.com/office/drawing/2010/main">
+                  <a:solidFill>
+                    <a:srgbClr val="FFFFFF"/>
+                  </a:solidFill>
+                </a14:hiddenFill>
+              </a:ext>
+            </a:extLst>
+          </p:spPr>
+        </p:pic>
+        <p:pic>
+          <p:nvPicPr>
+            <p:cNvPr id="1033" name="Picture 9" descr="C:\Users\u18194\Desktop\Ludit\Sketch\Personagens\Dodô\1x\Ativo 1.png"/>
+            <p:cNvPicPr>
+              <a:picLocks noChangeAspect="1" noChangeArrowheads="1"/>
+            </p:cNvPicPr>
+            <p:nvPr/>
+          </p:nvPicPr>
+          <p:blipFill>
+            <a:blip r:embed="rId9" cstate="print">
+              <a:extLst>
+                <a:ext uri="{28A0092B-C50C-407E-A947-70E740481C1C}">
+                  <a14:useLocalDpi xmlns:a14="http://schemas.microsoft.com/office/drawing/2010/main" val="0"/>
+                </a:ext>
+              </a:extLst>
+            </a:blip>
+            <a:srcRect/>
+            <a:stretch>
+              <a:fillRect/>
+            </a:stretch>
+          </p:blipFill>
+          <p:spPr bwMode="auto">
+            <a:xfrm>
+              <a:off x="2869231" y="2304868"/>
+              <a:ext cx="1010866" cy="1134403"/>
+            </a:xfrm>
+            <a:prstGeom prst="rect">
+              <a:avLst/>
+            </a:prstGeom>
+            <a:noFill/>
+            <a:extLst>
+              <a:ext uri="{909E8E84-426E-40DD-AFC4-6F175D3DCCD1}">
+                <a14:hiddenFill xmlns:a14="http://schemas.microsoft.com/office/drawing/2010/main">
+                  <a:solidFill>
+                    <a:srgbClr val="FFFFFF"/>
+                  </a:solidFill>
+                </a14:hiddenFill>
+              </a:ext>
+            </a:extLst>
+          </p:spPr>
+        </p:pic>
         <p:sp>
           <p:nvSpPr>
-            <p:cNvPr id="8" name="Retângulo 7"/>
+            <p:cNvPr id="28" name="Texto explicativo em forma de nuvem 27"/>
             <p:cNvSpPr/>
             <p:nvPr/>
           </p:nvSpPr>
           <p:spPr>
-            <a:xfrm>
-              <a:off x="12132840" y="4365104"/>
-              <a:ext cx="1008112" cy="98747"/>
+            <a:xfrm flipH="1">
+              <a:off x="633538" y="764704"/>
+              <a:ext cx="1634206" cy="1634824"/>
             </a:xfrm>
-            <a:prstGeom prst="rect">
-              <a:avLst/>
+            <a:prstGeom prst="cloudCallout">
+              <a:avLst>
+                <a:gd name="adj1" fmla="val -68914"/>
+                <a:gd name="adj2" fmla="val 69491"/>
+              </a:avLst>
             </a:prstGeom>
             <a:solidFill>
-              <a:srgbClr val="FBC85B"/>
+              <a:schemeClr val="bg1"/>
             </a:solidFill>
             <a:ln>
-              <a:noFill/>
-            </a:ln>
-          </p:spPr>
-          <p:style>
-            <a:lnRef idx="2">
-              <a:schemeClr val="accent1">
-                <a:shade val="50000"/>
-              </a:schemeClr>
-            </a:lnRef>
-            <a:fillRef idx="1">
-              <a:schemeClr val="accent1"/>
-            </a:fillRef>
-            <a:effectRef idx="0">
-              <a:schemeClr val="accent1"/>
-            </a:effectRef>
-            <a:fontRef idx="minor">
-              <a:schemeClr val="lt1"/>
-            </a:fontRef>
-          </p:style>
-          <p:txBody>
-            <a:bodyPr rtlCol="0" anchor="ctr"/>
-            <a:lstStyle/>
-            <a:p>
-              <a:pPr algn="ctr"/>
-              <a:endParaRPr lang="pt-BR"/>
-            </a:p>
-          </p:txBody>
-        </p:sp>
-        <p:sp>
-          <p:nvSpPr>
-            <p:cNvPr id="10" name="Retângulo 9"/>
-            <p:cNvSpPr/>
-            <p:nvPr/>
-          </p:nvSpPr>
-          <p:spPr>
-            <a:xfrm>
-              <a:off x="12132839" y="4249660"/>
-              <a:ext cx="1008113" cy="72008"/>
-            </a:xfrm>
-            <a:prstGeom prst="rect">
-              <a:avLst/>
-            </a:prstGeom>
-            <a:solidFill>
-              <a:srgbClr val="FBC85B"/>
-            </a:solidFill>
-            <a:ln>
-              <a:noFill/>
-            </a:ln>
-          </p:spPr>
-          <p:style>
-            <a:lnRef idx="2">
-              <a:schemeClr val="accent1">
-                <a:shade val="50000"/>
-              </a:schemeClr>
-            </a:lnRef>
-            <a:fillRef idx="1">
-              <a:schemeClr val="accent1"/>
-            </a:fillRef>
-            <a:effectRef idx="0">
-              <a:schemeClr val="accent1"/>
-            </a:effectRef>
-            <a:fontRef idx="minor">
-              <a:schemeClr val="lt1"/>
-            </a:fontRef>
-          </p:style>
-          <p:txBody>
-            <a:bodyPr rtlCol="0" anchor="ctr"/>
-            <a:lstStyle/>
-            <a:p>
-              <a:pPr algn="ctr"/>
-              <a:endParaRPr lang="pt-BR"/>
-            </a:p>
-          </p:txBody>
-        </p:sp>
-        <p:sp>
-          <p:nvSpPr>
-            <p:cNvPr id="18" name="Retângulo 17"/>
-            <p:cNvSpPr/>
-            <p:nvPr/>
-          </p:nvSpPr>
-          <p:spPr>
-            <a:xfrm>
-              <a:off x="12132840" y="4146699"/>
-              <a:ext cx="1008112" cy="72008"/>
-            </a:xfrm>
-            <a:prstGeom prst="rect">
-              <a:avLst/>
-            </a:prstGeom>
-            <a:solidFill>
-              <a:srgbClr val="FBC85B"/>
-            </a:solidFill>
-            <a:ln>
-              <a:noFill/>
-            </a:ln>
-          </p:spPr>
-          <p:style>
-            <a:lnRef idx="2">
-              <a:schemeClr val="accent1">
-                <a:shade val="50000"/>
-              </a:schemeClr>
-            </a:lnRef>
-            <a:fillRef idx="1">
-              <a:schemeClr val="accent1"/>
-            </a:fillRef>
-            <a:effectRef idx="0">
-              <a:schemeClr val="accent1"/>
-            </a:effectRef>
-            <a:fontRef idx="minor">
-              <a:schemeClr val="lt1"/>
-            </a:fontRef>
-          </p:style>
-          <p:txBody>
-            <a:bodyPr rtlCol="0" anchor="ctr"/>
-            <a:lstStyle/>
-            <a:p>
-              <a:pPr algn="ctr"/>
-              <a:endParaRPr lang="pt-BR"/>
-            </a:p>
-          </p:txBody>
-        </p:sp>
-        <p:sp>
-          <p:nvSpPr>
-            <p:cNvPr id="19" name="Retângulo 18"/>
-            <p:cNvSpPr/>
-            <p:nvPr/>
-          </p:nvSpPr>
-          <p:spPr>
-            <a:xfrm>
-              <a:off x="12132839" y="4041650"/>
-              <a:ext cx="1008113" cy="72008"/>
-            </a:xfrm>
-            <a:prstGeom prst="rect">
-              <a:avLst/>
-            </a:prstGeom>
-            <a:solidFill>
-              <a:srgbClr val="FBC85B"/>
-            </a:solidFill>
-            <a:ln>
-              <a:noFill/>
-            </a:ln>
-          </p:spPr>
-          <p:style>
-            <a:lnRef idx="2">
-              <a:schemeClr val="accent1">
-                <a:shade val="50000"/>
-              </a:schemeClr>
-            </a:lnRef>
-            <a:fillRef idx="1">
-              <a:schemeClr val="accent1"/>
-            </a:fillRef>
-            <a:effectRef idx="0">
-              <a:schemeClr val="accent1"/>
-            </a:effectRef>
-            <a:fontRef idx="minor">
-              <a:schemeClr val="lt1"/>
-            </a:fontRef>
-          </p:style>
-          <p:txBody>
-            <a:bodyPr rtlCol="0" anchor="ctr"/>
-            <a:lstStyle/>
-            <a:p>
-              <a:pPr algn="ctr"/>
-              <a:endParaRPr lang="pt-BR"/>
-            </a:p>
-          </p:txBody>
-        </p:sp>
-        <p:sp>
-          <p:nvSpPr>
-            <p:cNvPr id="12" name="Retângulo 11"/>
-            <p:cNvSpPr/>
-            <p:nvPr/>
-          </p:nvSpPr>
-          <p:spPr>
-            <a:xfrm>
-              <a:off x="12132840" y="4363850"/>
-              <a:ext cx="1008112" cy="28800"/>
-            </a:xfrm>
-            <a:prstGeom prst="rect">
-              <a:avLst/>
-            </a:prstGeom>
-            <a:solidFill>
-              <a:srgbClr val="FADF9C"/>
-            </a:solidFill>
-            <a:ln>
-              <a:noFill/>
-            </a:ln>
-          </p:spPr>
-          <p:style>
-            <a:lnRef idx="2">
-              <a:schemeClr val="accent1">
-                <a:shade val="50000"/>
-              </a:schemeClr>
-            </a:lnRef>
-            <a:fillRef idx="1">
-              <a:schemeClr val="accent1"/>
-            </a:fillRef>
-            <a:effectRef idx="0">
-              <a:schemeClr val="accent1"/>
-            </a:effectRef>
-            <a:fontRef idx="minor">
-              <a:schemeClr val="lt1"/>
-            </a:fontRef>
-          </p:style>
-          <p:txBody>
-            <a:bodyPr rtlCol="0" anchor="ctr"/>
-            <a:lstStyle/>
-            <a:p>
-              <a:pPr algn="ctr"/>
-              <a:endParaRPr lang="pt-BR"/>
-            </a:p>
-          </p:txBody>
-        </p:sp>
-        <p:sp>
-          <p:nvSpPr>
-            <p:cNvPr id="23" name="Retângulo 22"/>
-            <p:cNvSpPr/>
-            <p:nvPr/>
-          </p:nvSpPr>
-          <p:spPr>
-            <a:xfrm>
-              <a:off x="12132839" y="4242983"/>
-              <a:ext cx="1008112" cy="18000"/>
-            </a:xfrm>
-            <a:prstGeom prst="rect">
-              <a:avLst/>
-            </a:prstGeom>
-            <a:solidFill>
-              <a:srgbClr val="FADF9C"/>
-            </a:solidFill>
-            <a:ln>
-              <a:noFill/>
-            </a:ln>
-          </p:spPr>
-          <p:style>
-            <a:lnRef idx="2">
-              <a:schemeClr val="accent1">
-                <a:shade val="50000"/>
-              </a:schemeClr>
-            </a:lnRef>
-            <a:fillRef idx="1">
-              <a:schemeClr val="accent1"/>
-            </a:fillRef>
-            <a:effectRef idx="0">
-              <a:schemeClr val="accent1"/>
-            </a:effectRef>
-            <a:fontRef idx="minor">
-              <a:schemeClr val="lt1"/>
-            </a:fontRef>
-          </p:style>
-          <p:txBody>
-            <a:bodyPr rtlCol="0" anchor="ctr"/>
-            <a:lstStyle/>
-            <a:p>
-              <a:pPr algn="ctr"/>
-              <a:endParaRPr lang="pt-BR"/>
-            </a:p>
-          </p:txBody>
-        </p:sp>
-        <p:sp>
-          <p:nvSpPr>
-            <p:cNvPr id="24" name="Retângulo 23"/>
-            <p:cNvSpPr/>
-            <p:nvPr/>
-          </p:nvSpPr>
-          <p:spPr>
-            <a:xfrm>
-              <a:off x="12132839" y="4146699"/>
-              <a:ext cx="1008112" cy="18000"/>
-            </a:xfrm>
-            <a:prstGeom prst="rect">
-              <a:avLst/>
-            </a:prstGeom>
-            <a:solidFill>
-              <a:srgbClr val="FADF9C"/>
-            </a:solidFill>
-            <a:ln>
-              <a:noFill/>
-            </a:ln>
-          </p:spPr>
-          <p:style>
-            <a:lnRef idx="2">
-              <a:schemeClr val="accent1">
-                <a:shade val="50000"/>
-              </a:schemeClr>
-            </a:lnRef>
-            <a:fillRef idx="1">
-              <a:schemeClr val="accent1"/>
-            </a:fillRef>
-            <a:effectRef idx="0">
-              <a:schemeClr val="accent1"/>
-            </a:effectRef>
-            <a:fontRef idx="minor">
-              <a:schemeClr val="lt1"/>
-            </a:fontRef>
-          </p:style>
-          <p:txBody>
-            <a:bodyPr rtlCol="0" anchor="ctr"/>
-            <a:lstStyle/>
-            <a:p>
-              <a:pPr algn="ctr"/>
-              <a:endParaRPr lang="pt-BR"/>
-            </a:p>
-          </p:txBody>
-        </p:sp>
-        <p:sp>
-          <p:nvSpPr>
-            <p:cNvPr id="25" name="Retângulo 24"/>
-            <p:cNvSpPr/>
-            <p:nvPr/>
-          </p:nvSpPr>
-          <p:spPr>
-            <a:xfrm>
-              <a:off x="12132839" y="4041893"/>
-              <a:ext cx="1008112" cy="18000"/>
-            </a:xfrm>
-            <a:prstGeom prst="rect">
-              <a:avLst/>
-            </a:prstGeom>
-            <a:solidFill>
-              <a:srgbClr val="FADF9C"/>
-            </a:solidFill>
-            <a:ln>
-              <a:noFill/>
+              <a:solidFill>
+                <a:schemeClr val="bg1"/>
+              </a:solidFill>
             </a:ln>
           </p:spPr>
           <p:style>
@@ -6118,260 +6402,6 @@
           </p:txBody>
         </p:sp>
       </p:grpSp>
-      <p:pic>
-        <p:nvPicPr>
-          <p:cNvPr id="1028" name="Picture 4" descr="C:\Users\u18194\Desktop\Ludit\LuditApp\app\src\main\res\drawable\lixo_amarelo.png"/>
-          <p:cNvPicPr>
-            <a:picLocks noChangeAspect="1" noChangeArrowheads="1"/>
-          </p:cNvPicPr>
-          <p:nvPr/>
-        </p:nvPicPr>
-        <p:blipFill>
-          <a:blip r:embed="rId5" cstate="print">
-            <a:extLst>
-              <a:ext uri="{28A0092B-C50C-407E-A947-70E740481C1C}">
-                <a14:useLocalDpi xmlns:a14="http://schemas.microsoft.com/office/drawing/2010/main" val="0"/>
-              </a:ext>
-            </a:extLst>
-          </a:blip>
-          <a:srcRect/>
-          <a:stretch>
-            <a:fillRect/>
-          </a:stretch>
-        </p:blipFill>
-        <p:spPr bwMode="auto">
-          <a:xfrm>
-            <a:off x="6374424" y="2659470"/>
-            <a:ext cx="889632" cy="1567406"/>
-          </a:xfrm>
-          <a:prstGeom prst="rect">
-            <a:avLst/>
-          </a:prstGeom>
-          <a:noFill/>
-          <a:extLst>
-            <a:ext uri="{909E8E84-426E-40DD-AFC4-6F175D3DCCD1}">
-              <a14:hiddenFill xmlns:a14="http://schemas.microsoft.com/office/drawing/2010/main">
-                <a:solidFill>
-                  <a:srgbClr val="FFFFFF"/>
-                </a:solidFill>
-              </a14:hiddenFill>
-            </a:ext>
-          </a:extLst>
-        </p:spPr>
-      </p:pic>
-      <p:pic>
-        <p:nvPicPr>
-          <p:cNvPr id="1027" name="Picture 3" descr="C:\Users\u18194\Desktop\Ludit\LuditApp\app\src\main\res\drawable\lixo_vermelho.png"/>
-          <p:cNvPicPr>
-            <a:picLocks noChangeAspect="1" noChangeArrowheads="1"/>
-          </p:cNvPicPr>
-          <p:nvPr/>
-        </p:nvPicPr>
-        <p:blipFill rotWithShape="1">
-          <a:blip r:embed="rId6" cstate="print">
-            <a:extLst>
-              <a:ext uri="{28A0092B-C50C-407E-A947-70E740481C1C}">
-                <a14:useLocalDpi xmlns:a14="http://schemas.microsoft.com/office/drawing/2010/main" val="0"/>
-              </a:ext>
-            </a:extLst>
-          </a:blip>
-          <a:srcRect b="5253"/>
-          <a:stretch/>
-        </p:blipFill>
-        <p:spPr bwMode="auto">
-          <a:xfrm>
-            <a:off x="4293256" y="2651666"/>
-            <a:ext cx="889162" cy="1575210"/>
-          </a:xfrm>
-          <a:prstGeom prst="rect">
-            <a:avLst/>
-          </a:prstGeom>
-          <a:noFill/>
-          <a:extLst>
-            <a:ext uri="{909E8E84-426E-40DD-AFC4-6F175D3DCCD1}">
-              <a14:hiddenFill xmlns:a14="http://schemas.microsoft.com/office/drawing/2010/main">
-                <a:solidFill>
-                  <a:srgbClr val="FFFFFF"/>
-                </a:solidFill>
-              </a14:hiddenFill>
-            </a:ext>
-          </a:extLst>
-        </p:spPr>
-      </p:pic>
-      <p:pic>
-        <p:nvPicPr>
-          <p:cNvPr id="1030" name="Picture 6" descr="C:\Users\u18194\Desktop\Ludit\LuditApp\app\src\main\res\drawable\lixo_verde.png"/>
-          <p:cNvPicPr>
-            <a:picLocks noChangeAspect="1" noChangeArrowheads="1"/>
-          </p:cNvPicPr>
-          <p:nvPr/>
-        </p:nvPicPr>
-        <p:blipFill>
-          <a:blip r:embed="rId7" cstate="print">
-            <a:extLst>
-              <a:ext uri="{28A0092B-C50C-407E-A947-70E740481C1C}">
-                <a14:useLocalDpi xmlns:a14="http://schemas.microsoft.com/office/drawing/2010/main" val="0"/>
-              </a:ext>
-            </a:extLst>
-          </a:blip>
-          <a:srcRect/>
-          <a:stretch>
-            <a:fillRect/>
-          </a:stretch>
-        </p:blipFill>
-        <p:spPr bwMode="auto">
-          <a:xfrm>
-            <a:off x="5333840" y="2654208"/>
-            <a:ext cx="889162" cy="1572668"/>
-          </a:xfrm>
-          <a:prstGeom prst="rect">
-            <a:avLst/>
-          </a:prstGeom>
-          <a:noFill/>
-          <a:extLst>
-            <a:ext uri="{909E8E84-426E-40DD-AFC4-6F175D3DCCD1}">
-              <a14:hiddenFill xmlns:a14="http://schemas.microsoft.com/office/drawing/2010/main">
-                <a:solidFill>
-                  <a:srgbClr val="FFFFFF"/>
-                </a:solidFill>
-              </a14:hiddenFill>
-            </a:ext>
-          </a:extLst>
-        </p:spPr>
-      </p:pic>
-      <p:pic>
-        <p:nvPicPr>
-          <p:cNvPr id="1029" name="Picture 5" descr="C:\Users\u18194\Desktop\Ludit\LuditApp\app\src\main\res\drawable\lixo_azul.png"/>
-          <p:cNvPicPr>
-            <a:picLocks noChangeAspect="1" noChangeArrowheads="1"/>
-          </p:cNvPicPr>
-          <p:nvPr/>
-        </p:nvPicPr>
-        <p:blipFill>
-          <a:blip r:embed="rId8" cstate="print">
-            <a:extLst>
-              <a:ext uri="{28A0092B-C50C-407E-A947-70E740481C1C}">
-                <a14:useLocalDpi xmlns:a14="http://schemas.microsoft.com/office/drawing/2010/main" val="0"/>
-              </a:ext>
-            </a:extLst>
-          </a:blip>
-          <a:srcRect/>
-          <a:stretch>
-            <a:fillRect/>
-          </a:stretch>
-        </p:blipFill>
-        <p:spPr bwMode="auto">
-          <a:xfrm>
-            <a:off x="7415477" y="2654208"/>
-            <a:ext cx="889162" cy="1572668"/>
-          </a:xfrm>
-          <a:prstGeom prst="rect">
-            <a:avLst/>
-          </a:prstGeom>
-          <a:noFill/>
-          <a:extLst>
-            <a:ext uri="{909E8E84-426E-40DD-AFC4-6F175D3DCCD1}">
-              <a14:hiddenFill xmlns:a14="http://schemas.microsoft.com/office/drawing/2010/main">
-                <a:solidFill>
-                  <a:srgbClr val="FFFFFF"/>
-                </a:solidFill>
-              </a14:hiddenFill>
-            </a:ext>
-          </a:extLst>
-        </p:spPr>
-      </p:pic>
-      <p:pic>
-        <p:nvPicPr>
-          <p:cNvPr id="1033" name="Picture 9" descr="C:\Users\u18194\Desktop\Ludit\Sketch\Personagens\Dodô\1x\Ativo 1.png"/>
-          <p:cNvPicPr>
-            <a:picLocks noChangeAspect="1" noChangeArrowheads="1"/>
-          </p:cNvPicPr>
-          <p:nvPr/>
-        </p:nvPicPr>
-        <p:blipFill>
-          <a:blip r:embed="rId9" cstate="print">
-            <a:extLst>
-              <a:ext uri="{28A0092B-C50C-407E-A947-70E740481C1C}">
-                <a14:useLocalDpi xmlns:a14="http://schemas.microsoft.com/office/drawing/2010/main" val="0"/>
-              </a:ext>
-            </a:extLst>
-          </a:blip>
-          <a:srcRect/>
-          <a:stretch>
-            <a:fillRect/>
-          </a:stretch>
-        </p:blipFill>
-        <p:spPr bwMode="auto">
-          <a:xfrm>
-            <a:off x="2869231" y="2304868"/>
-            <a:ext cx="1010866" cy="1134403"/>
-          </a:xfrm>
-          <a:prstGeom prst="rect">
-            <a:avLst/>
-          </a:prstGeom>
-          <a:noFill/>
-          <a:extLst>
-            <a:ext uri="{909E8E84-426E-40DD-AFC4-6F175D3DCCD1}">
-              <a14:hiddenFill xmlns:a14="http://schemas.microsoft.com/office/drawing/2010/main">
-                <a:solidFill>
-                  <a:srgbClr val="FFFFFF"/>
-                </a:solidFill>
-              </a14:hiddenFill>
-            </a:ext>
-          </a:extLst>
-        </p:spPr>
-      </p:pic>
-      <p:sp>
-        <p:nvSpPr>
-          <p:cNvPr id="28" name="Texto explicativo em forma de nuvem 27"/>
-          <p:cNvSpPr/>
-          <p:nvPr/>
-        </p:nvSpPr>
-        <p:spPr>
-          <a:xfrm flipH="1">
-            <a:off x="633538" y="764704"/>
-            <a:ext cx="1634206" cy="1634824"/>
-          </a:xfrm>
-          <a:prstGeom prst="cloudCallout">
-            <a:avLst>
-              <a:gd name="adj1" fmla="val -68914"/>
-              <a:gd name="adj2" fmla="val 69491"/>
-            </a:avLst>
-          </a:prstGeom>
-          <a:solidFill>
-            <a:schemeClr val="bg1"/>
-          </a:solidFill>
-          <a:ln>
-            <a:solidFill>
-              <a:schemeClr val="bg1"/>
-            </a:solidFill>
-          </a:ln>
-        </p:spPr>
-        <p:style>
-          <a:lnRef idx="2">
-            <a:schemeClr val="accent1">
-              <a:shade val="50000"/>
-            </a:schemeClr>
-          </a:lnRef>
-          <a:fillRef idx="1">
-            <a:schemeClr val="accent1"/>
-          </a:fillRef>
-          <a:effectRef idx="0">
-            <a:schemeClr val="accent1"/>
-          </a:effectRef>
-          <a:fontRef idx="minor">
-            <a:schemeClr val="lt1"/>
-          </a:fontRef>
-        </p:style>
-        <p:txBody>
-          <a:bodyPr rtlCol="0" anchor="ctr"/>
-          <a:lstStyle/>
-          <a:p>
-            <a:pPr algn="ctr"/>
-            <a:endParaRPr lang="pt-BR"/>
-          </a:p>
-        </p:txBody>
-      </p:sp>
     </p:spTree>
     <p:extLst>
       <p:ext uri="{BB962C8B-B14F-4D97-AF65-F5344CB8AC3E}">
@@ -6689,7 +6719,7 @@
         </p:blipFill>
         <p:spPr bwMode="auto">
           <a:xfrm>
-            <a:off x="899592" y="188640"/>
+            <a:off x="899591" y="1052736"/>
             <a:ext cx="7753581" cy="5341257"/>
           </a:xfrm>
           <a:prstGeom prst="rect">
